--- a/Lecture Slides/VideoLectureSlides/1.3.pptx
+++ b/Lecture Slides/VideoLectureSlides/1.3.pptx
@@ -9,11 +9,11 @@
   </p:notesMasterIdLst>
   <p:sldIdLst>
     <p:sldId id="256" r:id="rId5"/>
-    <p:sldId id="314" r:id="rId6"/>
-    <p:sldId id="321" r:id="rId7"/>
-    <p:sldId id="318" r:id="rId8"/>
-    <p:sldId id="319" r:id="rId9"/>
-    <p:sldId id="320" r:id="rId10"/>
+    <p:sldId id="304" r:id="rId6"/>
+    <p:sldId id="305" r:id="rId7"/>
+    <p:sldId id="306" r:id="rId8"/>
+    <p:sldId id="308" r:id="rId9"/>
+    <p:sldId id="309" r:id="rId10"/>
     <p:sldId id="287" r:id="rId11"/>
   </p:sldIdLst>
   <p:sldSz cx="9144000" cy="6858000" type="screen4x3"/>
@@ -149,7 +149,7 @@
 <file path=ppt/revisionInfo.xml><?xml version="1.0" encoding="utf-8"?>
 <p1510:revInfo xmlns:a="http://schemas.openxmlformats.org/drawingml/2006/main" xmlns:r="http://schemas.openxmlformats.org/officeDocument/2006/relationships" xmlns:p1510="http://schemas.microsoft.com/office/powerpoint/2015/10/main">
   <p1510:revLst>
-    <p1510:client id="{1C3D8284-AEA8-4EED-95A7-E4830532795F}" v="936" dt="2020-09-01T20:22:20.253"/>
+    <p1510:client id="{A3E22C7C-4C51-4CF8-80D5-877CD6E8A6D1}" v="684" dt="2020-08-21T14:20:37.110"/>
   </p1510:revLst>
 </p1510:revInfo>
 </file>
@@ -158,19 +158,262 @@
 <pc:chgInfo xmlns:a="http://schemas.openxmlformats.org/drawingml/2006/main" xmlns:r="http://schemas.openxmlformats.org/officeDocument/2006/relationships" xmlns:ac="http://schemas.microsoft.com/office/drawing/2013/main/command" xmlns:pc="http://schemas.microsoft.com/office/powerpoint/2013/main/command">
   <pc:docChgLst>
     <pc:chgData name="Moore, Jacob Preston" userId="fdd3fd0f-c483-48c9-988d-7deb216763fd" providerId="ADAL" clId="{A3E22C7C-4C51-4CF8-80D5-877CD6E8A6D1}"/>
-    <pc:docChg chg="custSel mod addSld delSld modSld">
-      <pc:chgData name="Moore, Jacob Preston" userId="fdd3fd0f-c483-48c9-988d-7deb216763fd" providerId="ADAL" clId="{A3E22C7C-4C51-4CF8-80D5-877CD6E8A6D1}" dt="2020-08-21T15:29:23.267" v="589" actId="20577"/>
+    <pc:docChg chg="custSel addSld modSld">
+      <pc:chgData name="Moore, Jacob Preston" userId="fdd3fd0f-c483-48c9-988d-7deb216763fd" providerId="ADAL" clId="{A3E22C7C-4C51-4CF8-80D5-877CD6E8A6D1}" dt="2020-08-21T14:39:13.155" v="1020" actId="20577"/>
       <pc:docMkLst>
         <pc:docMk/>
       </pc:docMkLst>
       <pc:sldChg chg="modSp">
-        <pc:chgData name="Moore, Jacob Preston" userId="fdd3fd0f-c483-48c9-988d-7deb216763fd" providerId="ADAL" clId="{A3E22C7C-4C51-4CF8-80D5-877CD6E8A6D1}" dt="2020-08-21T14:39:36.368" v="12" actId="20577"/>
+        <pc:chgData name="Moore, Jacob Preston" userId="fdd3fd0f-c483-48c9-988d-7deb216763fd" providerId="ADAL" clId="{A3E22C7C-4C51-4CF8-80D5-877CD6E8A6D1}" dt="2020-08-21T14:39:13.155" v="1020" actId="20577"/>
         <pc:sldMkLst>
           <pc:docMk/>
           <pc:sldMk cId="3080430471" sldId="256"/>
         </pc:sldMkLst>
         <pc:spChg chg="mod">
-          <ac:chgData name="Moore, Jacob Preston" userId="fdd3fd0f-c483-48c9-988d-7deb216763fd" providerId="ADAL" clId="{A3E22C7C-4C51-4CF8-80D5-877CD6E8A6D1}" dt="2020-08-21T14:39:36.368" v="12" actId="20577"/>
+          <ac:chgData name="Moore, Jacob Preston" userId="fdd3fd0f-c483-48c9-988d-7deb216763fd" providerId="ADAL" clId="{A3E22C7C-4C51-4CF8-80D5-877CD6E8A6D1}" dt="2020-08-21T14:39:13.155" v="1020" actId="20577"/>
+          <ac:spMkLst>
+            <pc:docMk/>
+            <pc:sldMk cId="3080430471" sldId="256"/>
+            <ac:spMk id="2" creationId="{00000000-0000-0000-0000-000000000000}"/>
+          </ac:spMkLst>
+        </pc:spChg>
+      </pc:sldChg>
+      <pc:sldChg chg="addSp modSp modAnim">
+        <pc:chgData name="Moore, Jacob Preston" userId="fdd3fd0f-c483-48c9-988d-7deb216763fd" providerId="ADAL" clId="{A3E22C7C-4C51-4CF8-80D5-877CD6E8A6D1}" dt="2020-08-21T14:17:42.310" v="986"/>
+        <pc:sldMkLst>
+          <pc:docMk/>
+          <pc:sldMk cId="873321717" sldId="304"/>
+        </pc:sldMkLst>
+        <pc:spChg chg="mod">
+          <ac:chgData name="Moore, Jacob Preston" userId="fdd3fd0f-c483-48c9-988d-7deb216763fd" providerId="ADAL" clId="{A3E22C7C-4C51-4CF8-80D5-877CD6E8A6D1}" dt="2020-08-21T13:36:05.743" v="20" actId="20577"/>
+          <ac:spMkLst>
+            <pc:docMk/>
+            <pc:sldMk cId="873321717" sldId="304"/>
+            <ac:spMk id="3" creationId="{00000000-0000-0000-0000-000000000000}"/>
+          </ac:spMkLst>
+        </pc:spChg>
+        <pc:picChg chg="add mod">
+          <ac:chgData name="Moore, Jacob Preston" userId="fdd3fd0f-c483-48c9-988d-7deb216763fd" providerId="ADAL" clId="{A3E22C7C-4C51-4CF8-80D5-877CD6E8A6D1}" dt="2020-08-21T14:17:32.234" v="984" actId="1076"/>
+          <ac:picMkLst>
+            <pc:docMk/>
+            <pc:sldMk cId="873321717" sldId="304"/>
+            <ac:picMk id="5" creationId="{39EF0684-C74E-4991-B851-176C47B21232}"/>
+          </ac:picMkLst>
+        </pc:picChg>
+      </pc:sldChg>
+      <pc:sldChg chg="addSp delSp modSp modAnim">
+        <pc:chgData name="Moore, Jacob Preston" userId="fdd3fd0f-c483-48c9-988d-7deb216763fd" providerId="ADAL" clId="{A3E22C7C-4C51-4CF8-80D5-877CD6E8A6D1}" dt="2020-08-21T14:17:22.236" v="980"/>
+        <pc:sldMkLst>
+          <pc:docMk/>
+          <pc:sldMk cId="3757804491" sldId="305"/>
+        </pc:sldMkLst>
+        <pc:picChg chg="del">
+          <ac:chgData name="Moore, Jacob Preston" userId="fdd3fd0f-c483-48c9-988d-7deb216763fd" providerId="ADAL" clId="{A3E22C7C-4C51-4CF8-80D5-877CD6E8A6D1}" dt="2020-08-21T13:45:59.773" v="28" actId="478"/>
+          <ac:picMkLst>
+            <pc:docMk/>
+            <pc:sldMk cId="3757804491" sldId="305"/>
+            <ac:picMk id="1026" creationId="{00000000-0000-0000-0000-000000000000}"/>
+          </ac:picMkLst>
+        </pc:picChg>
+        <pc:picChg chg="add del mod">
+          <ac:chgData name="Moore, Jacob Preston" userId="fdd3fd0f-c483-48c9-988d-7deb216763fd" providerId="ADAL" clId="{A3E22C7C-4C51-4CF8-80D5-877CD6E8A6D1}" dt="2020-08-21T14:17:22.236" v="980"/>
+          <ac:picMkLst>
+            <pc:docMk/>
+            <pc:sldMk cId="3757804491" sldId="305"/>
+            <ac:picMk id="2050" creationId="{3F4CD74C-DFBB-4489-85C7-37D782DA68F6}"/>
+          </ac:picMkLst>
+        </pc:picChg>
+      </pc:sldChg>
+      <pc:sldChg chg="addSp delSp modSp delAnim modAnim">
+        <pc:chgData name="Moore, Jacob Preston" userId="fdd3fd0f-c483-48c9-988d-7deb216763fd" providerId="ADAL" clId="{A3E22C7C-4C51-4CF8-80D5-877CD6E8A6D1}" dt="2020-08-21T14:18:17.382" v="987"/>
+        <pc:sldMkLst>
+          <pc:docMk/>
+          <pc:sldMk cId="929007296" sldId="306"/>
+        </pc:sldMkLst>
+        <pc:spChg chg="mod">
+          <ac:chgData name="Moore, Jacob Preston" userId="fdd3fd0f-c483-48c9-988d-7deb216763fd" providerId="ADAL" clId="{A3E22C7C-4C51-4CF8-80D5-877CD6E8A6D1}" dt="2020-08-21T14:09:01.770" v="704" actId="27636"/>
+          <ac:spMkLst>
+            <pc:docMk/>
+            <pc:sldMk cId="929007296" sldId="306"/>
+            <ac:spMk id="3" creationId="{00000000-0000-0000-0000-000000000000}"/>
+          </ac:spMkLst>
+        </pc:spChg>
+        <pc:spChg chg="add mod">
+          <ac:chgData name="Moore, Jacob Preston" userId="fdd3fd0f-c483-48c9-988d-7deb216763fd" providerId="ADAL" clId="{A3E22C7C-4C51-4CF8-80D5-877CD6E8A6D1}" dt="2020-08-21T14:09:07.653" v="708" actId="1038"/>
+          <ac:spMkLst>
+            <pc:docMk/>
+            <pc:sldMk cId="929007296" sldId="306"/>
+            <ac:spMk id="11" creationId="{839AAAB5-43DA-43AA-985B-CDC7939FDFF9}"/>
+          </ac:spMkLst>
+        </pc:spChg>
+        <pc:spChg chg="add mod">
+          <ac:chgData name="Moore, Jacob Preston" userId="fdd3fd0f-c483-48c9-988d-7deb216763fd" providerId="ADAL" clId="{A3E22C7C-4C51-4CF8-80D5-877CD6E8A6D1}" dt="2020-08-21T14:09:10.633" v="709" actId="1076"/>
+          <ac:spMkLst>
+            <pc:docMk/>
+            <pc:sldMk cId="929007296" sldId="306"/>
+            <ac:spMk id="12" creationId="{E5E8F60E-99B6-4B0E-85EC-4294DDEC00C5}"/>
+          </ac:spMkLst>
+        </pc:spChg>
+        <pc:spChg chg="del">
+          <ac:chgData name="Moore, Jacob Preston" userId="fdd3fd0f-c483-48c9-988d-7deb216763fd" providerId="ADAL" clId="{A3E22C7C-4C51-4CF8-80D5-877CD6E8A6D1}" dt="2020-08-21T13:51:20.613" v="202" actId="478"/>
+          <ac:spMkLst>
+            <pc:docMk/>
+            <pc:sldMk cId="929007296" sldId="306"/>
+            <ac:spMk id="13" creationId="{00000000-0000-0000-0000-000000000000}"/>
+          </ac:spMkLst>
+        </pc:spChg>
+        <pc:picChg chg="del">
+          <ac:chgData name="Moore, Jacob Preston" userId="fdd3fd0f-c483-48c9-988d-7deb216763fd" providerId="ADAL" clId="{A3E22C7C-4C51-4CF8-80D5-877CD6E8A6D1}" dt="2020-08-21T13:49:19.416" v="32" actId="478"/>
+          <ac:picMkLst>
+            <pc:docMk/>
+            <pc:sldMk cId="929007296" sldId="306"/>
+            <ac:picMk id="2050" creationId="{00000000-0000-0000-0000-000000000000}"/>
+          </ac:picMkLst>
+        </pc:picChg>
+        <pc:cxnChg chg="del mod">
+          <ac:chgData name="Moore, Jacob Preston" userId="fdd3fd0f-c483-48c9-988d-7deb216763fd" providerId="ADAL" clId="{A3E22C7C-4C51-4CF8-80D5-877CD6E8A6D1}" dt="2020-08-21T13:52:56.324" v="205" actId="478"/>
+          <ac:cxnSpMkLst>
+            <pc:docMk/>
+            <pc:sldMk cId="929007296" sldId="306"/>
+            <ac:cxnSpMk id="6" creationId="{00000000-0000-0000-0000-000000000000}"/>
+          </ac:cxnSpMkLst>
+        </pc:cxnChg>
+        <pc:cxnChg chg="add mod">
+          <ac:chgData name="Moore, Jacob Preston" userId="fdd3fd0f-c483-48c9-988d-7deb216763fd" providerId="ADAL" clId="{A3E22C7C-4C51-4CF8-80D5-877CD6E8A6D1}" dt="2020-08-21T14:09:07.653" v="708" actId="1038"/>
+          <ac:cxnSpMkLst>
+            <pc:docMk/>
+            <pc:sldMk cId="929007296" sldId="306"/>
+            <ac:cxnSpMk id="9" creationId="{FC965FCC-8E35-4551-B8EC-5F5BFEDD3736}"/>
+          </ac:cxnSpMkLst>
+        </pc:cxnChg>
+        <pc:cxnChg chg="del mod">
+          <ac:chgData name="Moore, Jacob Preston" userId="fdd3fd0f-c483-48c9-988d-7deb216763fd" providerId="ADAL" clId="{A3E22C7C-4C51-4CF8-80D5-877CD6E8A6D1}" dt="2020-08-21T13:52:56.324" v="205" actId="478"/>
+          <ac:cxnSpMkLst>
+            <pc:docMk/>
+            <pc:sldMk cId="929007296" sldId="306"/>
+            <ac:cxnSpMk id="10" creationId="{00000000-0000-0000-0000-000000000000}"/>
+          </ac:cxnSpMkLst>
+        </pc:cxnChg>
+      </pc:sldChg>
+      <pc:sldChg chg="addSp delSp modSp delAnim modAnim">
+        <pc:chgData name="Moore, Jacob Preston" userId="fdd3fd0f-c483-48c9-988d-7deb216763fd" providerId="ADAL" clId="{A3E22C7C-4C51-4CF8-80D5-877CD6E8A6D1}" dt="2020-08-21T14:18:36.171" v="990"/>
+        <pc:sldMkLst>
+          <pc:docMk/>
+          <pc:sldMk cId="67018790" sldId="308"/>
+        </pc:sldMkLst>
+        <pc:spChg chg="del">
+          <ac:chgData name="Moore, Jacob Preston" userId="fdd3fd0f-c483-48c9-988d-7deb216763fd" providerId="ADAL" clId="{A3E22C7C-4C51-4CF8-80D5-877CD6E8A6D1}" dt="2020-08-21T14:14:38.176" v="977" actId="478"/>
+          <ac:spMkLst>
+            <pc:docMk/>
+            <pc:sldMk cId="67018790" sldId="308"/>
+            <ac:spMk id="28" creationId="{4EF6AAA1-87FD-4F3D-8017-845A4BBA2A32}"/>
+          </ac:spMkLst>
+        </pc:spChg>
+        <pc:spChg chg="del">
+          <ac:chgData name="Moore, Jacob Preston" userId="fdd3fd0f-c483-48c9-988d-7deb216763fd" providerId="ADAL" clId="{A3E22C7C-4C51-4CF8-80D5-877CD6E8A6D1}" dt="2020-08-21T14:14:42.960" v="978" actId="478"/>
+          <ac:spMkLst>
+            <pc:docMk/>
+            <pc:sldMk cId="67018790" sldId="308"/>
+            <ac:spMk id="30" creationId="{698F80B2-5B66-48C9-A105-AE18CCF306F8}"/>
+          </ac:spMkLst>
+        </pc:spChg>
+        <pc:grpChg chg="add mod">
+          <ac:chgData name="Moore, Jacob Preston" userId="fdd3fd0f-c483-48c9-988d-7deb216763fd" providerId="ADAL" clId="{A3E22C7C-4C51-4CF8-80D5-877CD6E8A6D1}" dt="2020-08-21T14:14:33.434" v="976" actId="1076"/>
+          <ac:grpSpMkLst>
+            <pc:docMk/>
+            <pc:sldMk cId="67018790" sldId="308"/>
+            <ac:grpSpMk id="19" creationId="{DC103B95-2A2F-4101-8AB3-86D8CB4B5D00}"/>
+          </ac:grpSpMkLst>
+        </pc:grpChg>
+        <pc:grpChg chg="del">
+          <ac:chgData name="Moore, Jacob Preston" userId="fdd3fd0f-c483-48c9-988d-7deb216763fd" providerId="ADAL" clId="{A3E22C7C-4C51-4CF8-80D5-877CD6E8A6D1}" dt="2020-08-21T13:39:18.942" v="21" actId="478"/>
+          <ac:grpSpMkLst>
+            <pc:docMk/>
+            <pc:sldMk cId="67018790" sldId="308"/>
+            <ac:grpSpMk id="3072" creationId="{00000000-0000-0000-0000-000000000000}"/>
+          </ac:grpSpMkLst>
+        </pc:grpChg>
+        <pc:picChg chg="add mod">
+          <ac:chgData name="Moore, Jacob Preston" userId="fdd3fd0f-c483-48c9-988d-7deb216763fd" providerId="ADAL" clId="{A3E22C7C-4C51-4CF8-80D5-877CD6E8A6D1}" dt="2020-08-21T14:09:32.171" v="710" actId="1076"/>
+          <ac:picMkLst>
+            <pc:docMk/>
+            <pc:sldMk cId="67018790" sldId="308"/>
+            <ac:picMk id="1026" creationId="{48C914D4-9F87-4994-820E-D7F41B73D8F2}"/>
+          </ac:picMkLst>
+        </pc:picChg>
+        <pc:picChg chg="del">
+          <ac:chgData name="Moore, Jacob Preston" userId="fdd3fd0f-c483-48c9-988d-7deb216763fd" providerId="ADAL" clId="{A3E22C7C-4C51-4CF8-80D5-877CD6E8A6D1}" dt="2020-08-21T13:39:20.766" v="22" actId="478"/>
+          <ac:picMkLst>
+            <pc:docMk/>
+            <pc:sldMk cId="67018790" sldId="308"/>
+            <ac:picMk id="3074" creationId="{00000000-0000-0000-0000-000000000000}"/>
+          </ac:picMkLst>
+        </pc:picChg>
+        <pc:picChg chg="del">
+          <ac:chgData name="Moore, Jacob Preston" userId="fdd3fd0f-c483-48c9-988d-7deb216763fd" providerId="ADAL" clId="{A3E22C7C-4C51-4CF8-80D5-877CD6E8A6D1}" dt="2020-08-21T13:39:48.538" v="26" actId="478"/>
+          <ac:picMkLst>
+            <pc:docMk/>
+            <pc:sldMk cId="67018790" sldId="308"/>
+            <ac:picMk id="3076" creationId="{00000000-0000-0000-0000-000000000000}"/>
+          </ac:picMkLst>
+        </pc:picChg>
+        <pc:cxnChg chg="del">
+          <ac:chgData name="Moore, Jacob Preston" userId="fdd3fd0f-c483-48c9-988d-7deb216763fd" providerId="ADAL" clId="{A3E22C7C-4C51-4CF8-80D5-877CD6E8A6D1}" dt="2020-08-21T13:39:50.668" v="27" actId="478"/>
+          <ac:cxnSpMkLst>
+            <pc:docMk/>
+            <pc:sldMk cId="67018790" sldId="308"/>
+            <ac:cxnSpMk id="7" creationId="{00000000-0000-0000-0000-000000000000}"/>
+          </ac:cxnSpMkLst>
+        </pc:cxnChg>
+        <pc:cxnChg chg="mod">
+          <ac:chgData name="Moore, Jacob Preston" userId="fdd3fd0f-c483-48c9-988d-7deb216763fd" providerId="ADAL" clId="{A3E22C7C-4C51-4CF8-80D5-877CD6E8A6D1}" dt="2020-08-21T14:14:56.233" v="979" actId="14100"/>
+          <ac:cxnSpMkLst>
+            <pc:docMk/>
+            <pc:sldMk cId="67018790" sldId="308"/>
+            <ac:cxnSpMk id="31" creationId="{E124A115-DAD3-4CED-BD2C-8BD2180162AF}"/>
+          </ac:cxnSpMkLst>
+        </pc:cxnChg>
+      </pc:sldChg>
+      <pc:sldChg chg="modSp add modAnim">
+        <pc:chgData name="Moore, Jacob Preston" userId="fdd3fd0f-c483-48c9-988d-7deb216763fd" providerId="ADAL" clId="{A3E22C7C-4C51-4CF8-80D5-877CD6E8A6D1}" dt="2020-08-21T14:20:37.110" v="994"/>
+        <pc:sldMkLst>
+          <pc:docMk/>
+          <pc:sldMk cId="4249289280" sldId="309"/>
+        </pc:sldMkLst>
+        <pc:spChg chg="mod">
+          <ac:chgData name="Moore, Jacob Preston" userId="fdd3fd0f-c483-48c9-988d-7deb216763fd" providerId="ADAL" clId="{A3E22C7C-4C51-4CF8-80D5-877CD6E8A6D1}" dt="2020-08-21T14:10:48.718" v="735" actId="20577"/>
+          <ac:spMkLst>
+            <pc:docMk/>
+            <pc:sldMk cId="4249289280" sldId="309"/>
+            <ac:spMk id="2" creationId="{F7668E36-8EF8-4522-9B9F-4BB55DCA7307}"/>
+          </ac:spMkLst>
+        </pc:spChg>
+        <pc:spChg chg="mod">
+          <ac:chgData name="Moore, Jacob Preston" userId="fdd3fd0f-c483-48c9-988d-7deb216763fd" providerId="ADAL" clId="{A3E22C7C-4C51-4CF8-80D5-877CD6E8A6D1}" dt="2020-08-21T14:19:49.786" v="993" actId="20577"/>
+          <ac:spMkLst>
+            <pc:docMk/>
+            <pc:sldMk cId="4249289280" sldId="309"/>
+            <ac:spMk id="3" creationId="{7CD31D80-09BD-408A-B08E-CA61F3385D35}"/>
+          </ac:spMkLst>
+        </pc:spChg>
+      </pc:sldChg>
+    </pc:docChg>
+  </pc:docChgLst>
+  <pc:docChgLst>
+    <pc:chgData name="Moore, Jacob Preston" userId="fdd3fd0f-c483-48c9-988d-7deb216763fd" providerId="ADAL" clId="{09F6951C-688F-4341-B21E-445DE5094D54}"/>
+    <pc:docChg chg="addSld delSld modSld">
+      <pc:chgData name="Moore, Jacob Preston" userId="fdd3fd0f-c483-48c9-988d-7deb216763fd" providerId="ADAL" clId="{09F6951C-688F-4341-B21E-445DE5094D54}" dt="2020-08-20T20:55:00.932" v="15"/>
+      <pc:docMkLst>
+        <pc:docMk/>
+      </pc:docMkLst>
+      <pc:sldChg chg="modSp">
+        <pc:chgData name="Moore, Jacob Preston" userId="fdd3fd0f-c483-48c9-988d-7deb216763fd" providerId="ADAL" clId="{09F6951C-688F-4341-B21E-445DE5094D54}" dt="2020-08-20T20:52:24.129" v="7" actId="20577"/>
+        <pc:sldMkLst>
+          <pc:docMk/>
+          <pc:sldMk cId="3080430471" sldId="256"/>
+        </pc:sldMkLst>
+        <pc:spChg chg="mod">
+          <ac:chgData name="Moore, Jacob Preston" userId="fdd3fd0f-c483-48c9-988d-7deb216763fd" providerId="ADAL" clId="{09F6951C-688F-4341-B21E-445DE5094D54}" dt="2020-08-20T20:52:24.129" v="7" actId="20577"/>
           <ac:spMkLst>
             <pc:docMk/>
             <pc:sldMk cId="3080430471" sldId="256"/>
@@ -179,263 +422,81 @@
         </pc:spChg>
       </pc:sldChg>
       <pc:sldChg chg="del">
-        <pc:chgData name="Moore, Jacob Preston" userId="fdd3fd0f-c483-48c9-988d-7deb216763fd" providerId="ADAL" clId="{A3E22C7C-4C51-4CF8-80D5-877CD6E8A6D1}" dt="2020-08-21T15:16:17.107" v="13" actId="2696"/>
+        <pc:chgData name="Moore, Jacob Preston" userId="fdd3fd0f-c483-48c9-988d-7deb216763fd" providerId="ADAL" clId="{09F6951C-688F-4341-B21E-445DE5094D54}" dt="2020-08-20T20:54:58.920" v="8" actId="2696"/>
+        <pc:sldMkLst>
+          <pc:docMk/>
+          <pc:sldMk cId="1036537886" sldId="277"/>
+        </pc:sldMkLst>
+      </pc:sldChg>
+      <pc:sldChg chg="del">
+        <pc:chgData name="Moore, Jacob Preston" userId="fdd3fd0f-c483-48c9-988d-7deb216763fd" providerId="ADAL" clId="{09F6951C-688F-4341-B21E-445DE5094D54}" dt="2020-08-20T20:54:58.934" v="9" actId="2696"/>
+        <pc:sldMkLst>
+          <pc:docMk/>
+          <pc:sldMk cId="1488625850" sldId="278"/>
+        </pc:sldMkLst>
+      </pc:sldChg>
+      <pc:sldChg chg="del">
+        <pc:chgData name="Moore, Jacob Preston" userId="fdd3fd0f-c483-48c9-988d-7deb216763fd" providerId="ADAL" clId="{09F6951C-688F-4341-B21E-445DE5094D54}" dt="2020-08-20T20:54:59.004" v="14" actId="2696"/>
+        <pc:sldMkLst>
+          <pc:docMk/>
+          <pc:sldMk cId="3553320591" sldId="288"/>
+        </pc:sldMkLst>
+      </pc:sldChg>
+      <pc:sldChg chg="del">
+        <pc:chgData name="Moore, Jacob Preston" userId="fdd3fd0f-c483-48c9-988d-7deb216763fd" providerId="ADAL" clId="{09F6951C-688F-4341-B21E-445DE5094D54}" dt="2020-08-20T20:54:58.943" v="10" actId="2696"/>
+        <pc:sldMkLst>
+          <pc:docMk/>
+          <pc:sldMk cId="1078433381" sldId="289"/>
+        </pc:sldMkLst>
+      </pc:sldChg>
+      <pc:sldChg chg="del">
+        <pc:chgData name="Moore, Jacob Preston" userId="fdd3fd0f-c483-48c9-988d-7deb216763fd" providerId="ADAL" clId="{09F6951C-688F-4341-B21E-445DE5094D54}" dt="2020-08-20T20:54:58.968" v="11" actId="2696"/>
+        <pc:sldMkLst>
+          <pc:docMk/>
+          <pc:sldMk cId="3097569946" sldId="290"/>
+        </pc:sldMkLst>
+      </pc:sldChg>
+      <pc:sldChg chg="del">
+        <pc:chgData name="Moore, Jacob Preston" userId="fdd3fd0f-c483-48c9-988d-7deb216763fd" providerId="ADAL" clId="{09F6951C-688F-4341-B21E-445DE5094D54}" dt="2020-08-20T20:54:58.976" v="12" actId="2696"/>
+        <pc:sldMkLst>
+          <pc:docMk/>
+          <pc:sldMk cId="3280287177" sldId="291"/>
+        </pc:sldMkLst>
+      </pc:sldChg>
+      <pc:sldChg chg="del">
+        <pc:chgData name="Moore, Jacob Preston" userId="fdd3fd0f-c483-48c9-988d-7deb216763fd" providerId="ADAL" clId="{09F6951C-688F-4341-B21E-445DE5094D54}" dt="2020-08-20T20:54:58.997" v="13" actId="2696"/>
+        <pc:sldMkLst>
+          <pc:docMk/>
+          <pc:sldMk cId="594052679" sldId="292"/>
+        </pc:sldMkLst>
+      </pc:sldChg>
+      <pc:sldChg chg="add">
+        <pc:chgData name="Moore, Jacob Preston" userId="fdd3fd0f-c483-48c9-988d-7deb216763fd" providerId="ADAL" clId="{09F6951C-688F-4341-B21E-445DE5094D54}" dt="2020-08-20T20:55:00.932" v="15"/>
         <pc:sldMkLst>
           <pc:docMk/>
           <pc:sldMk cId="873321717" sldId="304"/>
         </pc:sldMkLst>
       </pc:sldChg>
-      <pc:sldChg chg="del">
-        <pc:chgData name="Moore, Jacob Preston" userId="fdd3fd0f-c483-48c9-988d-7deb216763fd" providerId="ADAL" clId="{A3E22C7C-4C51-4CF8-80D5-877CD6E8A6D1}" dt="2020-08-21T15:16:17.292" v="14" actId="2696"/>
+      <pc:sldChg chg="add">
+        <pc:chgData name="Moore, Jacob Preston" userId="fdd3fd0f-c483-48c9-988d-7deb216763fd" providerId="ADAL" clId="{09F6951C-688F-4341-B21E-445DE5094D54}" dt="2020-08-20T20:55:00.932" v="15"/>
         <pc:sldMkLst>
           <pc:docMk/>
           <pc:sldMk cId="3757804491" sldId="305"/>
         </pc:sldMkLst>
       </pc:sldChg>
-      <pc:sldChg chg="del">
-        <pc:chgData name="Moore, Jacob Preston" userId="fdd3fd0f-c483-48c9-988d-7deb216763fd" providerId="ADAL" clId="{A3E22C7C-4C51-4CF8-80D5-877CD6E8A6D1}" dt="2020-08-21T15:16:17.335" v="15" actId="2696"/>
+      <pc:sldChg chg="add">
+        <pc:chgData name="Moore, Jacob Preston" userId="fdd3fd0f-c483-48c9-988d-7deb216763fd" providerId="ADAL" clId="{09F6951C-688F-4341-B21E-445DE5094D54}" dt="2020-08-20T20:55:00.932" v="15"/>
         <pc:sldMkLst>
           <pc:docMk/>
           <pc:sldMk cId="929007296" sldId="306"/>
         </pc:sldMkLst>
       </pc:sldChg>
-      <pc:sldChg chg="del">
-        <pc:chgData name="Moore, Jacob Preston" userId="fdd3fd0f-c483-48c9-988d-7deb216763fd" providerId="ADAL" clId="{A3E22C7C-4C51-4CF8-80D5-877CD6E8A6D1}" dt="2020-08-21T15:16:17.349" v="16" actId="2696"/>
+      <pc:sldChg chg="add">
+        <pc:chgData name="Moore, Jacob Preston" userId="fdd3fd0f-c483-48c9-988d-7deb216763fd" providerId="ADAL" clId="{09F6951C-688F-4341-B21E-445DE5094D54}" dt="2020-08-20T20:55:00.932" v="15"/>
         <pc:sldMkLst>
           <pc:docMk/>
           <pc:sldMk cId="67018790" sldId="308"/>
         </pc:sldMkLst>
-      </pc:sldChg>
-      <pc:sldChg chg="del">
-        <pc:chgData name="Moore, Jacob Preston" userId="fdd3fd0f-c483-48c9-988d-7deb216763fd" providerId="ADAL" clId="{A3E22C7C-4C51-4CF8-80D5-877CD6E8A6D1}" dt="2020-08-21T15:16:17.357" v="17" actId="2696"/>
-        <pc:sldMkLst>
-          <pc:docMk/>
-          <pc:sldMk cId="4249289280" sldId="309"/>
-        </pc:sldMkLst>
-      </pc:sldChg>
-      <pc:sldChg chg="modSp add">
-        <pc:chgData name="Moore, Jacob Preston" userId="fdd3fd0f-c483-48c9-988d-7deb216763fd" providerId="ADAL" clId="{A3E22C7C-4C51-4CF8-80D5-877CD6E8A6D1}" dt="2020-08-21T15:20:48.792" v="91" actId="115"/>
-        <pc:sldMkLst>
-          <pc:docMk/>
-          <pc:sldMk cId="3576391048" sldId="314"/>
-        </pc:sldMkLst>
-        <pc:spChg chg="mod">
-          <ac:chgData name="Moore, Jacob Preston" userId="fdd3fd0f-c483-48c9-988d-7deb216763fd" providerId="ADAL" clId="{A3E22C7C-4C51-4CF8-80D5-877CD6E8A6D1}" dt="2020-08-21T15:20:48.792" v="91" actId="115"/>
-          <ac:spMkLst>
-            <pc:docMk/>
-            <pc:sldMk cId="3576391048" sldId="314"/>
-            <ac:spMk id="3" creationId="{00000000-0000-0000-0000-000000000000}"/>
-          </ac:spMkLst>
-        </pc:spChg>
-      </pc:sldChg>
-      <pc:sldChg chg="addSp modSp add">
-        <pc:chgData name="Moore, Jacob Preston" userId="fdd3fd0f-c483-48c9-988d-7deb216763fd" providerId="ADAL" clId="{A3E22C7C-4C51-4CF8-80D5-877CD6E8A6D1}" dt="2020-08-21T15:24:46.969" v="364" actId="27636"/>
-        <pc:sldMkLst>
-          <pc:docMk/>
-          <pc:sldMk cId="1496043169" sldId="318"/>
-        </pc:sldMkLst>
-        <pc:spChg chg="mod">
-          <ac:chgData name="Moore, Jacob Preston" userId="fdd3fd0f-c483-48c9-988d-7deb216763fd" providerId="ADAL" clId="{A3E22C7C-4C51-4CF8-80D5-877CD6E8A6D1}" dt="2020-08-21T15:24:46.969" v="364" actId="27636"/>
-          <ac:spMkLst>
-            <pc:docMk/>
-            <pc:sldMk cId="1496043169" sldId="318"/>
-            <ac:spMk id="3" creationId="{00000000-0000-0000-0000-000000000000}"/>
-          </ac:spMkLst>
-        </pc:spChg>
-        <pc:picChg chg="add mod">
-          <ac:chgData name="Moore, Jacob Preston" userId="fdd3fd0f-c483-48c9-988d-7deb216763fd" providerId="ADAL" clId="{A3E22C7C-4C51-4CF8-80D5-877CD6E8A6D1}" dt="2020-08-21T15:24:43.941" v="362" actId="1076"/>
-          <ac:picMkLst>
-            <pc:docMk/>
-            <pc:sldMk cId="1496043169" sldId="318"/>
-            <ac:picMk id="2050" creationId="{2B4F3925-8942-46AC-853C-A4FB8EE3A98C}"/>
-          </ac:picMkLst>
-        </pc:picChg>
-      </pc:sldChg>
-      <pc:sldChg chg="modSp add modAnim">
-        <pc:chgData name="Moore, Jacob Preston" userId="fdd3fd0f-c483-48c9-988d-7deb216763fd" providerId="ADAL" clId="{A3E22C7C-4C51-4CF8-80D5-877CD6E8A6D1}" dt="2020-08-21T15:29:23.267" v="589" actId="20577"/>
-        <pc:sldMkLst>
-          <pc:docMk/>
-          <pc:sldMk cId="3724594762" sldId="319"/>
-        </pc:sldMkLst>
-        <pc:spChg chg="mod">
-          <ac:chgData name="Moore, Jacob Preston" userId="fdd3fd0f-c483-48c9-988d-7deb216763fd" providerId="ADAL" clId="{A3E22C7C-4C51-4CF8-80D5-877CD6E8A6D1}" dt="2020-08-21T15:28:59.830" v="585" actId="20577"/>
-          <ac:spMkLst>
-            <pc:docMk/>
-            <pc:sldMk cId="3724594762" sldId="319"/>
-            <ac:spMk id="3" creationId="{00000000-0000-0000-0000-000000000000}"/>
-          </ac:spMkLst>
-        </pc:spChg>
-        <pc:spChg chg="mod">
-          <ac:chgData name="Moore, Jacob Preston" userId="fdd3fd0f-c483-48c9-988d-7deb216763fd" providerId="ADAL" clId="{A3E22C7C-4C51-4CF8-80D5-877CD6E8A6D1}" dt="2020-08-21T15:29:23.267" v="589" actId="20577"/>
-          <ac:spMkLst>
-            <pc:docMk/>
-            <pc:sldMk cId="3724594762" sldId="319"/>
-            <ac:spMk id="10" creationId="{00000000-0000-0000-0000-000000000000}"/>
-          </ac:spMkLst>
-        </pc:spChg>
-        <pc:spChg chg="mod">
-          <ac:chgData name="Moore, Jacob Preston" userId="fdd3fd0f-c483-48c9-988d-7deb216763fd" providerId="ADAL" clId="{A3E22C7C-4C51-4CF8-80D5-877CD6E8A6D1}" dt="2020-08-21T15:29:20.292" v="587" actId="20577"/>
-          <ac:spMkLst>
-            <pc:docMk/>
-            <pc:sldMk cId="3724594762" sldId="319"/>
-            <ac:spMk id="12" creationId="{00000000-0000-0000-0000-000000000000}"/>
-          </ac:spMkLst>
-        </pc:spChg>
-      </pc:sldChg>
-      <pc:sldChg chg="add">
-        <pc:chgData name="Moore, Jacob Preston" userId="fdd3fd0f-c483-48c9-988d-7deb216763fd" providerId="ADAL" clId="{A3E22C7C-4C51-4CF8-80D5-877CD6E8A6D1}" dt="2020-08-21T15:16:22.032" v="18"/>
-        <pc:sldMkLst>
-          <pc:docMk/>
-          <pc:sldMk cId="3535607454" sldId="320"/>
-        </pc:sldMkLst>
-      </pc:sldChg>
-      <pc:sldChg chg="addSp modSp add mod modClrScheme chgLayout">
-        <pc:chgData name="Moore, Jacob Preston" userId="fdd3fd0f-c483-48c9-988d-7deb216763fd" providerId="ADAL" clId="{A3E22C7C-4C51-4CF8-80D5-877CD6E8A6D1}" dt="2020-08-21T15:23:22.775" v="354" actId="26606"/>
-        <pc:sldMkLst>
-          <pc:docMk/>
-          <pc:sldMk cId="80664795" sldId="321"/>
-        </pc:sldMkLst>
-        <pc:spChg chg="mod">
-          <ac:chgData name="Moore, Jacob Preston" userId="fdd3fd0f-c483-48c9-988d-7deb216763fd" providerId="ADAL" clId="{A3E22C7C-4C51-4CF8-80D5-877CD6E8A6D1}" dt="2020-08-21T15:23:02.457" v="353" actId="26606"/>
-          <ac:spMkLst>
-            <pc:docMk/>
-            <pc:sldMk cId="80664795" sldId="321"/>
-            <ac:spMk id="2" creationId="{4000E0A5-F637-4430-B45D-6EC450B1E628}"/>
-          </ac:spMkLst>
-        </pc:spChg>
-        <pc:spChg chg="mod">
-          <ac:chgData name="Moore, Jacob Preston" userId="fdd3fd0f-c483-48c9-988d-7deb216763fd" providerId="ADAL" clId="{A3E22C7C-4C51-4CF8-80D5-877CD6E8A6D1}" dt="2020-08-21T15:23:22.775" v="354" actId="26606"/>
-          <ac:spMkLst>
-            <pc:docMk/>
-            <pc:sldMk cId="80664795" sldId="321"/>
-            <ac:spMk id="3" creationId="{FAB4611A-B3D6-43D0-8970-DBA8207356B3}"/>
-          </ac:spMkLst>
-        </pc:spChg>
-        <pc:spChg chg="mod">
-          <ac:chgData name="Moore, Jacob Preston" userId="fdd3fd0f-c483-48c9-988d-7deb216763fd" providerId="ADAL" clId="{A3E22C7C-4C51-4CF8-80D5-877CD6E8A6D1}" dt="2020-08-21T15:23:02.457" v="353" actId="26606"/>
-          <ac:spMkLst>
-            <pc:docMk/>
-            <pc:sldMk cId="80664795" sldId="321"/>
-            <ac:spMk id="4" creationId="{45F4EAD0-0A6C-4725-9ED6-726F57E11D40}"/>
-          </ac:spMkLst>
-        </pc:spChg>
-        <pc:picChg chg="add mod ord">
-          <ac:chgData name="Moore, Jacob Preston" userId="fdd3fd0f-c483-48c9-988d-7deb216763fd" providerId="ADAL" clId="{A3E22C7C-4C51-4CF8-80D5-877CD6E8A6D1}" dt="2020-08-21T15:23:22.775" v="354" actId="26606"/>
-          <ac:picMkLst>
-            <pc:docMk/>
-            <pc:sldMk cId="80664795" sldId="321"/>
-            <ac:picMk id="1026" creationId="{BD40B29A-BEC1-4385-86EA-F04B4EB9A933}"/>
-          </ac:picMkLst>
-        </pc:picChg>
-      </pc:sldChg>
-    </pc:docChg>
-  </pc:docChgLst>
-  <pc:docChgLst>
-    <pc:chgData name="Moore, Jacob Preston" userId="fdd3fd0f-c483-48c9-988d-7deb216763fd" providerId="ADAL" clId="{1C3D8284-AEA8-4EED-95A7-E4830532795F}"/>
-    <pc:docChg chg="custSel modSld">
-      <pc:chgData name="Moore, Jacob Preston" userId="fdd3fd0f-c483-48c9-988d-7deb216763fd" providerId="ADAL" clId="{1C3D8284-AEA8-4EED-95A7-E4830532795F}" dt="2020-09-01T20:22:20.252" v="754" actId="20577"/>
-      <pc:docMkLst>
-        <pc:docMk/>
-      </pc:docMkLst>
-      <pc:sldChg chg="modAnim">
-        <pc:chgData name="Moore, Jacob Preston" userId="fdd3fd0f-c483-48c9-988d-7deb216763fd" providerId="ADAL" clId="{1C3D8284-AEA8-4EED-95A7-E4830532795F}" dt="2020-08-21T15:39:53.757" v="560"/>
-        <pc:sldMkLst>
-          <pc:docMk/>
-          <pc:sldMk cId="1496043169" sldId="318"/>
-        </pc:sldMkLst>
-      </pc:sldChg>
-      <pc:sldChg chg="modSp modAnim">
-        <pc:chgData name="Moore, Jacob Preston" userId="fdd3fd0f-c483-48c9-988d-7deb216763fd" providerId="ADAL" clId="{1C3D8284-AEA8-4EED-95A7-E4830532795F}" dt="2020-08-21T15:40:51.073" v="565" actId="208"/>
-        <pc:sldMkLst>
-          <pc:docMk/>
-          <pc:sldMk cId="3724594762" sldId="319"/>
-        </pc:sldMkLst>
-        <pc:spChg chg="mod">
-          <ac:chgData name="Moore, Jacob Preston" userId="fdd3fd0f-c483-48c9-988d-7deb216763fd" providerId="ADAL" clId="{1C3D8284-AEA8-4EED-95A7-E4830532795F}" dt="2020-08-21T15:31:56.757" v="40" actId="20577"/>
-          <ac:spMkLst>
-            <pc:docMk/>
-            <pc:sldMk cId="3724594762" sldId="319"/>
-            <ac:spMk id="2" creationId="{00000000-0000-0000-0000-000000000000}"/>
-          </ac:spMkLst>
-        </pc:spChg>
-        <pc:spChg chg="mod">
-          <ac:chgData name="Moore, Jacob Preston" userId="fdd3fd0f-c483-48c9-988d-7deb216763fd" providerId="ADAL" clId="{1C3D8284-AEA8-4EED-95A7-E4830532795F}" dt="2020-08-21T15:38:30.537" v="556" actId="20577"/>
-          <ac:spMkLst>
-            <pc:docMk/>
-            <pc:sldMk cId="3724594762" sldId="319"/>
-            <ac:spMk id="3" creationId="{00000000-0000-0000-0000-000000000000}"/>
-          </ac:spMkLst>
-        </pc:spChg>
-        <pc:spChg chg="mod">
-          <ac:chgData name="Moore, Jacob Preston" userId="fdd3fd0f-c483-48c9-988d-7deb216763fd" providerId="ADAL" clId="{1C3D8284-AEA8-4EED-95A7-E4830532795F}" dt="2020-08-21T15:40:51.073" v="565" actId="208"/>
-          <ac:spMkLst>
-            <pc:docMk/>
-            <pc:sldMk cId="3724594762" sldId="319"/>
-            <ac:spMk id="5" creationId="{00000000-0000-0000-0000-000000000000}"/>
-          </ac:spMkLst>
-        </pc:spChg>
-      </pc:sldChg>
-      <pc:sldChg chg="addSp delSp modSp modAnim">
-        <pc:chgData name="Moore, Jacob Preston" userId="fdd3fd0f-c483-48c9-988d-7deb216763fd" providerId="ADAL" clId="{1C3D8284-AEA8-4EED-95A7-E4830532795F}" dt="2020-08-21T15:42:38.744" v="569" actId="1076"/>
-        <pc:sldMkLst>
-          <pc:docMk/>
-          <pc:sldMk cId="3535607454" sldId="320"/>
-        </pc:sldMkLst>
-        <pc:spChg chg="mod">
-          <ac:chgData name="Moore, Jacob Preston" userId="fdd3fd0f-c483-48c9-988d-7deb216763fd" providerId="ADAL" clId="{1C3D8284-AEA8-4EED-95A7-E4830532795F}" dt="2020-08-21T15:38:40.066" v="557" actId="113"/>
-          <ac:spMkLst>
-            <pc:docMk/>
-            <pc:sldMk cId="3535607454" sldId="320"/>
-            <ac:spMk id="3" creationId="{00000000-0000-0000-0000-000000000000}"/>
-          </ac:spMkLst>
-        </pc:spChg>
-        <pc:picChg chg="del">
-          <ac:chgData name="Moore, Jacob Preston" userId="fdd3fd0f-c483-48c9-988d-7deb216763fd" providerId="ADAL" clId="{1C3D8284-AEA8-4EED-95A7-E4830532795F}" dt="2020-08-21T15:34:10.608" v="45" actId="478"/>
-          <ac:picMkLst>
-            <pc:docMk/>
-            <pc:sldMk cId="3535607454" sldId="320"/>
-            <ac:picMk id="5" creationId="{00000000-0000-0000-0000-000000000000}"/>
-          </ac:picMkLst>
-        </pc:picChg>
-        <pc:picChg chg="add mod">
-          <ac:chgData name="Moore, Jacob Preston" userId="fdd3fd0f-c483-48c9-988d-7deb216763fd" providerId="ADAL" clId="{1C3D8284-AEA8-4EED-95A7-E4830532795F}" dt="2020-08-21T15:42:38.744" v="569" actId="1076"/>
-          <ac:picMkLst>
-            <pc:docMk/>
-            <pc:sldMk cId="3535607454" sldId="320"/>
-            <ac:picMk id="6" creationId="{414E10B5-0A4E-42A2-8B43-5E93C5477A1F}"/>
-          </ac:picMkLst>
-        </pc:picChg>
-        <pc:picChg chg="add del mod">
-          <ac:chgData name="Moore, Jacob Preston" userId="fdd3fd0f-c483-48c9-988d-7deb216763fd" providerId="ADAL" clId="{1C3D8284-AEA8-4EED-95A7-E4830532795F}" dt="2020-08-21T15:42:35.759" v="568" actId="478"/>
-          <ac:picMkLst>
-            <pc:docMk/>
-            <pc:sldMk cId="3535607454" sldId="320"/>
-            <ac:picMk id="8" creationId="{8C81D8CE-81CC-40DC-B765-876D28E83664}"/>
-          </ac:picMkLst>
-        </pc:picChg>
-        <pc:picChg chg="del">
-          <ac:chgData name="Moore, Jacob Preston" userId="fdd3fd0f-c483-48c9-988d-7deb216763fd" providerId="ADAL" clId="{1C3D8284-AEA8-4EED-95A7-E4830532795F}" dt="2020-08-21T15:33:50.089" v="41" actId="478"/>
-          <ac:picMkLst>
-            <pc:docMk/>
-            <pc:sldMk cId="3535607454" sldId="320"/>
-            <ac:picMk id="1026" creationId="{00000000-0000-0000-0000-000000000000}"/>
-          </ac:picMkLst>
-        </pc:picChg>
-      </pc:sldChg>
-      <pc:sldChg chg="modSp modAnim">
-        <pc:chgData name="Moore, Jacob Preston" userId="fdd3fd0f-c483-48c9-988d-7deb216763fd" providerId="ADAL" clId="{1C3D8284-AEA8-4EED-95A7-E4830532795F}" dt="2020-09-01T20:22:20.252" v="754" actId="20577"/>
-        <pc:sldMkLst>
-          <pc:docMk/>
-          <pc:sldMk cId="80664795" sldId="321"/>
-        </pc:sldMkLst>
-        <pc:spChg chg="mod">
-          <ac:chgData name="Moore, Jacob Preston" userId="fdd3fd0f-c483-48c9-988d-7deb216763fd" providerId="ADAL" clId="{1C3D8284-AEA8-4EED-95A7-E4830532795F}" dt="2020-09-01T20:22:20.252" v="754" actId="20577"/>
-          <ac:spMkLst>
-            <pc:docMk/>
-            <pc:sldMk cId="80664795" sldId="321"/>
-            <ac:spMk id="3" creationId="{FAB4611A-B3D6-43D0-8970-DBA8207356B3}"/>
-          </ac:spMkLst>
-        </pc:spChg>
       </pc:sldChg>
     </pc:docChg>
   </pc:docChgLst>
@@ -524,7 +585,7 @@
           <a:p>
             <a:fld id="{1AA1AB63-216F-4D5B-8811-CCB935E98D4A}" type="datetimeFigureOut">
               <a:rPr lang="en-US" smtClean="0"/>
-              <a:t>9/1/2020</a:t>
+              <a:t>8/21/2020</a:t>
             </a:fld>
             <a:endParaRPr lang="en-US"/>
           </a:p>
@@ -3974,7 +4035,7 @@
           <a:p>
             <a:r>
               <a:rPr lang="en-US" dirty="0"/>
-              <a:t>Moments</a:t>
+              <a:t>Forces</a:t>
             </a:r>
           </a:p>
         </p:txBody>
@@ -4062,7 +4123,7 @@
           <a:p>
             <a:r>
               <a:rPr lang="en-US" dirty="0"/>
-              <a:t>Moments</a:t>
+              <a:t>Forces</a:t>
             </a:r>
           </a:p>
         </p:txBody>
@@ -4077,37 +4138,63 @@
             <p:ph idx="1"/>
           </p:nvPr>
         </p:nvSpPr>
-        <p:spPr>
-          <a:xfrm>
-            <a:off x="457200" y="1600200"/>
-            <a:ext cx="8229600" cy="4571999"/>
-          </a:xfrm>
-        </p:spPr>
+        <p:spPr/>
         <p:txBody>
           <a:bodyPr>
-            <a:normAutofit/>
+            <a:normAutofit lnSpcReduction="10000"/>
           </a:bodyPr>
           <a:lstStyle/>
           <a:p>
             <a:r>
               <a:rPr lang="en-US" dirty="0"/>
-              <a:t>A </a:t>
-            </a:r>
-            <a:r>
-              <a:rPr lang="en-US" b="1" dirty="0"/>
-              <a:t>moment of a force </a:t>
-            </a:r>
+              <a:t>A force is any influence that would cause a body to accelerate.</a:t>
+            </a:r>
+          </a:p>
+          <a:p>
+            <a:pPr lvl="1"/>
             <a:r>
               <a:rPr lang="en-US" dirty="0"/>
-              <a:t>is the tendency of that force to cause a rotation of a body in the form of an </a:t>
-            </a:r>
-            <a:r>
-              <a:rPr lang="en-US" b="1" dirty="0"/>
-              <a:t>angular acceleration</a:t>
-            </a:r>
+              <a:t>Anything you would call a push or a pull.</a:t>
+            </a:r>
+          </a:p>
+          <a:p>
+            <a:pPr lvl="1"/>
+            <a:endParaRPr lang="en-US" dirty="0"/>
+          </a:p>
+          <a:p>
             <a:r>
               <a:rPr lang="en-US" dirty="0"/>
-              <a:t>.</a:t>
+              <a:t>Each force has three distinguishing characteristics.</a:t>
+            </a:r>
+          </a:p>
+          <a:p>
+            <a:pPr marL="971550" lvl="1" indent="-514350">
+              <a:buFont typeface="+mj-lt"/>
+              <a:buAutoNum type="arabicPeriod"/>
+            </a:pPr>
+            <a:r>
+              <a:rPr lang="en-US" dirty="0"/>
+              <a:t>Magnitude</a:t>
+            </a:r>
+          </a:p>
+          <a:p>
+            <a:pPr marL="971550" lvl="1" indent="-514350">
+              <a:buFont typeface="+mj-lt"/>
+              <a:buAutoNum type="arabicPeriod"/>
+            </a:pPr>
+            <a:r>
+              <a:rPr lang="en-US" dirty="0"/>
+              <a:t>Direction</a:t>
+            </a:r>
+          </a:p>
+          <a:p>
+            <a:pPr marL="971550" lvl="1" indent="-514350">
+              <a:buFont typeface="+mj-lt"/>
+              <a:buAutoNum type="arabicPeriod"/>
+            </a:pPr>
+            <a:r>
+              <a:rPr lang="en-US" dirty="0"/>
+              <a:t>Point of Application</a:t>
             </a:r>
           </a:p>
         </p:txBody>
@@ -4137,7 +4224,13 @@
       </p:sp>
       <p:pic>
         <p:nvPicPr>
-          <p:cNvPr id="1026" name="Picture 2" descr="The tendancy of a force to rotate a body"/>
+          <p:cNvPr id="5" name="Picture 2" descr="Vendor, Cart, Red, Covered, Pulling And Pushing">
+            <a:extLst>
+              <a:ext uri="{FF2B5EF4-FFF2-40B4-BE49-F238E27FC236}">
+                <a16:creationId xmlns:a16="http://schemas.microsoft.com/office/drawing/2014/main" id="{39EF0684-C74E-4991-B851-176C47B21232}"/>
+              </a:ext>
+            </a:extLst>
+          </p:cNvPr>
           <p:cNvPicPr>
             <a:picLocks noChangeAspect="1" noChangeArrowheads="1"/>
           </p:cNvPicPr>
@@ -4158,8 +4251,8 @@
         </p:blipFill>
         <p:spPr bwMode="auto">
           <a:xfrm>
-            <a:off x="1143000" y="3505200"/>
-            <a:ext cx="7054780" cy="3209925"/>
+            <a:off x="4876800" y="4203223"/>
+            <a:ext cx="3581400" cy="2380139"/>
           </a:xfrm>
           <a:prstGeom prst="rect">
             <a:avLst/>
@@ -4179,7 +4272,877 @@
     </p:spTree>
     <p:extLst>
       <p:ext uri="{BB962C8B-B14F-4D97-AF65-F5344CB8AC3E}">
-        <p14:creationId xmlns:p14="http://schemas.microsoft.com/office/powerpoint/2010/main" val="3576391048"/>
+        <p14:creationId xmlns:p14="http://schemas.microsoft.com/office/powerpoint/2010/main" val="873321717"/>
+      </p:ext>
+    </p:extLst>
+  </p:cSld>
+  <p:clrMapOvr>
+    <a:masterClrMapping/>
+  </p:clrMapOvr>
+  <p:timing>
+    <p:tnLst>
+      <p:par>
+        <p:cTn id="1" dur="indefinite" restart="never" nodeType="tmRoot">
+          <p:childTnLst>
+            <p:seq concurrent="1" nextAc="seek">
+              <p:cTn id="2" dur="indefinite" nodeType="mainSeq">
+                <p:childTnLst>
+                  <p:par>
+                    <p:cTn id="3" fill="hold">
+                      <p:stCondLst>
+                        <p:cond delay="indefinite"/>
+                      </p:stCondLst>
+                      <p:childTnLst>
+                        <p:par>
+                          <p:cTn id="4" fill="hold">
+                            <p:stCondLst>
+                              <p:cond delay="0"/>
+                            </p:stCondLst>
+                            <p:childTnLst>
+                              <p:par>
+                                <p:cTn id="5" presetID="10" presetClass="entr" presetSubtype="0" fill="hold" grpId="0" nodeType="clickEffect">
+                                  <p:stCondLst>
+                                    <p:cond delay="0"/>
+                                  </p:stCondLst>
+                                  <p:childTnLst>
+                                    <p:set>
+                                      <p:cBhvr>
+                                        <p:cTn id="6" dur="1" fill="hold">
+                                          <p:stCondLst>
+                                            <p:cond delay="0"/>
+                                          </p:stCondLst>
+                                        </p:cTn>
+                                        <p:tgtEl>
+                                          <p:spTgt spid="3">
+                                            <p:txEl>
+                                              <p:pRg st="0" end="0"/>
+                                            </p:txEl>
+                                          </p:spTgt>
+                                        </p:tgtEl>
+                                        <p:attrNameLst>
+                                          <p:attrName>style.visibility</p:attrName>
+                                        </p:attrNameLst>
+                                      </p:cBhvr>
+                                      <p:to>
+                                        <p:strVal val="visible"/>
+                                      </p:to>
+                                    </p:set>
+                                    <p:animEffect transition="in" filter="fade">
+                                      <p:cBhvr>
+                                        <p:cTn id="7" dur="500"/>
+                                        <p:tgtEl>
+                                          <p:spTgt spid="3">
+                                            <p:txEl>
+                                              <p:pRg st="0" end="0"/>
+                                            </p:txEl>
+                                          </p:spTgt>
+                                        </p:tgtEl>
+                                      </p:cBhvr>
+                                    </p:animEffect>
+                                  </p:childTnLst>
+                                </p:cTn>
+                              </p:par>
+                            </p:childTnLst>
+                          </p:cTn>
+                        </p:par>
+                      </p:childTnLst>
+                    </p:cTn>
+                  </p:par>
+                  <p:par>
+                    <p:cTn id="8" fill="hold">
+                      <p:stCondLst>
+                        <p:cond delay="indefinite"/>
+                      </p:stCondLst>
+                      <p:childTnLst>
+                        <p:par>
+                          <p:cTn id="9" fill="hold">
+                            <p:stCondLst>
+                              <p:cond delay="0"/>
+                            </p:stCondLst>
+                            <p:childTnLst>
+                              <p:par>
+                                <p:cTn id="10" presetID="10" presetClass="entr" presetSubtype="0" fill="hold" grpId="0" nodeType="clickEffect">
+                                  <p:stCondLst>
+                                    <p:cond delay="0"/>
+                                  </p:stCondLst>
+                                  <p:childTnLst>
+                                    <p:set>
+                                      <p:cBhvr>
+                                        <p:cTn id="11" dur="1" fill="hold">
+                                          <p:stCondLst>
+                                            <p:cond delay="0"/>
+                                          </p:stCondLst>
+                                        </p:cTn>
+                                        <p:tgtEl>
+                                          <p:spTgt spid="3">
+                                            <p:txEl>
+                                              <p:pRg st="1" end="1"/>
+                                            </p:txEl>
+                                          </p:spTgt>
+                                        </p:tgtEl>
+                                        <p:attrNameLst>
+                                          <p:attrName>style.visibility</p:attrName>
+                                        </p:attrNameLst>
+                                      </p:cBhvr>
+                                      <p:to>
+                                        <p:strVal val="visible"/>
+                                      </p:to>
+                                    </p:set>
+                                    <p:animEffect transition="in" filter="fade">
+                                      <p:cBhvr>
+                                        <p:cTn id="12" dur="500"/>
+                                        <p:tgtEl>
+                                          <p:spTgt spid="3">
+                                            <p:txEl>
+                                              <p:pRg st="1" end="1"/>
+                                            </p:txEl>
+                                          </p:spTgt>
+                                        </p:tgtEl>
+                                      </p:cBhvr>
+                                    </p:animEffect>
+                                  </p:childTnLst>
+                                </p:cTn>
+                              </p:par>
+                            </p:childTnLst>
+                          </p:cTn>
+                        </p:par>
+                      </p:childTnLst>
+                    </p:cTn>
+                  </p:par>
+                  <p:par>
+                    <p:cTn id="13" fill="hold">
+                      <p:stCondLst>
+                        <p:cond delay="indefinite"/>
+                      </p:stCondLst>
+                      <p:childTnLst>
+                        <p:par>
+                          <p:cTn id="14" fill="hold">
+                            <p:stCondLst>
+                              <p:cond delay="0"/>
+                            </p:stCondLst>
+                            <p:childTnLst>
+                              <p:par>
+                                <p:cTn id="15" presetID="10" presetClass="entr" presetSubtype="0" fill="hold" nodeType="clickEffect">
+                                  <p:stCondLst>
+                                    <p:cond delay="0"/>
+                                  </p:stCondLst>
+                                  <p:childTnLst>
+                                    <p:set>
+                                      <p:cBhvr>
+                                        <p:cTn id="16" dur="1" fill="hold">
+                                          <p:stCondLst>
+                                            <p:cond delay="0"/>
+                                          </p:stCondLst>
+                                        </p:cTn>
+                                        <p:tgtEl>
+                                          <p:spTgt spid="5"/>
+                                        </p:tgtEl>
+                                        <p:attrNameLst>
+                                          <p:attrName>style.visibility</p:attrName>
+                                        </p:attrNameLst>
+                                      </p:cBhvr>
+                                      <p:to>
+                                        <p:strVal val="visible"/>
+                                      </p:to>
+                                    </p:set>
+                                    <p:animEffect transition="in" filter="fade">
+                                      <p:cBhvr>
+                                        <p:cTn id="17" dur="500"/>
+                                        <p:tgtEl>
+                                          <p:spTgt spid="5"/>
+                                        </p:tgtEl>
+                                      </p:cBhvr>
+                                    </p:animEffect>
+                                  </p:childTnLst>
+                                </p:cTn>
+                              </p:par>
+                            </p:childTnLst>
+                          </p:cTn>
+                        </p:par>
+                      </p:childTnLst>
+                    </p:cTn>
+                  </p:par>
+                  <p:par>
+                    <p:cTn id="18" fill="hold">
+                      <p:stCondLst>
+                        <p:cond delay="indefinite"/>
+                      </p:stCondLst>
+                      <p:childTnLst>
+                        <p:par>
+                          <p:cTn id="19" fill="hold">
+                            <p:stCondLst>
+                              <p:cond delay="0"/>
+                            </p:stCondLst>
+                            <p:childTnLst>
+                              <p:par>
+                                <p:cTn id="20" presetID="10" presetClass="entr" presetSubtype="0" fill="hold" grpId="0" nodeType="clickEffect">
+                                  <p:stCondLst>
+                                    <p:cond delay="0"/>
+                                  </p:stCondLst>
+                                  <p:childTnLst>
+                                    <p:set>
+                                      <p:cBhvr>
+                                        <p:cTn id="21" dur="1" fill="hold">
+                                          <p:stCondLst>
+                                            <p:cond delay="0"/>
+                                          </p:stCondLst>
+                                        </p:cTn>
+                                        <p:tgtEl>
+                                          <p:spTgt spid="3">
+                                            <p:txEl>
+                                              <p:pRg st="3" end="3"/>
+                                            </p:txEl>
+                                          </p:spTgt>
+                                        </p:tgtEl>
+                                        <p:attrNameLst>
+                                          <p:attrName>style.visibility</p:attrName>
+                                        </p:attrNameLst>
+                                      </p:cBhvr>
+                                      <p:to>
+                                        <p:strVal val="visible"/>
+                                      </p:to>
+                                    </p:set>
+                                    <p:animEffect transition="in" filter="fade">
+                                      <p:cBhvr>
+                                        <p:cTn id="22" dur="500"/>
+                                        <p:tgtEl>
+                                          <p:spTgt spid="3">
+                                            <p:txEl>
+                                              <p:pRg st="3" end="3"/>
+                                            </p:txEl>
+                                          </p:spTgt>
+                                        </p:tgtEl>
+                                      </p:cBhvr>
+                                    </p:animEffect>
+                                  </p:childTnLst>
+                                </p:cTn>
+                              </p:par>
+                            </p:childTnLst>
+                          </p:cTn>
+                        </p:par>
+                      </p:childTnLst>
+                    </p:cTn>
+                  </p:par>
+                  <p:par>
+                    <p:cTn id="23" fill="hold">
+                      <p:stCondLst>
+                        <p:cond delay="indefinite"/>
+                      </p:stCondLst>
+                      <p:childTnLst>
+                        <p:par>
+                          <p:cTn id="24" fill="hold">
+                            <p:stCondLst>
+                              <p:cond delay="0"/>
+                            </p:stCondLst>
+                            <p:childTnLst>
+                              <p:par>
+                                <p:cTn id="25" presetID="10" presetClass="entr" presetSubtype="0" fill="hold" grpId="0" nodeType="clickEffect">
+                                  <p:stCondLst>
+                                    <p:cond delay="0"/>
+                                  </p:stCondLst>
+                                  <p:childTnLst>
+                                    <p:set>
+                                      <p:cBhvr>
+                                        <p:cTn id="26" dur="1" fill="hold">
+                                          <p:stCondLst>
+                                            <p:cond delay="0"/>
+                                          </p:stCondLst>
+                                        </p:cTn>
+                                        <p:tgtEl>
+                                          <p:spTgt spid="3">
+                                            <p:txEl>
+                                              <p:pRg st="4" end="4"/>
+                                            </p:txEl>
+                                          </p:spTgt>
+                                        </p:tgtEl>
+                                        <p:attrNameLst>
+                                          <p:attrName>style.visibility</p:attrName>
+                                        </p:attrNameLst>
+                                      </p:cBhvr>
+                                      <p:to>
+                                        <p:strVal val="visible"/>
+                                      </p:to>
+                                    </p:set>
+                                    <p:animEffect transition="in" filter="fade">
+                                      <p:cBhvr>
+                                        <p:cTn id="27" dur="500"/>
+                                        <p:tgtEl>
+                                          <p:spTgt spid="3">
+                                            <p:txEl>
+                                              <p:pRg st="4" end="4"/>
+                                            </p:txEl>
+                                          </p:spTgt>
+                                        </p:tgtEl>
+                                      </p:cBhvr>
+                                    </p:animEffect>
+                                  </p:childTnLst>
+                                </p:cTn>
+                              </p:par>
+                            </p:childTnLst>
+                          </p:cTn>
+                        </p:par>
+                      </p:childTnLst>
+                    </p:cTn>
+                  </p:par>
+                  <p:par>
+                    <p:cTn id="28" fill="hold">
+                      <p:stCondLst>
+                        <p:cond delay="indefinite"/>
+                      </p:stCondLst>
+                      <p:childTnLst>
+                        <p:par>
+                          <p:cTn id="29" fill="hold">
+                            <p:stCondLst>
+                              <p:cond delay="0"/>
+                            </p:stCondLst>
+                            <p:childTnLst>
+                              <p:par>
+                                <p:cTn id="30" presetID="10" presetClass="entr" presetSubtype="0" fill="hold" grpId="0" nodeType="clickEffect">
+                                  <p:stCondLst>
+                                    <p:cond delay="0"/>
+                                  </p:stCondLst>
+                                  <p:childTnLst>
+                                    <p:set>
+                                      <p:cBhvr>
+                                        <p:cTn id="31" dur="1" fill="hold">
+                                          <p:stCondLst>
+                                            <p:cond delay="0"/>
+                                          </p:stCondLst>
+                                        </p:cTn>
+                                        <p:tgtEl>
+                                          <p:spTgt spid="3">
+                                            <p:txEl>
+                                              <p:pRg st="5" end="5"/>
+                                            </p:txEl>
+                                          </p:spTgt>
+                                        </p:tgtEl>
+                                        <p:attrNameLst>
+                                          <p:attrName>style.visibility</p:attrName>
+                                        </p:attrNameLst>
+                                      </p:cBhvr>
+                                      <p:to>
+                                        <p:strVal val="visible"/>
+                                      </p:to>
+                                    </p:set>
+                                    <p:animEffect transition="in" filter="fade">
+                                      <p:cBhvr>
+                                        <p:cTn id="32" dur="500"/>
+                                        <p:tgtEl>
+                                          <p:spTgt spid="3">
+                                            <p:txEl>
+                                              <p:pRg st="5" end="5"/>
+                                            </p:txEl>
+                                          </p:spTgt>
+                                        </p:tgtEl>
+                                      </p:cBhvr>
+                                    </p:animEffect>
+                                  </p:childTnLst>
+                                </p:cTn>
+                              </p:par>
+                            </p:childTnLst>
+                          </p:cTn>
+                        </p:par>
+                      </p:childTnLst>
+                    </p:cTn>
+                  </p:par>
+                  <p:par>
+                    <p:cTn id="33" fill="hold">
+                      <p:stCondLst>
+                        <p:cond delay="indefinite"/>
+                      </p:stCondLst>
+                      <p:childTnLst>
+                        <p:par>
+                          <p:cTn id="34" fill="hold">
+                            <p:stCondLst>
+                              <p:cond delay="0"/>
+                            </p:stCondLst>
+                            <p:childTnLst>
+                              <p:par>
+                                <p:cTn id="35" presetID="10" presetClass="entr" presetSubtype="0" fill="hold" grpId="0" nodeType="clickEffect">
+                                  <p:stCondLst>
+                                    <p:cond delay="0"/>
+                                  </p:stCondLst>
+                                  <p:childTnLst>
+                                    <p:set>
+                                      <p:cBhvr>
+                                        <p:cTn id="36" dur="1" fill="hold">
+                                          <p:stCondLst>
+                                            <p:cond delay="0"/>
+                                          </p:stCondLst>
+                                        </p:cTn>
+                                        <p:tgtEl>
+                                          <p:spTgt spid="3">
+                                            <p:txEl>
+                                              <p:pRg st="6" end="6"/>
+                                            </p:txEl>
+                                          </p:spTgt>
+                                        </p:tgtEl>
+                                        <p:attrNameLst>
+                                          <p:attrName>style.visibility</p:attrName>
+                                        </p:attrNameLst>
+                                      </p:cBhvr>
+                                      <p:to>
+                                        <p:strVal val="visible"/>
+                                      </p:to>
+                                    </p:set>
+                                    <p:animEffect transition="in" filter="fade">
+                                      <p:cBhvr>
+                                        <p:cTn id="37" dur="500"/>
+                                        <p:tgtEl>
+                                          <p:spTgt spid="3">
+                                            <p:txEl>
+                                              <p:pRg st="6" end="6"/>
+                                            </p:txEl>
+                                          </p:spTgt>
+                                        </p:tgtEl>
+                                      </p:cBhvr>
+                                    </p:animEffect>
+                                  </p:childTnLst>
+                                </p:cTn>
+                              </p:par>
+                            </p:childTnLst>
+                          </p:cTn>
+                        </p:par>
+                      </p:childTnLst>
+                    </p:cTn>
+                  </p:par>
+                </p:childTnLst>
+              </p:cTn>
+              <p:prevCondLst>
+                <p:cond evt="onPrev" delay="0">
+                  <p:tgtEl>
+                    <p:sldTgt/>
+                  </p:tgtEl>
+                </p:cond>
+              </p:prevCondLst>
+              <p:nextCondLst>
+                <p:cond evt="onNext" delay="0">
+                  <p:tgtEl>
+                    <p:sldTgt/>
+                  </p:tgtEl>
+                </p:cond>
+              </p:nextCondLst>
+            </p:seq>
+          </p:childTnLst>
+        </p:cTn>
+      </p:par>
+    </p:tnLst>
+    <p:bldLst>
+      <p:bldP spid="3" grpId="0" uiExpand="1" build="p"/>
+    </p:bldLst>
+  </p:timing>
+</p:sld>
+</file>
+
+<file path=ppt/slides/slide3.xml><?xml version="1.0" encoding="utf-8"?>
+<p:sld xmlns:a="http://schemas.openxmlformats.org/drawingml/2006/main" xmlns:r="http://schemas.openxmlformats.org/officeDocument/2006/relationships" xmlns:p="http://schemas.openxmlformats.org/presentationml/2006/main">
+  <p:cSld>
+    <p:spTree>
+      <p:nvGrpSpPr>
+        <p:cNvPr id="1" name=""/>
+        <p:cNvGrpSpPr/>
+        <p:nvPr/>
+      </p:nvGrpSpPr>
+      <p:grpSpPr>
+        <a:xfrm>
+          <a:off x="0" y="0"/>
+          <a:ext cx="0" cy="0"/>
+          <a:chOff x="0" y="0"/>
+          <a:chExt cx="0" cy="0"/>
+        </a:xfrm>
+      </p:grpSpPr>
+      <p:sp>
+        <p:nvSpPr>
+          <p:cNvPr id="2" name="Title 1"/>
+          <p:cNvSpPr>
+            <a:spLocks noGrp="1"/>
+          </p:cNvSpPr>
+          <p:nvPr>
+            <p:ph type="title"/>
+          </p:nvPr>
+        </p:nvSpPr>
+        <p:spPr/>
+        <p:txBody>
+          <a:bodyPr/>
+          <a:lstStyle/>
+          <a:p>
+            <a:r>
+              <a:rPr lang="en-US" dirty="0"/>
+              <a:t>Magnitude</a:t>
+            </a:r>
+          </a:p>
+        </p:txBody>
+      </p:sp>
+      <mc:AlternateContent xmlns:mc="http://schemas.openxmlformats.org/markup-compatibility/2006" xmlns:a14="http://schemas.microsoft.com/office/drawing/2010/main">
+        <mc:Choice Requires="a14">
+          <p:sp>
+            <p:nvSpPr>
+              <p:cNvPr id="3" name="Content Placeholder 2"/>
+              <p:cNvSpPr>
+                <a:spLocks noGrp="1"/>
+              </p:cNvSpPr>
+              <p:nvPr>
+                <p:ph idx="1"/>
+              </p:nvPr>
+            </p:nvSpPr>
+            <p:spPr/>
+            <p:txBody>
+              <a:bodyPr>
+                <a:normAutofit fontScale="92500" lnSpcReduction="10000"/>
+              </a:bodyPr>
+              <a:lstStyle/>
+              <a:p>
+                <a:r>
+                  <a:rPr lang="en-US" dirty="0"/>
+                  <a:t>The magnitude of a force can be thought of as the strength of the force.</a:t>
+                </a:r>
+              </a:p>
+              <a:p>
+                <a:pPr lvl="1"/>
+                <a:r>
+                  <a:rPr lang="en-US" dirty="0"/>
+                  <a:t>Larger magnitudes tend to cause larger accelerations</a:t>
+                </a:r>
+              </a:p>
+              <a:p>
+                <a:endParaRPr lang="en-US" dirty="0"/>
+              </a:p>
+              <a:p>
+                <a:r>
+                  <a:rPr lang="en-US" dirty="0"/>
+                  <a:t>The units of a force apply to the magnitude</a:t>
+                </a:r>
+              </a:p>
+              <a:p>
+                <a:pPr lvl="1"/>
+                <a14:m>
+                  <m:oMath xmlns:m="http://schemas.openxmlformats.org/officeDocument/2006/math">
+                    <m:f>
+                      <m:fPr>
+                        <m:ctrlPr>
+                          <a:rPr lang="en-US" i="1">
+                            <a:latin typeface="Cambria Math" panose="02040503050406030204" pitchFamily="18" charset="0"/>
+                          </a:rPr>
+                        </m:ctrlPr>
+                      </m:fPr>
+                      <m:num>
+                        <m:r>
+                          <m:rPr>
+                            <m:sty m:val="p"/>
+                          </m:rPr>
+                          <a:rPr lang="en-US">
+                            <a:latin typeface="Cambria Math"/>
+                          </a:rPr>
+                          <m:t>Mass</m:t>
+                        </m:r>
+                        <m:r>
+                          <a:rPr lang="en-US">
+                            <a:latin typeface="Cambria Math"/>
+                          </a:rPr>
+                          <m:t> ∗</m:t>
+                        </m:r>
+                        <m:r>
+                          <m:rPr>
+                            <m:sty m:val="p"/>
+                          </m:rPr>
+                          <a:rPr lang="en-US">
+                            <a:latin typeface="Cambria Math"/>
+                          </a:rPr>
+                          <m:t>Distance</m:t>
+                        </m:r>
+                      </m:num>
+                      <m:den>
+                        <m:r>
+                          <m:rPr>
+                            <m:sty m:val="p"/>
+                          </m:rPr>
+                          <a:rPr lang="en-US">
+                            <a:latin typeface="Cambria Math"/>
+                          </a:rPr>
+                          <m:t>Tim</m:t>
+                        </m:r>
+                        <m:sSup>
+                          <m:sSupPr>
+                            <m:ctrlPr>
+                              <a:rPr lang="en-US" i="1">
+                                <a:latin typeface="Cambria Math" panose="02040503050406030204" pitchFamily="18" charset="0"/>
+                              </a:rPr>
+                            </m:ctrlPr>
+                          </m:sSupPr>
+                          <m:e>
+                            <m:r>
+                              <m:rPr>
+                                <m:sty m:val="p"/>
+                              </m:rPr>
+                              <a:rPr lang="en-US">
+                                <a:latin typeface="Cambria Math"/>
+                              </a:rPr>
+                              <m:t>e</m:t>
+                            </m:r>
+                          </m:e>
+                          <m:sup>
+                            <m:r>
+                              <a:rPr lang="en-US">
+                                <a:latin typeface="Cambria Math"/>
+                              </a:rPr>
+                              <m:t>2</m:t>
+                            </m:r>
+                          </m:sup>
+                        </m:sSup>
+                      </m:den>
+                    </m:f>
+                  </m:oMath>
+                </a14:m>
+                <a:endParaRPr lang="en-US" dirty="0"/>
+              </a:p>
+              <a:p>
+                <a:pPr lvl="1"/>
+                <a:r>
+                  <a:rPr lang="en-US" dirty="0" err="1"/>
+                  <a:t>Newtons</a:t>
+                </a:r>
+                <a:r>
+                  <a:rPr lang="en-US" dirty="0"/>
+                  <a:t> (N)    	</a:t>
+                </a:r>
+                <a14:m>
+                  <m:oMath xmlns:m="http://schemas.openxmlformats.org/officeDocument/2006/math">
+                    <m:r>
+                      <a:rPr lang="en-US" b="0" i="0" smtClean="0">
+                        <a:latin typeface="Cambria Math"/>
+                      </a:rPr>
+                      <m:t>=</m:t>
+                    </m:r>
+                    <m:f>
+                      <m:fPr>
+                        <m:ctrlPr>
+                          <a:rPr lang="en-US" i="1">
+                            <a:latin typeface="Cambria Math" panose="02040503050406030204" pitchFamily="18" charset="0"/>
+                          </a:rPr>
+                        </m:ctrlPr>
+                      </m:fPr>
+                      <m:num>
+                        <m:r>
+                          <m:rPr>
+                            <m:sty m:val="p"/>
+                          </m:rPr>
+                          <a:rPr lang="en-US" b="0" i="0" smtClean="0">
+                            <a:latin typeface="Cambria Math"/>
+                          </a:rPr>
+                          <m:t>kg</m:t>
+                        </m:r>
+                        <m:r>
+                          <a:rPr lang="en-US" i="0">
+                            <a:latin typeface="Cambria Math"/>
+                          </a:rPr>
+                          <m:t> ∗</m:t>
+                        </m:r>
+                        <m:r>
+                          <m:rPr>
+                            <m:sty m:val="p"/>
+                          </m:rPr>
+                          <a:rPr lang="en-US" b="0" i="0" smtClean="0">
+                            <a:latin typeface="Cambria Math"/>
+                          </a:rPr>
+                          <m:t>m</m:t>
+                        </m:r>
+                      </m:num>
+                      <m:den>
+                        <m:sSup>
+                          <m:sSupPr>
+                            <m:ctrlPr>
+                              <a:rPr lang="en-US" b="0" i="1" smtClean="0">
+                                <a:latin typeface="Cambria Math" panose="02040503050406030204" pitchFamily="18" charset="0"/>
+                              </a:rPr>
+                            </m:ctrlPr>
+                          </m:sSupPr>
+                          <m:e>
+                            <m:r>
+                              <m:rPr>
+                                <m:sty m:val="p"/>
+                              </m:rPr>
+                              <a:rPr lang="en-US" b="0" i="0" smtClean="0">
+                                <a:latin typeface="Cambria Math"/>
+                              </a:rPr>
+                              <m:t>s</m:t>
+                            </m:r>
+                          </m:e>
+                          <m:sup>
+                            <m:r>
+                              <a:rPr lang="en-US" b="0" i="0" smtClean="0">
+                                <a:latin typeface="Cambria Math"/>
+                              </a:rPr>
+                              <m:t>2</m:t>
+                            </m:r>
+                          </m:sup>
+                        </m:sSup>
+                      </m:den>
+                    </m:f>
+                  </m:oMath>
+                </a14:m>
+                <a:endParaRPr lang="en-US" dirty="0"/>
+              </a:p>
+              <a:p>
+                <a:pPr lvl="1"/>
+                <a:r>
+                  <a:rPr lang="en-US" dirty="0"/>
+                  <a:t>Pounds (lbs)     </a:t>
+                </a:r>
+                <a14:m>
+                  <m:oMath xmlns:m="http://schemas.openxmlformats.org/officeDocument/2006/math">
+                    <m:r>
+                      <a:rPr lang="en-US" i="0">
+                        <a:latin typeface="Cambria Math"/>
+                      </a:rPr>
+                      <m:t>=</m:t>
+                    </m:r>
+                    <m:f>
+                      <m:fPr>
+                        <m:ctrlPr>
+                          <a:rPr lang="en-US" i="1">
+                            <a:latin typeface="Cambria Math" panose="02040503050406030204" pitchFamily="18" charset="0"/>
+                          </a:rPr>
+                        </m:ctrlPr>
+                      </m:fPr>
+                      <m:num>
+                        <m:r>
+                          <m:rPr>
+                            <m:sty m:val="p"/>
+                          </m:rPr>
+                          <a:rPr lang="en-US" b="0" i="0" smtClean="0">
+                            <a:latin typeface="Cambria Math"/>
+                          </a:rPr>
+                          <m:t>slug</m:t>
+                        </m:r>
+                        <m:r>
+                          <a:rPr lang="en-US" i="0">
+                            <a:latin typeface="Cambria Math"/>
+                          </a:rPr>
+                          <m:t> ∗</m:t>
+                        </m:r>
+                        <m:r>
+                          <m:rPr>
+                            <m:sty m:val="p"/>
+                          </m:rPr>
+                          <a:rPr lang="en-US" b="0" i="0" smtClean="0">
+                            <a:latin typeface="Cambria Math"/>
+                          </a:rPr>
+                          <m:t>ft</m:t>
+                        </m:r>
+                      </m:num>
+                      <m:den>
+                        <m:sSup>
+                          <m:sSupPr>
+                            <m:ctrlPr>
+                              <a:rPr lang="en-US" i="1">
+                                <a:latin typeface="Cambria Math" panose="02040503050406030204" pitchFamily="18" charset="0"/>
+                              </a:rPr>
+                            </m:ctrlPr>
+                          </m:sSupPr>
+                          <m:e>
+                            <m:r>
+                              <m:rPr>
+                                <m:sty m:val="p"/>
+                              </m:rPr>
+                              <a:rPr lang="en-US" i="0">
+                                <a:latin typeface="Cambria Math"/>
+                              </a:rPr>
+                              <m:t>s</m:t>
+                            </m:r>
+                          </m:e>
+                          <m:sup>
+                            <m:r>
+                              <a:rPr lang="en-US" i="0">
+                                <a:latin typeface="Cambria Math"/>
+                              </a:rPr>
+                              <m:t>2</m:t>
+                            </m:r>
+                          </m:sup>
+                        </m:sSup>
+                      </m:den>
+                    </m:f>
+                  </m:oMath>
+                </a14:m>
+                <a:r>
+                  <a:rPr lang="en-US" dirty="0"/>
+                  <a:t> </a:t>
+                </a:r>
+              </a:p>
+              <a:p>
+                <a:pPr lvl="1"/>
+                <a:endParaRPr lang="en-US" dirty="0"/>
+              </a:p>
+              <a:p>
+                <a:pPr lvl="1"/>
+                <a:endParaRPr lang="en-US" dirty="0"/>
+              </a:p>
+              <a:p>
+                <a:endParaRPr lang="en-US" dirty="0"/>
+              </a:p>
+            </p:txBody>
+          </p:sp>
+        </mc:Choice>
+        <mc:Fallback xmlns="">
+          <p:sp>
+            <p:nvSpPr>
+              <p:cNvPr id="3" name="Content Placeholder 2"/>
+              <p:cNvSpPr>
+                <a:spLocks noGrp="1" noRot="1" noChangeAspect="1" noMove="1" noResize="1" noEditPoints="1" noAdjustHandles="1" noChangeArrowheads="1" noChangeShapeType="1" noTextEdit="1"/>
+              </p:cNvSpPr>
+              <p:nvPr>
+                <p:ph idx="1"/>
+              </p:nvPr>
+            </p:nvSpPr>
+            <p:spPr>
+              <a:blipFill rotWithShape="1">
+                <a:blip r:embed="rId2"/>
+                <a:stretch>
+                  <a:fillRect l="-1481" t="-2695"/>
+                </a:stretch>
+              </a:blipFill>
+            </p:spPr>
+            <p:txBody>
+              <a:bodyPr/>
+              <a:lstStyle/>
+              <a:p>
+                <a:r>
+                  <a:rPr lang="en-US">
+                    <a:noFill/>
+                  </a:rPr>
+                  <a:t> </a:t>
+                </a:r>
+              </a:p>
+            </p:txBody>
+          </p:sp>
+        </mc:Fallback>
+      </mc:AlternateContent>
+      <p:sp>
+        <p:nvSpPr>
+          <p:cNvPr id="4" name="Slide Number Placeholder 3"/>
+          <p:cNvSpPr>
+            <a:spLocks noGrp="1"/>
+          </p:cNvSpPr>
+          <p:nvPr>
+            <p:ph type="sldNum" sz="quarter" idx="12"/>
+          </p:nvPr>
+        </p:nvSpPr>
+        <p:spPr/>
+        <p:txBody>
+          <a:bodyPr/>
+          <a:lstStyle/>
+          <a:p>
+            <a:fld id="{929262FE-7F58-4A1E-8AF3-5A510A86DEBD}" type="slidenum">
+              <a:rPr lang="en-US" smtClean="0"/>
+              <a:t>3</a:t>
+            </a:fld>
+            <a:endParaRPr lang="en-US"/>
+          </a:p>
+        </p:txBody>
+      </p:sp>
+    </p:spTree>
+    <p:extLst>
+      <p:ext uri="{BB962C8B-B14F-4D97-AF65-F5344CB8AC3E}">
+        <p14:creationId xmlns:p14="http://schemas.microsoft.com/office/powerpoint/2010/main" val="3757804491"/>
       </p:ext>
     </p:extLst>
   </p:cSld>
@@ -4281,6 +5244,1819 @@
                                           </p:stCondLst>
                                         </p:cTn>
                                         <p:tgtEl>
+                                          <p:spTgt spid="3">
+                                            <p:txEl>
+                                              <p:pRg st="1" end="1"/>
+                                            </p:txEl>
+                                          </p:spTgt>
+                                        </p:tgtEl>
+                                        <p:attrNameLst>
+                                          <p:attrName>style.visibility</p:attrName>
+                                        </p:attrNameLst>
+                                      </p:cBhvr>
+                                      <p:to>
+                                        <p:strVal val="visible"/>
+                                      </p:to>
+                                    </p:set>
+                                    <p:animEffect transition="in" filter="fade">
+                                      <p:cBhvr>
+                                        <p:cTn id="12" dur="500"/>
+                                        <p:tgtEl>
+                                          <p:spTgt spid="3">
+                                            <p:txEl>
+                                              <p:pRg st="1" end="1"/>
+                                            </p:txEl>
+                                          </p:spTgt>
+                                        </p:tgtEl>
+                                      </p:cBhvr>
+                                    </p:animEffect>
+                                  </p:childTnLst>
+                                </p:cTn>
+                              </p:par>
+                            </p:childTnLst>
+                          </p:cTn>
+                        </p:par>
+                      </p:childTnLst>
+                    </p:cTn>
+                  </p:par>
+                  <p:par>
+                    <p:cTn id="13" fill="hold">
+                      <p:stCondLst>
+                        <p:cond delay="indefinite"/>
+                      </p:stCondLst>
+                      <p:childTnLst>
+                        <p:par>
+                          <p:cTn id="14" fill="hold">
+                            <p:stCondLst>
+                              <p:cond delay="0"/>
+                            </p:stCondLst>
+                            <p:childTnLst>
+                              <p:par>
+                                <p:cTn id="15" presetID="10" presetClass="entr" presetSubtype="0" fill="hold" nodeType="clickEffect">
+                                  <p:stCondLst>
+                                    <p:cond delay="0"/>
+                                  </p:stCondLst>
+                                  <p:childTnLst>
+                                    <p:set>
+                                      <p:cBhvr>
+                                        <p:cTn id="16" dur="1" fill="hold">
+                                          <p:stCondLst>
+                                            <p:cond delay="0"/>
+                                          </p:stCondLst>
+                                        </p:cTn>
+                                        <p:tgtEl>
+                                          <p:spTgt spid="3">
+                                            <p:txEl>
+                                              <p:pRg st="3" end="3"/>
+                                            </p:txEl>
+                                          </p:spTgt>
+                                        </p:tgtEl>
+                                        <p:attrNameLst>
+                                          <p:attrName>style.visibility</p:attrName>
+                                        </p:attrNameLst>
+                                      </p:cBhvr>
+                                      <p:to>
+                                        <p:strVal val="visible"/>
+                                      </p:to>
+                                    </p:set>
+                                    <p:animEffect transition="in" filter="fade">
+                                      <p:cBhvr>
+                                        <p:cTn id="17" dur="500"/>
+                                        <p:tgtEl>
+                                          <p:spTgt spid="3">
+                                            <p:txEl>
+                                              <p:pRg st="3" end="3"/>
+                                            </p:txEl>
+                                          </p:spTgt>
+                                        </p:tgtEl>
+                                      </p:cBhvr>
+                                    </p:animEffect>
+                                  </p:childTnLst>
+                                </p:cTn>
+                              </p:par>
+                            </p:childTnLst>
+                          </p:cTn>
+                        </p:par>
+                      </p:childTnLst>
+                    </p:cTn>
+                  </p:par>
+                  <p:par>
+                    <p:cTn id="18" fill="hold">
+                      <p:stCondLst>
+                        <p:cond delay="indefinite"/>
+                      </p:stCondLst>
+                      <p:childTnLst>
+                        <p:par>
+                          <p:cTn id="19" fill="hold">
+                            <p:stCondLst>
+                              <p:cond delay="0"/>
+                            </p:stCondLst>
+                            <p:childTnLst>
+                              <p:par>
+                                <p:cTn id="20" presetID="10" presetClass="entr" presetSubtype="0" fill="hold" nodeType="clickEffect">
+                                  <p:stCondLst>
+                                    <p:cond delay="0"/>
+                                  </p:stCondLst>
+                                  <p:childTnLst>
+                                    <p:set>
+                                      <p:cBhvr>
+                                        <p:cTn id="21" dur="1" fill="hold">
+                                          <p:stCondLst>
+                                            <p:cond delay="0"/>
+                                          </p:stCondLst>
+                                        </p:cTn>
+                                        <p:tgtEl>
+                                          <p:spTgt spid="3">
+                                            <p:txEl>
+                                              <p:pRg st="4" end="4"/>
+                                            </p:txEl>
+                                          </p:spTgt>
+                                        </p:tgtEl>
+                                        <p:attrNameLst>
+                                          <p:attrName>style.visibility</p:attrName>
+                                        </p:attrNameLst>
+                                      </p:cBhvr>
+                                      <p:to>
+                                        <p:strVal val="visible"/>
+                                      </p:to>
+                                    </p:set>
+                                    <p:animEffect transition="in" filter="fade">
+                                      <p:cBhvr>
+                                        <p:cTn id="22" dur="500"/>
+                                        <p:tgtEl>
+                                          <p:spTgt spid="3">
+                                            <p:txEl>
+                                              <p:pRg st="4" end="4"/>
+                                            </p:txEl>
+                                          </p:spTgt>
+                                        </p:tgtEl>
+                                      </p:cBhvr>
+                                    </p:animEffect>
+                                  </p:childTnLst>
+                                </p:cTn>
+                              </p:par>
+                            </p:childTnLst>
+                          </p:cTn>
+                        </p:par>
+                      </p:childTnLst>
+                    </p:cTn>
+                  </p:par>
+                  <p:par>
+                    <p:cTn id="23" fill="hold">
+                      <p:stCondLst>
+                        <p:cond delay="indefinite"/>
+                      </p:stCondLst>
+                      <p:childTnLst>
+                        <p:par>
+                          <p:cTn id="24" fill="hold">
+                            <p:stCondLst>
+                              <p:cond delay="0"/>
+                            </p:stCondLst>
+                            <p:childTnLst>
+                              <p:par>
+                                <p:cTn id="25" presetID="10" presetClass="entr" presetSubtype="0" fill="hold" nodeType="clickEffect">
+                                  <p:stCondLst>
+                                    <p:cond delay="0"/>
+                                  </p:stCondLst>
+                                  <p:childTnLst>
+                                    <p:set>
+                                      <p:cBhvr>
+                                        <p:cTn id="26" dur="1" fill="hold">
+                                          <p:stCondLst>
+                                            <p:cond delay="0"/>
+                                          </p:stCondLst>
+                                        </p:cTn>
+                                        <p:tgtEl>
+                                          <p:spTgt spid="3">
+                                            <p:txEl>
+                                              <p:pRg st="5" end="5"/>
+                                            </p:txEl>
+                                          </p:spTgt>
+                                        </p:tgtEl>
+                                        <p:attrNameLst>
+                                          <p:attrName>style.visibility</p:attrName>
+                                        </p:attrNameLst>
+                                      </p:cBhvr>
+                                      <p:to>
+                                        <p:strVal val="visible"/>
+                                      </p:to>
+                                    </p:set>
+                                    <p:animEffect transition="in" filter="fade">
+                                      <p:cBhvr>
+                                        <p:cTn id="27" dur="500"/>
+                                        <p:tgtEl>
+                                          <p:spTgt spid="3">
+                                            <p:txEl>
+                                              <p:pRg st="5" end="5"/>
+                                            </p:txEl>
+                                          </p:spTgt>
+                                        </p:tgtEl>
+                                      </p:cBhvr>
+                                    </p:animEffect>
+                                  </p:childTnLst>
+                                </p:cTn>
+                              </p:par>
+                            </p:childTnLst>
+                          </p:cTn>
+                        </p:par>
+                      </p:childTnLst>
+                    </p:cTn>
+                  </p:par>
+                  <p:par>
+                    <p:cTn id="28" fill="hold">
+                      <p:stCondLst>
+                        <p:cond delay="indefinite"/>
+                      </p:stCondLst>
+                      <p:childTnLst>
+                        <p:par>
+                          <p:cTn id="29" fill="hold">
+                            <p:stCondLst>
+                              <p:cond delay="0"/>
+                            </p:stCondLst>
+                            <p:childTnLst>
+                              <p:par>
+                                <p:cTn id="30" presetID="10" presetClass="entr" presetSubtype="0" fill="hold" nodeType="clickEffect">
+                                  <p:stCondLst>
+                                    <p:cond delay="0"/>
+                                  </p:stCondLst>
+                                  <p:childTnLst>
+                                    <p:set>
+                                      <p:cBhvr>
+                                        <p:cTn id="31" dur="1" fill="hold">
+                                          <p:stCondLst>
+                                            <p:cond delay="0"/>
+                                          </p:stCondLst>
+                                        </p:cTn>
+                                        <p:tgtEl>
+                                          <p:spTgt spid="3">
+                                            <p:txEl>
+                                              <p:pRg st="6" end="6"/>
+                                            </p:txEl>
+                                          </p:spTgt>
+                                        </p:tgtEl>
+                                        <p:attrNameLst>
+                                          <p:attrName>style.visibility</p:attrName>
+                                        </p:attrNameLst>
+                                      </p:cBhvr>
+                                      <p:to>
+                                        <p:strVal val="visible"/>
+                                      </p:to>
+                                    </p:set>
+                                    <p:animEffect transition="in" filter="fade">
+                                      <p:cBhvr>
+                                        <p:cTn id="32" dur="500"/>
+                                        <p:tgtEl>
+                                          <p:spTgt spid="3">
+                                            <p:txEl>
+                                              <p:pRg st="6" end="6"/>
+                                            </p:txEl>
+                                          </p:spTgt>
+                                        </p:tgtEl>
+                                      </p:cBhvr>
+                                    </p:animEffect>
+                                  </p:childTnLst>
+                                </p:cTn>
+                              </p:par>
+                            </p:childTnLst>
+                          </p:cTn>
+                        </p:par>
+                      </p:childTnLst>
+                    </p:cTn>
+                  </p:par>
+                </p:childTnLst>
+              </p:cTn>
+              <p:prevCondLst>
+                <p:cond evt="onPrev" delay="0">
+                  <p:tgtEl>
+                    <p:sldTgt/>
+                  </p:tgtEl>
+                </p:cond>
+              </p:prevCondLst>
+              <p:nextCondLst>
+                <p:cond evt="onNext" delay="0">
+                  <p:tgtEl>
+                    <p:sldTgt/>
+                  </p:tgtEl>
+                </p:cond>
+              </p:nextCondLst>
+            </p:seq>
+          </p:childTnLst>
+        </p:cTn>
+      </p:par>
+    </p:tnLst>
+  </p:timing>
+</p:sld>
+</file>
+
+<file path=ppt/slides/slide4.xml><?xml version="1.0" encoding="utf-8"?>
+<p:sld xmlns:a="http://schemas.openxmlformats.org/drawingml/2006/main" xmlns:r="http://schemas.openxmlformats.org/officeDocument/2006/relationships" xmlns:p="http://schemas.openxmlformats.org/presentationml/2006/main">
+  <p:cSld>
+    <p:spTree>
+      <p:nvGrpSpPr>
+        <p:cNvPr id="1" name=""/>
+        <p:cNvGrpSpPr/>
+        <p:nvPr/>
+      </p:nvGrpSpPr>
+      <p:grpSpPr>
+        <a:xfrm>
+          <a:off x="0" y="0"/>
+          <a:ext cx="0" cy="0"/>
+          <a:chOff x="0" y="0"/>
+          <a:chExt cx="0" cy="0"/>
+        </a:xfrm>
+      </p:grpSpPr>
+      <p:sp>
+        <p:nvSpPr>
+          <p:cNvPr id="2" name="Title 1"/>
+          <p:cNvSpPr>
+            <a:spLocks noGrp="1"/>
+          </p:cNvSpPr>
+          <p:nvPr>
+            <p:ph type="title"/>
+          </p:nvPr>
+        </p:nvSpPr>
+        <p:spPr/>
+        <p:txBody>
+          <a:bodyPr/>
+          <a:lstStyle/>
+          <a:p>
+            <a:r>
+              <a:rPr lang="en-US" dirty="0"/>
+              <a:t>Direction</a:t>
+            </a:r>
+          </a:p>
+        </p:txBody>
+      </p:sp>
+      <p:sp>
+        <p:nvSpPr>
+          <p:cNvPr id="3" name="Content Placeholder 2"/>
+          <p:cNvSpPr>
+            <a:spLocks noGrp="1"/>
+          </p:cNvSpPr>
+          <p:nvPr>
+            <p:ph idx="1"/>
+          </p:nvPr>
+        </p:nvSpPr>
+        <p:spPr>
+          <a:xfrm>
+            <a:off x="457200" y="1600200"/>
+            <a:ext cx="5486400" cy="4800600"/>
+          </a:xfrm>
+        </p:spPr>
+        <p:txBody>
+          <a:bodyPr>
+            <a:normAutofit fontScale="85000" lnSpcReduction="10000"/>
+          </a:bodyPr>
+          <a:lstStyle/>
+          <a:p>
+            <a:r>
+              <a:rPr lang="en-US" dirty="0"/>
+              <a:t>Forces also have a direction as indicated by a </a:t>
+            </a:r>
+            <a:r>
+              <a:rPr lang="en-US" b="1" dirty="0"/>
+              <a:t>vector</a:t>
+            </a:r>
+            <a:r>
+              <a:rPr lang="en-US" dirty="0"/>
+              <a:t>.</a:t>
+            </a:r>
+          </a:p>
+          <a:p>
+            <a:pPr lvl="1"/>
+            <a:r>
+              <a:rPr lang="en-US" dirty="0"/>
+              <a:t>When we add or subtract vectors, we will need to take both the magnitude and direction into account.</a:t>
+            </a:r>
+          </a:p>
+          <a:p>
+            <a:pPr lvl="1"/>
+            <a:r>
+              <a:rPr lang="en-US" dirty="0"/>
+              <a:t>Vector quantities are represented visually by an arrow, sometimes with the magnitude and angles labeled</a:t>
+            </a:r>
+          </a:p>
+          <a:p>
+            <a:pPr lvl="1"/>
+            <a:r>
+              <a:rPr lang="en-US" dirty="0"/>
+              <a:t>In equations vectors are represented as a variable with an arrow over top of it. Often with subscripts used to distinguish forces from one another</a:t>
+            </a:r>
+          </a:p>
+        </p:txBody>
+      </p:sp>
+      <p:sp>
+        <p:nvSpPr>
+          <p:cNvPr id="4" name="Slide Number Placeholder 3"/>
+          <p:cNvSpPr>
+            <a:spLocks noGrp="1"/>
+          </p:cNvSpPr>
+          <p:nvPr>
+            <p:ph type="sldNum" sz="quarter" idx="12"/>
+          </p:nvPr>
+        </p:nvSpPr>
+        <p:spPr/>
+        <p:txBody>
+          <a:bodyPr/>
+          <a:lstStyle/>
+          <a:p>
+            <a:fld id="{929262FE-7F58-4A1E-8AF3-5A510A86DEBD}" type="slidenum">
+              <a:rPr lang="en-US" smtClean="0"/>
+              <a:t>4</a:t>
+            </a:fld>
+            <a:endParaRPr lang="en-US"/>
+          </a:p>
+        </p:txBody>
+      </p:sp>
+      <p:cxnSp>
+        <p:nvCxnSpPr>
+          <p:cNvPr id="9" name="Straight Arrow Connector 8">
+            <a:extLst>
+              <a:ext uri="{FF2B5EF4-FFF2-40B4-BE49-F238E27FC236}">
+                <a16:creationId xmlns:a16="http://schemas.microsoft.com/office/drawing/2014/main" id="{FC965FCC-8E35-4551-B8EC-5F5BFEDD3736}"/>
+              </a:ext>
+            </a:extLst>
+          </p:cNvPr>
+          <p:cNvCxnSpPr/>
+          <p:nvPr/>
+        </p:nvCxnSpPr>
+        <p:spPr>
+          <a:xfrm flipV="1">
+            <a:off x="6400800" y="2209800"/>
+            <a:ext cx="2514600" cy="1834244"/>
+          </a:xfrm>
+          <a:prstGeom prst="straightConnector1">
+            <a:avLst/>
+          </a:prstGeom>
+          <a:ln>
+            <a:solidFill>
+              <a:srgbClr val="FF0000"/>
+            </a:solidFill>
+            <a:tailEnd type="arrow"/>
+          </a:ln>
+        </p:spPr>
+        <p:style>
+          <a:lnRef idx="3">
+            <a:schemeClr val="accent1"/>
+          </a:lnRef>
+          <a:fillRef idx="0">
+            <a:schemeClr val="accent1"/>
+          </a:fillRef>
+          <a:effectRef idx="2">
+            <a:schemeClr val="accent1"/>
+          </a:effectRef>
+          <a:fontRef idx="minor">
+            <a:schemeClr val="tx1"/>
+          </a:fontRef>
+        </p:style>
+      </p:cxnSp>
+      <mc:AlternateContent xmlns:mc="http://schemas.openxmlformats.org/markup-compatibility/2006" xmlns:a14="http://schemas.microsoft.com/office/drawing/2010/main">
+        <mc:Choice Requires="a14">
+          <p:sp>
+            <p:nvSpPr>
+              <p:cNvPr id="11" name="TextBox 10">
+                <a:extLst>
+                  <a:ext uri="{FF2B5EF4-FFF2-40B4-BE49-F238E27FC236}">
+                    <a16:creationId xmlns:a16="http://schemas.microsoft.com/office/drawing/2014/main" id="{839AAAB5-43DA-43AA-985B-CDC7939FDFF9}"/>
+                  </a:ext>
+                </a:extLst>
+              </p:cNvPr>
+              <p:cNvSpPr txBox="1"/>
+              <p:nvPr/>
+            </p:nvSpPr>
+            <p:spPr>
+              <a:xfrm>
+                <a:off x="6551421" y="2526268"/>
+                <a:ext cx="1398973" cy="369332"/>
+              </a:xfrm>
+              <a:prstGeom prst="rect">
+                <a:avLst/>
+              </a:prstGeom>
+              <a:noFill/>
+            </p:spPr>
+            <p:txBody>
+              <a:bodyPr wrap="none" rtlCol="0">
+                <a:spAutoFit/>
+              </a:bodyPr>
+              <a:lstStyle/>
+              <a:p>
+                <a:pPr/>
+                <a14:m>
+                  <m:oMathPara xmlns:m="http://schemas.openxmlformats.org/officeDocument/2006/math">
+                    <m:oMathParaPr>
+                      <m:jc m:val="centerGroup"/>
+                    </m:oMathParaPr>
+                    <m:oMath xmlns:m="http://schemas.openxmlformats.org/officeDocument/2006/math">
+                      <m:r>
+                        <a:rPr lang="en-US" b="1" i="0" dirty="0" smtClean="0">
+                          <a:solidFill>
+                            <a:srgbClr val="FF0000"/>
+                          </a:solidFill>
+                          <a:latin typeface="Cambria Math"/>
+                        </a:rPr>
+                        <m:t>𝐅</m:t>
+                      </m:r>
+                      <m:r>
+                        <a:rPr lang="en-US" i="0" dirty="0" smtClean="0">
+                          <a:solidFill>
+                            <a:srgbClr val="FF0000"/>
+                          </a:solidFill>
+                          <a:latin typeface="Cambria Math"/>
+                        </a:rPr>
+                        <m:t> = 600 </m:t>
+                      </m:r>
+                      <m:r>
+                        <m:rPr>
+                          <m:sty m:val="p"/>
+                        </m:rPr>
+                        <a:rPr lang="en-US" i="0" dirty="0" smtClean="0">
+                          <a:solidFill>
+                            <a:srgbClr val="FF0000"/>
+                          </a:solidFill>
+                          <a:latin typeface="Cambria Math"/>
+                        </a:rPr>
+                        <m:t>N</m:t>
+                      </m:r>
+                    </m:oMath>
+                  </m:oMathPara>
+                </a14:m>
+                <a:endParaRPr lang="en-US" dirty="0">
+                  <a:solidFill>
+                    <a:srgbClr val="FF0000"/>
+                  </a:solidFill>
+                </a:endParaRPr>
+              </a:p>
+            </p:txBody>
+          </p:sp>
+        </mc:Choice>
+        <mc:Fallback xmlns="">
+          <p:sp>
+            <p:nvSpPr>
+              <p:cNvPr id="11" name="TextBox 10">
+                <a:extLst>
+                  <a:ext uri="{FF2B5EF4-FFF2-40B4-BE49-F238E27FC236}">
+                    <a16:creationId xmlns:a16="http://schemas.microsoft.com/office/drawing/2014/main" id="{839AAAB5-43DA-43AA-985B-CDC7939FDFF9}"/>
+                  </a:ext>
+                </a:extLst>
+              </p:cNvPr>
+              <p:cNvSpPr txBox="1">
+                <a:spLocks noRot="1" noChangeAspect="1" noMove="1" noResize="1" noEditPoints="1" noAdjustHandles="1" noChangeArrowheads="1" noChangeShapeType="1" noTextEdit="1"/>
+              </p:cNvSpPr>
+              <p:nvPr/>
+            </p:nvSpPr>
+            <p:spPr>
+              <a:xfrm>
+                <a:off x="6551421" y="2526268"/>
+                <a:ext cx="1398973" cy="369332"/>
+              </a:xfrm>
+              <a:prstGeom prst="rect">
+                <a:avLst/>
+              </a:prstGeom>
+              <a:blipFill>
+                <a:blip r:embed="rId2"/>
+                <a:stretch>
+                  <a:fillRect/>
+                </a:stretch>
+              </a:blipFill>
+            </p:spPr>
+            <p:txBody>
+              <a:bodyPr/>
+              <a:lstStyle/>
+              <a:p>
+                <a:r>
+                  <a:rPr lang="en-US">
+                    <a:noFill/>
+                  </a:rPr>
+                  <a:t> </a:t>
+                </a:r>
+              </a:p>
+            </p:txBody>
+          </p:sp>
+        </mc:Fallback>
+      </mc:AlternateContent>
+      <mc:AlternateContent xmlns:mc="http://schemas.openxmlformats.org/markup-compatibility/2006" xmlns:a14="http://schemas.microsoft.com/office/drawing/2010/main">
+        <mc:Choice Requires="a14">
+          <p:sp>
+            <p:nvSpPr>
+              <p:cNvPr id="12" name="TextBox 11">
+                <a:extLst>
+                  <a:ext uri="{FF2B5EF4-FFF2-40B4-BE49-F238E27FC236}">
+                    <a16:creationId xmlns:a16="http://schemas.microsoft.com/office/drawing/2014/main" id="{E5E8F60E-99B6-4B0E-85EC-4294DDEC00C5}"/>
+                  </a:ext>
+                </a:extLst>
+              </p:cNvPr>
+              <p:cNvSpPr txBox="1"/>
+              <p:nvPr/>
+            </p:nvSpPr>
+            <p:spPr>
+              <a:xfrm>
+                <a:off x="7182428" y="5409095"/>
+                <a:ext cx="767966" cy="430695"/>
+              </a:xfrm>
+              <a:prstGeom prst="rect">
+                <a:avLst/>
+              </a:prstGeom>
+              <a:noFill/>
+            </p:spPr>
+            <p:txBody>
+              <a:bodyPr wrap="none" rtlCol="0">
+                <a:spAutoFit/>
+              </a:bodyPr>
+              <a:lstStyle/>
+              <a:p>
+                <a:pPr/>
+                <a14:m>
+                  <m:oMathPara xmlns:m="http://schemas.openxmlformats.org/officeDocument/2006/math">
+                    <m:oMathParaPr>
+                      <m:jc m:val="centerGroup"/>
+                    </m:oMathParaPr>
+                    <m:oMath xmlns:m="http://schemas.openxmlformats.org/officeDocument/2006/math">
+                      <m:sSub>
+                        <m:sSubPr>
+                          <m:ctrlPr>
+                            <a:rPr lang="en-US" b="0" i="1" dirty="0" smtClean="0">
+                              <a:solidFill>
+                                <a:srgbClr val="FF0000"/>
+                              </a:solidFill>
+                              <a:latin typeface="Cambria Math" panose="02040503050406030204" pitchFamily="18" charset="0"/>
+                            </a:rPr>
+                          </m:ctrlPr>
+                        </m:sSubPr>
+                        <m:e>
+                          <m:acc>
+                            <m:accPr>
+                              <m:chr m:val="⃗"/>
+                              <m:ctrlPr>
+                                <a:rPr lang="en-US" b="0" i="1" dirty="0" smtClean="0">
+                                  <a:solidFill>
+                                    <a:srgbClr val="FF0000"/>
+                                  </a:solidFill>
+                                  <a:latin typeface="Cambria Math" panose="02040503050406030204" pitchFamily="18" charset="0"/>
+                                </a:rPr>
+                              </m:ctrlPr>
+                            </m:accPr>
+                            <m:e>
+                              <m:r>
+                                <a:rPr lang="en-US" b="0" i="1" dirty="0" smtClean="0">
+                                  <a:solidFill>
+                                    <a:srgbClr val="FF0000"/>
+                                  </a:solidFill>
+                                  <a:latin typeface="Cambria Math" panose="02040503050406030204" pitchFamily="18" charset="0"/>
+                                </a:rPr>
+                                <m:t>𝐹</m:t>
+                              </m:r>
+                            </m:e>
+                          </m:acc>
+                        </m:e>
+                        <m:sub>
+                          <m:r>
+                            <a:rPr lang="en-US" b="0" i="1" dirty="0" smtClean="0">
+                              <a:solidFill>
+                                <a:srgbClr val="FF0000"/>
+                              </a:solidFill>
+                              <a:latin typeface="Cambria Math" panose="02040503050406030204" pitchFamily="18" charset="0"/>
+                            </a:rPr>
+                            <m:t>𝑝𝑢𝑠h</m:t>
+                          </m:r>
+                        </m:sub>
+                      </m:sSub>
+                    </m:oMath>
+                  </m:oMathPara>
+                </a14:m>
+                <a:endParaRPr lang="en-US" dirty="0">
+                  <a:solidFill>
+                    <a:srgbClr val="FF0000"/>
+                  </a:solidFill>
+                </a:endParaRPr>
+              </a:p>
+            </p:txBody>
+          </p:sp>
+        </mc:Choice>
+        <mc:Fallback xmlns="">
+          <p:sp>
+            <p:nvSpPr>
+              <p:cNvPr id="12" name="TextBox 11">
+                <a:extLst>
+                  <a:ext uri="{FF2B5EF4-FFF2-40B4-BE49-F238E27FC236}">
+                    <a16:creationId xmlns:a16="http://schemas.microsoft.com/office/drawing/2014/main" id="{E5E8F60E-99B6-4B0E-85EC-4294DDEC00C5}"/>
+                  </a:ext>
+                </a:extLst>
+              </p:cNvPr>
+              <p:cNvSpPr txBox="1">
+                <a:spLocks noRot="1" noChangeAspect="1" noMove="1" noResize="1" noEditPoints="1" noAdjustHandles="1" noChangeArrowheads="1" noChangeShapeType="1" noTextEdit="1"/>
+              </p:cNvSpPr>
+              <p:nvPr/>
+            </p:nvSpPr>
+            <p:spPr>
+              <a:xfrm>
+                <a:off x="7182428" y="5409095"/>
+                <a:ext cx="767966" cy="430695"/>
+              </a:xfrm>
+              <a:prstGeom prst="rect">
+                <a:avLst/>
+              </a:prstGeom>
+              <a:blipFill>
+                <a:blip r:embed="rId3"/>
+                <a:stretch>
+                  <a:fillRect t="-19718" b="-5634"/>
+                </a:stretch>
+              </a:blipFill>
+            </p:spPr>
+            <p:txBody>
+              <a:bodyPr/>
+              <a:lstStyle/>
+              <a:p>
+                <a:r>
+                  <a:rPr lang="en-US">
+                    <a:noFill/>
+                  </a:rPr>
+                  <a:t> </a:t>
+                </a:r>
+              </a:p>
+            </p:txBody>
+          </p:sp>
+        </mc:Fallback>
+      </mc:AlternateContent>
+    </p:spTree>
+    <p:extLst>
+      <p:ext uri="{BB962C8B-B14F-4D97-AF65-F5344CB8AC3E}">
+        <p14:creationId xmlns:p14="http://schemas.microsoft.com/office/powerpoint/2010/main" val="929007296"/>
+      </p:ext>
+    </p:extLst>
+  </p:cSld>
+  <p:clrMapOvr>
+    <a:masterClrMapping/>
+  </p:clrMapOvr>
+  <p:timing>
+    <p:tnLst>
+      <p:par>
+        <p:cTn id="1" dur="indefinite" restart="never" nodeType="tmRoot">
+          <p:childTnLst>
+            <p:seq concurrent="1" nextAc="seek">
+              <p:cTn id="2" dur="indefinite" nodeType="mainSeq">
+                <p:childTnLst>
+                  <p:par>
+                    <p:cTn id="3" fill="hold">
+                      <p:stCondLst>
+                        <p:cond delay="indefinite"/>
+                      </p:stCondLst>
+                      <p:childTnLst>
+                        <p:par>
+                          <p:cTn id="4" fill="hold">
+                            <p:stCondLst>
+                              <p:cond delay="0"/>
+                            </p:stCondLst>
+                            <p:childTnLst>
+                              <p:par>
+                                <p:cTn id="5" presetID="10" presetClass="entr" presetSubtype="0" fill="hold" nodeType="clickEffect">
+                                  <p:stCondLst>
+                                    <p:cond delay="0"/>
+                                  </p:stCondLst>
+                                  <p:childTnLst>
+                                    <p:set>
+                                      <p:cBhvr>
+                                        <p:cTn id="6" dur="1" fill="hold">
+                                          <p:stCondLst>
+                                            <p:cond delay="0"/>
+                                          </p:stCondLst>
+                                        </p:cTn>
+                                        <p:tgtEl>
+                                          <p:spTgt spid="3">
+                                            <p:txEl>
+                                              <p:pRg st="0" end="0"/>
+                                            </p:txEl>
+                                          </p:spTgt>
+                                        </p:tgtEl>
+                                        <p:attrNameLst>
+                                          <p:attrName>style.visibility</p:attrName>
+                                        </p:attrNameLst>
+                                      </p:cBhvr>
+                                      <p:to>
+                                        <p:strVal val="visible"/>
+                                      </p:to>
+                                    </p:set>
+                                    <p:animEffect transition="in" filter="fade">
+                                      <p:cBhvr>
+                                        <p:cTn id="7" dur="500"/>
+                                        <p:tgtEl>
+                                          <p:spTgt spid="3">
+                                            <p:txEl>
+                                              <p:pRg st="0" end="0"/>
+                                            </p:txEl>
+                                          </p:spTgt>
+                                        </p:tgtEl>
+                                      </p:cBhvr>
+                                    </p:animEffect>
+                                  </p:childTnLst>
+                                </p:cTn>
+                              </p:par>
+                            </p:childTnLst>
+                          </p:cTn>
+                        </p:par>
+                      </p:childTnLst>
+                    </p:cTn>
+                  </p:par>
+                  <p:par>
+                    <p:cTn id="8" fill="hold">
+                      <p:stCondLst>
+                        <p:cond delay="indefinite"/>
+                      </p:stCondLst>
+                      <p:childTnLst>
+                        <p:par>
+                          <p:cTn id="9" fill="hold">
+                            <p:stCondLst>
+                              <p:cond delay="0"/>
+                            </p:stCondLst>
+                            <p:childTnLst>
+                              <p:par>
+                                <p:cTn id="10" presetID="10" presetClass="entr" presetSubtype="0" fill="hold" nodeType="clickEffect">
+                                  <p:stCondLst>
+                                    <p:cond delay="0"/>
+                                  </p:stCondLst>
+                                  <p:childTnLst>
+                                    <p:set>
+                                      <p:cBhvr>
+                                        <p:cTn id="11" dur="1" fill="hold">
+                                          <p:stCondLst>
+                                            <p:cond delay="0"/>
+                                          </p:stCondLst>
+                                        </p:cTn>
+                                        <p:tgtEl>
+                                          <p:spTgt spid="3">
+                                            <p:txEl>
+                                              <p:pRg st="1" end="1"/>
+                                            </p:txEl>
+                                          </p:spTgt>
+                                        </p:tgtEl>
+                                        <p:attrNameLst>
+                                          <p:attrName>style.visibility</p:attrName>
+                                        </p:attrNameLst>
+                                      </p:cBhvr>
+                                      <p:to>
+                                        <p:strVal val="visible"/>
+                                      </p:to>
+                                    </p:set>
+                                    <p:animEffect transition="in" filter="fade">
+                                      <p:cBhvr>
+                                        <p:cTn id="12" dur="500"/>
+                                        <p:tgtEl>
+                                          <p:spTgt spid="3">
+                                            <p:txEl>
+                                              <p:pRg st="1" end="1"/>
+                                            </p:txEl>
+                                          </p:spTgt>
+                                        </p:tgtEl>
+                                      </p:cBhvr>
+                                    </p:animEffect>
+                                  </p:childTnLst>
+                                </p:cTn>
+                              </p:par>
+                            </p:childTnLst>
+                          </p:cTn>
+                        </p:par>
+                      </p:childTnLst>
+                    </p:cTn>
+                  </p:par>
+                  <p:par>
+                    <p:cTn id="13" fill="hold">
+                      <p:stCondLst>
+                        <p:cond delay="indefinite"/>
+                      </p:stCondLst>
+                      <p:childTnLst>
+                        <p:par>
+                          <p:cTn id="14" fill="hold">
+                            <p:stCondLst>
+                              <p:cond delay="0"/>
+                            </p:stCondLst>
+                            <p:childTnLst>
+                              <p:par>
+                                <p:cTn id="15" presetID="10" presetClass="entr" presetSubtype="0" fill="hold" nodeType="clickEffect">
+                                  <p:stCondLst>
+                                    <p:cond delay="0"/>
+                                  </p:stCondLst>
+                                  <p:childTnLst>
+                                    <p:set>
+                                      <p:cBhvr>
+                                        <p:cTn id="16" dur="1" fill="hold">
+                                          <p:stCondLst>
+                                            <p:cond delay="0"/>
+                                          </p:stCondLst>
+                                        </p:cTn>
+                                        <p:tgtEl>
+                                          <p:spTgt spid="3">
+                                            <p:txEl>
+                                              <p:pRg st="2" end="2"/>
+                                            </p:txEl>
+                                          </p:spTgt>
+                                        </p:tgtEl>
+                                        <p:attrNameLst>
+                                          <p:attrName>style.visibility</p:attrName>
+                                        </p:attrNameLst>
+                                      </p:cBhvr>
+                                      <p:to>
+                                        <p:strVal val="visible"/>
+                                      </p:to>
+                                    </p:set>
+                                    <p:animEffect transition="in" filter="fade">
+                                      <p:cBhvr>
+                                        <p:cTn id="17" dur="500"/>
+                                        <p:tgtEl>
+                                          <p:spTgt spid="3">
+                                            <p:txEl>
+                                              <p:pRg st="2" end="2"/>
+                                            </p:txEl>
+                                          </p:spTgt>
+                                        </p:tgtEl>
+                                      </p:cBhvr>
+                                    </p:animEffect>
+                                  </p:childTnLst>
+                                </p:cTn>
+                              </p:par>
+                            </p:childTnLst>
+                          </p:cTn>
+                        </p:par>
+                      </p:childTnLst>
+                    </p:cTn>
+                  </p:par>
+                  <p:par>
+                    <p:cTn id="18" fill="hold">
+                      <p:stCondLst>
+                        <p:cond delay="indefinite"/>
+                      </p:stCondLst>
+                      <p:childTnLst>
+                        <p:par>
+                          <p:cTn id="19" fill="hold">
+                            <p:stCondLst>
+                              <p:cond delay="0"/>
+                            </p:stCondLst>
+                            <p:childTnLst>
+                              <p:par>
+                                <p:cTn id="20" presetID="10" presetClass="entr" presetSubtype="0" fill="hold" grpId="0" nodeType="clickEffect">
+                                  <p:stCondLst>
+                                    <p:cond delay="0"/>
+                                  </p:stCondLst>
+                                  <p:childTnLst>
+                                    <p:set>
+                                      <p:cBhvr>
+                                        <p:cTn id="21" dur="1" fill="hold">
+                                          <p:stCondLst>
+                                            <p:cond delay="0"/>
+                                          </p:stCondLst>
+                                        </p:cTn>
+                                        <p:tgtEl>
+                                          <p:spTgt spid="11"/>
+                                        </p:tgtEl>
+                                        <p:attrNameLst>
+                                          <p:attrName>style.visibility</p:attrName>
+                                        </p:attrNameLst>
+                                      </p:cBhvr>
+                                      <p:to>
+                                        <p:strVal val="visible"/>
+                                      </p:to>
+                                    </p:set>
+                                    <p:animEffect transition="in" filter="fade">
+                                      <p:cBhvr>
+                                        <p:cTn id="22" dur="500"/>
+                                        <p:tgtEl>
+                                          <p:spTgt spid="11"/>
+                                        </p:tgtEl>
+                                      </p:cBhvr>
+                                    </p:animEffect>
+                                  </p:childTnLst>
+                                </p:cTn>
+                              </p:par>
+                              <p:par>
+                                <p:cTn id="23" presetID="10" presetClass="entr" presetSubtype="0" fill="hold" nodeType="withEffect">
+                                  <p:stCondLst>
+                                    <p:cond delay="0"/>
+                                  </p:stCondLst>
+                                  <p:childTnLst>
+                                    <p:set>
+                                      <p:cBhvr>
+                                        <p:cTn id="24" dur="1" fill="hold">
+                                          <p:stCondLst>
+                                            <p:cond delay="0"/>
+                                          </p:stCondLst>
+                                        </p:cTn>
+                                        <p:tgtEl>
+                                          <p:spTgt spid="9"/>
+                                        </p:tgtEl>
+                                        <p:attrNameLst>
+                                          <p:attrName>style.visibility</p:attrName>
+                                        </p:attrNameLst>
+                                      </p:cBhvr>
+                                      <p:to>
+                                        <p:strVal val="visible"/>
+                                      </p:to>
+                                    </p:set>
+                                    <p:animEffect transition="in" filter="fade">
+                                      <p:cBhvr>
+                                        <p:cTn id="25" dur="500"/>
+                                        <p:tgtEl>
+                                          <p:spTgt spid="9"/>
+                                        </p:tgtEl>
+                                      </p:cBhvr>
+                                    </p:animEffect>
+                                  </p:childTnLst>
+                                </p:cTn>
+                              </p:par>
+                            </p:childTnLst>
+                          </p:cTn>
+                        </p:par>
+                      </p:childTnLst>
+                    </p:cTn>
+                  </p:par>
+                  <p:par>
+                    <p:cTn id="26" fill="hold">
+                      <p:stCondLst>
+                        <p:cond delay="indefinite"/>
+                      </p:stCondLst>
+                      <p:childTnLst>
+                        <p:par>
+                          <p:cTn id="27" fill="hold">
+                            <p:stCondLst>
+                              <p:cond delay="0"/>
+                            </p:stCondLst>
+                            <p:childTnLst>
+                              <p:par>
+                                <p:cTn id="28" presetID="10" presetClass="entr" presetSubtype="0" fill="hold" nodeType="clickEffect">
+                                  <p:stCondLst>
+                                    <p:cond delay="0"/>
+                                  </p:stCondLst>
+                                  <p:childTnLst>
+                                    <p:set>
+                                      <p:cBhvr>
+                                        <p:cTn id="29" dur="1" fill="hold">
+                                          <p:stCondLst>
+                                            <p:cond delay="0"/>
+                                          </p:stCondLst>
+                                        </p:cTn>
+                                        <p:tgtEl>
+                                          <p:spTgt spid="3">
+                                            <p:txEl>
+                                              <p:pRg st="3" end="3"/>
+                                            </p:txEl>
+                                          </p:spTgt>
+                                        </p:tgtEl>
+                                        <p:attrNameLst>
+                                          <p:attrName>style.visibility</p:attrName>
+                                        </p:attrNameLst>
+                                      </p:cBhvr>
+                                      <p:to>
+                                        <p:strVal val="visible"/>
+                                      </p:to>
+                                    </p:set>
+                                    <p:animEffect transition="in" filter="fade">
+                                      <p:cBhvr>
+                                        <p:cTn id="30" dur="500"/>
+                                        <p:tgtEl>
+                                          <p:spTgt spid="3">
+                                            <p:txEl>
+                                              <p:pRg st="3" end="3"/>
+                                            </p:txEl>
+                                          </p:spTgt>
+                                        </p:tgtEl>
+                                      </p:cBhvr>
+                                    </p:animEffect>
+                                  </p:childTnLst>
+                                </p:cTn>
+                              </p:par>
+                            </p:childTnLst>
+                          </p:cTn>
+                        </p:par>
+                      </p:childTnLst>
+                    </p:cTn>
+                  </p:par>
+                  <p:par>
+                    <p:cTn id="31" fill="hold">
+                      <p:stCondLst>
+                        <p:cond delay="indefinite"/>
+                      </p:stCondLst>
+                      <p:childTnLst>
+                        <p:par>
+                          <p:cTn id="32" fill="hold">
+                            <p:stCondLst>
+                              <p:cond delay="0"/>
+                            </p:stCondLst>
+                            <p:childTnLst>
+                              <p:par>
+                                <p:cTn id="33" presetID="10" presetClass="entr" presetSubtype="0" fill="hold" grpId="0" nodeType="clickEffect">
+                                  <p:stCondLst>
+                                    <p:cond delay="0"/>
+                                  </p:stCondLst>
+                                  <p:childTnLst>
+                                    <p:set>
+                                      <p:cBhvr>
+                                        <p:cTn id="34" dur="1" fill="hold">
+                                          <p:stCondLst>
+                                            <p:cond delay="0"/>
+                                          </p:stCondLst>
+                                        </p:cTn>
+                                        <p:tgtEl>
+                                          <p:spTgt spid="12"/>
+                                        </p:tgtEl>
+                                        <p:attrNameLst>
+                                          <p:attrName>style.visibility</p:attrName>
+                                        </p:attrNameLst>
+                                      </p:cBhvr>
+                                      <p:to>
+                                        <p:strVal val="visible"/>
+                                      </p:to>
+                                    </p:set>
+                                    <p:animEffect transition="in" filter="fade">
+                                      <p:cBhvr>
+                                        <p:cTn id="35" dur="500"/>
+                                        <p:tgtEl>
+                                          <p:spTgt spid="12"/>
+                                        </p:tgtEl>
+                                      </p:cBhvr>
+                                    </p:animEffect>
+                                  </p:childTnLst>
+                                </p:cTn>
+                              </p:par>
+                            </p:childTnLst>
+                          </p:cTn>
+                        </p:par>
+                      </p:childTnLst>
+                    </p:cTn>
+                  </p:par>
+                </p:childTnLst>
+              </p:cTn>
+              <p:prevCondLst>
+                <p:cond evt="onPrev" delay="0">
+                  <p:tgtEl>
+                    <p:sldTgt/>
+                  </p:tgtEl>
+                </p:cond>
+              </p:prevCondLst>
+              <p:nextCondLst>
+                <p:cond evt="onNext" delay="0">
+                  <p:tgtEl>
+                    <p:sldTgt/>
+                  </p:tgtEl>
+                </p:cond>
+              </p:nextCondLst>
+            </p:seq>
+          </p:childTnLst>
+        </p:cTn>
+      </p:par>
+    </p:tnLst>
+    <p:bldLst>
+      <p:bldP spid="11" grpId="0"/>
+      <p:bldP spid="12" grpId="0"/>
+    </p:bldLst>
+  </p:timing>
+</p:sld>
+</file>
+
+<file path=ppt/slides/slide5.xml><?xml version="1.0" encoding="utf-8"?>
+<p:sld xmlns:a="http://schemas.openxmlformats.org/drawingml/2006/main" xmlns:r="http://schemas.openxmlformats.org/officeDocument/2006/relationships" xmlns:p="http://schemas.openxmlformats.org/presentationml/2006/main">
+  <p:cSld>
+    <p:spTree>
+      <p:nvGrpSpPr>
+        <p:cNvPr id="1" name=""/>
+        <p:cNvGrpSpPr/>
+        <p:nvPr/>
+      </p:nvGrpSpPr>
+      <p:grpSpPr>
+        <a:xfrm>
+          <a:off x="0" y="0"/>
+          <a:ext cx="0" cy="0"/>
+          <a:chOff x="0" y="0"/>
+          <a:chExt cx="0" cy="0"/>
+        </a:xfrm>
+      </p:grpSpPr>
+      <p:sp>
+        <p:nvSpPr>
+          <p:cNvPr id="2" name="Title 1"/>
+          <p:cNvSpPr>
+            <a:spLocks noGrp="1"/>
+          </p:cNvSpPr>
+          <p:nvPr>
+            <p:ph type="title"/>
+          </p:nvPr>
+        </p:nvSpPr>
+        <p:spPr/>
+        <p:txBody>
+          <a:bodyPr/>
+          <a:lstStyle/>
+          <a:p>
+            <a:r>
+              <a:rPr lang="en-US" dirty="0"/>
+              <a:t>Point of Application</a:t>
+            </a:r>
+          </a:p>
+        </p:txBody>
+      </p:sp>
+      <p:sp>
+        <p:nvSpPr>
+          <p:cNvPr id="3" name="Content Placeholder 2"/>
+          <p:cNvSpPr>
+            <a:spLocks noGrp="1"/>
+          </p:cNvSpPr>
+          <p:nvPr>
+            <p:ph idx="1"/>
+          </p:nvPr>
+        </p:nvSpPr>
+        <p:spPr>
+          <a:xfrm>
+            <a:off x="457200" y="1600200"/>
+            <a:ext cx="8229600" cy="3136363"/>
+          </a:xfrm>
+        </p:spPr>
+        <p:txBody>
+          <a:bodyPr>
+            <a:normAutofit fontScale="92500" lnSpcReduction="20000"/>
+          </a:bodyPr>
+          <a:lstStyle/>
+          <a:p>
+            <a:r>
+              <a:rPr lang="en-US" dirty="0"/>
+              <a:t>We can model forces as either having a single point of application or being distributed over some area or volume.</a:t>
+            </a:r>
+          </a:p>
+          <a:p>
+            <a:pPr lvl="1"/>
+            <a:r>
+              <a:rPr lang="en-US" u="sng" dirty="0"/>
+              <a:t>Point forces</a:t>
+            </a:r>
+            <a:r>
+              <a:rPr lang="en-US" dirty="0"/>
+              <a:t> have a single point of application and are modeled as a single vector.</a:t>
+            </a:r>
+          </a:p>
+          <a:p>
+            <a:pPr lvl="1"/>
+            <a:r>
+              <a:rPr lang="en-US" u="sng" dirty="0"/>
+              <a:t>Distributed forces</a:t>
+            </a:r>
+            <a:r>
+              <a:rPr lang="en-US" dirty="0"/>
+              <a:t> have a point of application that is distributed over a line, surface, or volume. They are modeled as fields of vectors.</a:t>
+            </a:r>
+          </a:p>
+        </p:txBody>
+      </p:sp>
+      <p:sp>
+        <p:nvSpPr>
+          <p:cNvPr id="4" name="Slide Number Placeholder 3"/>
+          <p:cNvSpPr>
+            <a:spLocks noGrp="1"/>
+          </p:cNvSpPr>
+          <p:nvPr>
+            <p:ph type="sldNum" sz="quarter" idx="12"/>
+          </p:nvPr>
+        </p:nvSpPr>
+        <p:spPr/>
+        <p:txBody>
+          <a:bodyPr/>
+          <a:lstStyle/>
+          <a:p>
+            <a:fld id="{929262FE-7F58-4A1E-8AF3-5A510A86DEBD}" type="slidenum">
+              <a:rPr lang="en-US" smtClean="0"/>
+              <a:t>5</a:t>
+            </a:fld>
+            <a:endParaRPr lang="en-US"/>
+          </a:p>
+        </p:txBody>
+      </p:sp>
+      <p:pic>
+        <p:nvPicPr>
+          <p:cNvPr id="1026" name="Picture 2" descr="Force Distributed over a surface">
+            <a:extLst>
+              <a:ext uri="{FF2B5EF4-FFF2-40B4-BE49-F238E27FC236}">
+                <a16:creationId xmlns:a16="http://schemas.microsoft.com/office/drawing/2014/main" id="{48C914D4-9F87-4994-820E-D7F41B73D8F2}"/>
+              </a:ext>
+            </a:extLst>
+          </p:cNvPr>
+          <p:cNvPicPr>
+            <a:picLocks noChangeAspect="1" noChangeArrowheads="1"/>
+          </p:cNvPicPr>
+          <p:nvPr/>
+        </p:nvPicPr>
+        <p:blipFill>
+          <a:blip r:embed="rId2">
+            <a:extLst>
+              <a:ext uri="{28A0092B-C50C-407E-A947-70E740481C1C}">
+                <a14:useLocalDpi xmlns:a14="http://schemas.microsoft.com/office/drawing/2010/main" val="0"/>
+              </a:ext>
+            </a:extLst>
+          </a:blip>
+          <a:srcRect/>
+          <a:stretch>
+            <a:fillRect/>
+          </a:stretch>
+        </p:blipFill>
+        <p:spPr bwMode="auto">
+          <a:xfrm>
+            <a:off x="5105400" y="4805362"/>
+            <a:ext cx="3305175" cy="1733550"/>
+          </a:xfrm>
+          <a:prstGeom prst="rect">
+            <a:avLst/>
+          </a:prstGeom>
+          <a:noFill/>
+          <a:extLst>
+            <a:ext uri="{909E8E84-426E-40DD-AFC4-6F175D3DCCD1}">
+              <a14:hiddenFill xmlns:a14="http://schemas.microsoft.com/office/drawing/2010/main">
+                <a:solidFill>
+                  <a:srgbClr val="FFFFFF"/>
+                </a:solidFill>
+              </a14:hiddenFill>
+            </a:ext>
+          </a:extLst>
+        </p:spPr>
+      </p:pic>
+      <p:grpSp>
+        <p:nvGrpSpPr>
+          <p:cNvPr id="19" name="Group 18">
+            <a:extLst>
+              <a:ext uri="{FF2B5EF4-FFF2-40B4-BE49-F238E27FC236}">
+                <a16:creationId xmlns:a16="http://schemas.microsoft.com/office/drawing/2014/main" id="{DC103B95-2A2F-4101-8AB3-86D8CB4B5D00}"/>
+              </a:ext>
+            </a:extLst>
+          </p:cNvPr>
+          <p:cNvGrpSpPr/>
+          <p:nvPr/>
+        </p:nvGrpSpPr>
+        <p:grpSpPr>
+          <a:xfrm>
+            <a:off x="1028700" y="4545013"/>
+            <a:ext cx="3200400" cy="2166937"/>
+            <a:chOff x="1676400" y="1860414"/>
+            <a:chExt cx="5835649" cy="4878523"/>
+          </a:xfrm>
+        </p:grpSpPr>
+        <p:pic>
+          <p:nvPicPr>
+            <p:cNvPr id="20" name="Picture 2">
+              <a:extLst>
+                <a:ext uri="{FF2B5EF4-FFF2-40B4-BE49-F238E27FC236}">
+                  <a16:creationId xmlns:a16="http://schemas.microsoft.com/office/drawing/2014/main" id="{8B880A16-727F-4367-A446-8FDEEAAE91E9}"/>
+                </a:ext>
+              </a:extLst>
+            </p:cNvPr>
+            <p:cNvPicPr>
+              <a:picLocks noChangeAspect="1" noChangeArrowheads="1"/>
+            </p:cNvPicPr>
+            <p:nvPr/>
+          </p:nvPicPr>
+          <p:blipFill>
+            <a:blip r:embed="rId3">
+              <a:extLst>
+                <a:ext uri="{28A0092B-C50C-407E-A947-70E740481C1C}">
+                  <a14:useLocalDpi xmlns:a14="http://schemas.microsoft.com/office/drawing/2010/main" val="0"/>
+                </a:ext>
+              </a:extLst>
+            </a:blip>
+            <a:srcRect/>
+            <a:stretch>
+              <a:fillRect/>
+            </a:stretch>
+          </p:blipFill>
+          <p:spPr bwMode="auto">
+            <a:xfrm>
+              <a:off x="1676400" y="2362200"/>
+              <a:ext cx="5835649" cy="4376737"/>
+            </a:xfrm>
+            <a:prstGeom prst="rect">
+              <a:avLst/>
+            </a:prstGeom>
+            <a:noFill/>
+            <a:ln>
+              <a:noFill/>
+            </a:ln>
+            <a:extLst>
+              <a:ext uri="{909E8E84-426E-40DD-AFC4-6F175D3DCCD1}">
+                <a14:hiddenFill xmlns:a14="http://schemas.microsoft.com/office/drawing/2010/main">
+                  <a:solidFill>
+                    <a:schemeClr val="accent1"/>
+                  </a:solidFill>
+                </a14:hiddenFill>
+              </a:ext>
+              <a:ext uri="{91240B29-F687-4F45-9708-019B960494DF}">
+                <a14:hiddenLine xmlns:a14="http://schemas.microsoft.com/office/drawing/2010/main" w="9525">
+                  <a:solidFill>
+                    <a:schemeClr val="tx1"/>
+                  </a:solidFill>
+                  <a:miter lim="800000"/>
+                  <a:headEnd/>
+                  <a:tailEnd/>
+                </a14:hiddenLine>
+              </a:ext>
+            </a:extLst>
+          </p:spPr>
+        </p:pic>
+        <p:cxnSp>
+          <p:nvCxnSpPr>
+            <p:cNvPr id="27" name="Straight Arrow Connector 26">
+              <a:extLst>
+                <a:ext uri="{FF2B5EF4-FFF2-40B4-BE49-F238E27FC236}">
+                  <a16:creationId xmlns:a16="http://schemas.microsoft.com/office/drawing/2014/main" id="{575ABD8C-53C7-4B4E-B751-311F4345B30E}"/>
+                </a:ext>
+              </a:extLst>
+            </p:cNvPr>
+            <p:cNvCxnSpPr/>
+            <p:nvPr/>
+          </p:nvCxnSpPr>
+          <p:spPr>
+            <a:xfrm flipV="1">
+              <a:off x="4611005" y="2819400"/>
+              <a:ext cx="2901044" cy="381000"/>
+            </a:xfrm>
+            <a:prstGeom prst="straightConnector1">
+              <a:avLst/>
+            </a:prstGeom>
+            <a:ln>
+              <a:solidFill>
+                <a:srgbClr val="FF0000"/>
+              </a:solidFill>
+              <a:tailEnd type="arrow"/>
+            </a:ln>
+          </p:spPr>
+          <p:style>
+            <a:lnRef idx="3">
+              <a:schemeClr val="accent2"/>
+            </a:lnRef>
+            <a:fillRef idx="0">
+              <a:schemeClr val="accent2"/>
+            </a:fillRef>
+            <a:effectRef idx="2">
+              <a:schemeClr val="accent2"/>
+            </a:effectRef>
+            <a:fontRef idx="minor">
+              <a:schemeClr val="tx1"/>
+            </a:fontRef>
+          </p:style>
+        </p:cxnSp>
+        <p:sp>
+          <p:nvSpPr>
+            <p:cNvPr id="29" name="Arc 28">
+              <a:extLst>
+                <a:ext uri="{FF2B5EF4-FFF2-40B4-BE49-F238E27FC236}">
+                  <a16:creationId xmlns:a16="http://schemas.microsoft.com/office/drawing/2014/main" id="{B8902B22-5206-4EBA-B394-E6F5E3B87453}"/>
+                </a:ext>
+              </a:extLst>
+            </p:cNvPr>
+            <p:cNvSpPr/>
+            <p:nvPr/>
+          </p:nvSpPr>
+          <p:spPr>
+            <a:xfrm>
+              <a:off x="3733800" y="2393814"/>
+              <a:ext cx="1600200" cy="1644786"/>
+            </a:xfrm>
+            <a:prstGeom prst="arc">
+              <a:avLst>
+                <a:gd name="adj1" fmla="val 16188182"/>
+                <a:gd name="adj2" fmla="val 21186097"/>
+              </a:avLst>
+            </a:prstGeom>
+          </p:spPr>
+          <p:style>
+            <a:lnRef idx="2">
+              <a:schemeClr val="accent1"/>
+            </a:lnRef>
+            <a:fillRef idx="0">
+              <a:schemeClr val="accent1"/>
+            </a:fillRef>
+            <a:effectRef idx="1">
+              <a:schemeClr val="accent1"/>
+            </a:effectRef>
+            <a:fontRef idx="minor">
+              <a:schemeClr val="tx1"/>
+            </a:fontRef>
+          </p:style>
+          <p:txBody>
+            <a:bodyPr rtlCol="0" anchor="ctr"/>
+            <a:lstStyle/>
+            <a:p>
+              <a:pPr algn="ctr"/>
+              <a:endParaRPr lang="en-US"/>
+            </a:p>
+          </p:txBody>
+        </p:sp>
+        <p:cxnSp>
+          <p:nvCxnSpPr>
+            <p:cNvPr id="31" name="Straight Connector 30">
+              <a:extLst>
+                <a:ext uri="{FF2B5EF4-FFF2-40B4-BE49-F238E27FC236}">
+                  <a16:creationId xmlns:a16="http://schemas.microsoft.com/office/drawing/2014/main" id="{E124A115-DAD3-4CED-BD2C-8BD2180162AF}"/>
+                </a:ext>
+              </a:extLst>
+            </p:cNvPr>
+            <p:cNvCxnSpPr>
+              <a:cxnSpLocks/>
+            </p:cNvCxnSpPr>
+            <p:nvPr/>
+          </p:nvCxnSpPr>
+          <p:spPr>
+            <a:xfrm flipV="1">
+              <a:off x="4533901" y="1860414"/>
+              <a:ext cx="0" cy="1339985"/>
+            </a:xfrm>
+            <a:prstGeom prst="line">
+              <a:avLst/>
+            </a:prstGeom>
+          </p:spPr>
+          <p:style>
+            <a:lnRef idx="1">
+              <a:schemeClr val="accent1"/>
+            </a:lnRef>
+            <a:fillRef idx="0">
+              <a:schemeClr val="accent1"/>
+            </a:fillRef>
+            <a:effectRef idx="0">
+              <a:schemeClr val="accent1"/>
+            </a:effectRef>
+            <a:fontRef idx="minor">
+              <a:schemeClr val="tx1"/>
+            </a:fontRef>
+          </p:style>
+        </p:cxnSp>
+      </p:grpSp>
+    </p:spTree>
+    <p:extLst>
+      <p:ext uri="{BB962C8B-B14F-4D97-AF65-F5344CB8AC3E}">
+        <p14:creationId xmlns:p14="http://schemas.microsoft.com/office/powerpoint/2010/main" val="67018790"/>
+      </p:ext>
+    </p:extLst>
+  </p:cSld>
+  <p:clrMapOvr>
+    <a:masterClrMapping/>
+  </p:clrMapOvr>
+  <p:timing>
+    <p:tnLst>
+      <p:par>
+        <p:cTn id="1" dur="indefinite" restart="never" nodeType="tmRoot">
+          <p:childTnLst>
+            <p:seq concurrent="1" nextAc="seek">
+              <p:cTn id="2" dur="indefinite" nodeType="mainSeq">
+                <p:childTnLst>
+                  <p:par>
+                    <p:cTn id="3" fill="hold">
+                      <p:stCondLst>
+                        <p:cond delay="indefinite"/>
+                      </p:stCondLst>
+                      <p:childTnLst>
+                        <p:par>
+                          <p:cTn id="4" fill="hold">
+                            <p:stCondLst>
+                              <p:cond delay="0"/>
+                            </p:stCondLst>
+                            <p:childTnLst>
+                              <p:par>
+                                <p:cTn id="5" presetID="10" presetClass="entr" presetSubtype="0" fill="hold" nodeType="clickEffect">
+                                  <p:stCondLst>
+                                    <p:cond delay="0"/>
+                                  </p:stCondLst>
+                                  <p:childTnLst>
+                                    <p:set>
+                                      <p:cBhvr>
+                                        <p:cTn id="6" dur="1" fill="hold">
+                                          <p:stCondLst>
+                                            <p:cond delay="0"/>
+                                          </p:stCondLst>
+                                        </p:cTn>
+                                        <p:tgtEl>
+                                          <p:spTgt spid="3">
+                                            <p:txEl>
+                                              <p:pRg st="0" end="0"/>
+                                            </p:txEl>
+                                          </p:spTgt>
+                                        </p:tgtEl>
+                                        <p:attrNameLst>
+                                          <p:attrName>style.visibility</p:attrName>
+                                        </p:attrNameLst>
+                                      </p:cBhvr>
+                                      <p:to>
+                                        <p:strVal val="visible"/>
+                                      </p:to>
+                                    </p:set>
+                                    <p:animEffect transition="in" filter="fade">
+                                      <p:cBhvr>
+                                        <p:cTn id="7" dur="500"/>
+                                        <p:tgtEl>
+                                          <p:spTgt spid="3">
+                                            <p:txEl>
+                                              <p:pRg st="0" end="0"/>
+                                            </p:txEl>
+                                          </p:spTgt>
+                                        </p:tgtEl>
+                                      </p:cBhvr>
+                                    </p:animEffect>
+                                  </p:childTnLst>
+                                </p:cTn>
+                              </p:par>
+                            </p:childTnLst>
+                          </p:cTn>
+                        </p:par>
+                      </p:childTnLst>
+                    </p:cTn>
+                  </p:par>
+                  <p:par>
+                    <p:cTn id="8" fill="hold">
+                      <p:stCondLst>
+                        <p:cond delay="indefinite"/>
+                      </p:stCondLst>
+                      <p:childTnLst>
+                        <p:par>
+                          <p:cTn id="9" fill="hold">
+                            <p:stCondLst>
+                              <p:cond delay="0"/>
+                            </p:stCondLst>
+                            <p:childTnLst>
+                              <p:par>
+                                <p:cTn id="10" presetID="10" presetClass="entr" presetSubtype="0" fill="hold" nodeType="clickEffect">
+                                  <p:stCondLst>
+                                    <p:cond delay="0"/>
+                                  </p:stCondLst>
+                                  <p:childTnLst>
+                                    <p:set>
+                                      <p:cBhvr>
+                                        <p:cTn id="11" dur="1" fill="hold">
+                                          <p:stCondLst>
+                                            <p:cond delay="0"/>
+                                          </p:stCondLst>
+                                        </p:cTn>
+                                        <p:tgtEl>
+                                          <p:spTgt spid="3">
+                                            <p:txEl>
+                                              <p:pRg st="1" end="1"/>
+                                            </p:txEl>
+                                          </p:spTgt>
+                                        </p:tgtEl>
+                                        <p:attrNameLst>
+                                          <p:attrName>style.visibility</p:attrName>
+                                        </p:attrNameLst>
+                                      </p:cBhvr>
+                                      <p:to>
+                                        <p:strVal val="visible"/>
+                                      </p:to>
+                                    </p:set>
+                                    <p:animEffect transition="in" filter="fade">
+                                      <p:cBhvr>
+                                        <p:cTn id="12" dur="500"/>
+                                        <p:tgtEl>
+                                          <p:spTgt spid="3">
+                                            <p:txEl>
+                                              <p:pRg st="1" end="1"/>
+                                            </p:txEl>
+                                          </p:spTgt>
+                                        </p:tgtEl>
+                                      </p:cBhvr>
+                                    </p:animEffect>
+                                  </p:childTnLst>
+                                </p:cTn>
+                              </p:par>
+                            </p:childTnLst>
+                          </p:cTn>
+                        </p:par>
+                      </p:childTnLst>
+                    </p:cTn>
+                  </p:par>
+                  <p:par>
+                    <p:cTn id="13" fill="hold">
+                      <p:stCondLst>
+                        <p:cond delay="indefinite"/>
+                      </p:stCondLst>
+                      <p:childTnLst>
+                        <p:par>
+                          <p:cTn id="14" fill="hold">
+                            <p:stCondLst>
+                              <p:cond delay="0"/>
+                            </p:stCondLst>
+                            <p:childTnLst>
+                              <p:par>
+                                <p:cTn id="15" presetID="10" presetClass="entr" presetSubtype="0" fill="hold" nodeType="clickEffect">
+                                  <p:stCondLst>
+                                    <p:cond delay="0"/>
+                                  </p:stCondLst>
+                                  <p:childTnLst>
+                                    <p:set>
+                                      <p:cBhvr>
+                                        <p:cTn id="16" dur="1" fill="hold">
+                                          <p:stCondLst>
+                                            <p:cond delay="0"/>
+                                          </p:stCondLst>
+                                        </p:cTn>
+                                        <p:tgtEl>
+                                          <p:spTgt spid="19"/>
+                                        </p:tgtEl>
+                                        <p:attrNameLst>
+                                          <p:attrName>style.visibility</p:attrName>
+                                        </p:attrNameLst>
+                                      </p:cBhvr>
+                                      <p:to>
+                                        <p:strVal val="visible"/>
+                                      </p:to>
+                                    </p:set>
+                                    <p:animEffect transition="in" filter="fade">
+                                      <p:cBhvr>
+                                        <p:cTn id="17" dur="500"/>
+                                        <p:tgtEl>
+                                          <p:spTgt spid="19"/>
+                                        </p:tgtEl>
+                                      </p:cBhvr>
+                                    </p:animEffect>
+                                  </p:childTnLst>
+                                </p:cTn>
+                              </p:par>
+                            </p:childTnLst>
+                          </p:cTn>
+                        </p:par>
+                      </p:childTnLst>
+                    </p:cTn>
+                  </p:par>
+                  <p:par>
+                    <p:cTn id="18" fill="hold">
+                      <p:stCondLst>
+                        <p:cond delay="indefinite"/>
+                      </p:stCondLst>
+                      <p:childTnLst>
+                        <p:par>
+                          <p:cTn id="19" fill="hold">
+                            <p:stCondLst>
+                              <p:cond delay="0"/>
+                            </p:stCondLst>
+                            <p:childTnLst>
+                              <p:par>
+                                <p:cTn id="20" presetID="10" presetClass="entr" presetSubtype="0" fill="hold" nodeType="clickEffect">
+                                  <p:stCondLst>
+                                    <p:cond delay="0"/>
+                                  </p:stCondLst>
+                                  <p:childTnLst>
+                                    <p:set>
+                                      <p:cBhvr>
+                                        <p:cTn id="21" dur="1" fill="hold">
+                                          <p:stCondLst>
+                                            <p:cond delay="0"/>
+                                          </p:stCondLst>
+                                        </p:cTn>
+                                        <p:tgtEl>
+                                          <p:spTgt spid="3">
+                                            <p:txEl>
+                                              <p:pRg st="2" end="2"/>
+                                            </p:txEl>
+                                          </p:spTgt>
+                                        </p:tgtEl>
+                                        <p:attrNameLst>
+                                          <p:attrName>style.visibility</p:attrName>
+                                        </p:attrNameLst>
+                                      </p:cBhvr>
+                                      <p:to>
+                                        <p:strVal val="visible"/>
+                                      </p:to>
+                                    </p:set>
+                                    <p:animEffect transition="in" filter="fade">
+                                      <p:cBhvr>
+                                        <p:cTn id="22" dur="500"/>
+                                        <p:tgtEl>
+                                          <p:spTgt spid="3">
+                                            <p:txEl>
+                                              <p:pRg st="2" end="2"/>
+                                            </p:txEl>
+                                          </p:spTgt>
+                                        </p:tgtEl>
+                                      </p:cBhvr>
+                                    </p:animEffect>
+                                  </p:childTnLst>
+                                </p:cTn>
+                              </p:par>
+                            </p:childTnLst>
+                          </p:cTn>
+                        </p:par>
+                      </p:childTnLst>
+                    </p:cTn>
+                  </p:par>
+                  <p:par>
+                    <p:cTn id="23" fill="hold">
+                      <p:stCondLst>
+                        <p:cond delay="indefinite"/>
+                      </p:stCondLst>
+                      <p:childTnLst>
+                        <p:par>
+                          <p:cTn id="24" fill="hold">
+                            <p:stCondLst>
+                              <p:cond delay="0"/>
+                            </p:stCondLst>
+                            <p:childTnLst>
+                              <p:par>
+                                <p:cTn id="25" presetID="10" presetClass="entr" presetSubtype="0" fill="hold" nodeType="clickEffect">
+                                  <p:stCondLst>
+                                    <p:cond delay="0"/>
+                                  </p:stCondLst>
+                                  <p:childTnLst>
+                                    <p:set>
+                                      <p:cBhvr>
+                                        <p:cTn id="26" dur="1" fill="hold">
+                                          <p:stCondLst>
+                                            <p:cond delay="0"/>
+                                          </p:stCondLst>
+                                        </p:cTn>
+                                        <p:tgtEl>
                                           <p:spTgt spid="1026"/>
                                         </p:tgtEl>
                                         <p:attrNameLst>
@@ -4293,7 +7069,7 @@
                                     </p:set>
                                     <p:animEffect transition="in" filter="fade">
                                       <p:cBhvr>
-                                        <p:cTn id="12" dur="500"/>
+                                        <p:cTn id="27" dur="500"/>
                                         <p:tgtEl>
                                           <p:spTgt spid="1026"/>
                                         </p:tgtEl>
@@ -4333,7 +7109,7 @@
 </p:sld>
 </file>
 
-<file path=ppt/slides/slide3.xml><?xml version="1.0" encoding="utf-8"?>
+<file path=ppt/slides/slide6.xml><?xml version="1.0" encoding="utf-8"?>
 <p:sld xmlns:a="http://schemas.openxmlformats.org/drawingml/2006/main" xmlns:r="http://schemas.openxmlformats.org/officeDocument/2006/relationships" xmlns:p="http://schemas.openxmlformats.org/presentationml/2006/main">
   <p:cSld>
     <p:spTree>
@@ -4355,396 +7131,10 @@
           <p:cNvPr id="2" name="Title 1">
             <a:extLst>
               <a:ext uri="{FF2B5EF4-FFF2-40B4-BE49-F238E27FC236}">
-                <a16:creationId xmlns:a16="http://schemas.microsoft.com/office/drawing/2014/main" id="{4000E0A5-F637-4430-B45D-6EC450B1E628}"/>
+                <a16:creationId xmlns:a16="http://schemas.microsoft.com/office/drawing/2014/main" id="{F7668E36-8EF8-4522-9B9F-4BB55DCA7307}"/>
               </a:ext>
             </a:extLst>
           </p:cNvPr>
-          <p:cNvSpPr>
-            <a:spLocks noGrp="1"/>
-          </p:cNvSpPr>
-          <p:nvPr>
-            <p:ph type="title"/>
-          </p:nvPr>
-        </p:nvSpPr>
-        <p:spPr>
-          <a:xfrm>
-            <a:off x="457200" y="274638"/>
-            <a:ext cx="8229600" cy="1143000"/>
-          </a:xfrm>
-        </p:spPr>
-        <p:txBody>
-          <a:bodyPr anchor="ctr">
-            <a:normAutofit/>
-          </a:bodyPr>
-          <a:lstStyle/>
-          <a:p>
-            <a:r>
-              <a:rPr lang="en-US" dirty="0"/>
-              <a:t>Pure Moments</a:t>
-            </a:r>
-          </a:p>
-        </p:txBody>
-      </p:sp>
-      <p:sp>
-        <p:nvSpPr>
-          <p:cNvPr id="3" name="Content Placeholder 2">
-            <a:extLst>
-              <a:ext uri="{FF2B5EF4-FFF2-40B4-BE49-F238E27FC236}">
-                <a16:creationId xmlns:a16="http://schemas.microsoft.com/office/drawing/2014/main" id="{FAB4611A-B3D6-43D0-8970-DBA8207356B3}"/>
-              </a:ext>
-            </a:extLst>
-          </p:cNvPr>
-          <p:cNvSpPr>
-            <a:spLocks noGrp="1"/>
-          </p:cNvSpPr>
-          <p:nvPr>
-            <p:ph sz="half" idx="1"/>
-          </p:nvPr>
-        </p:nvSpPr>
-        <p:spPr>
-          <a:xfrm>
-            <a:off x="457200" y="1600200"/>
-            <a:ext cx="4038600" cy="4525963"/>
-          </a:xfrm>
-        </p:spPr>
-        <p:txBody>
-          <a:bodyPr>
-            <a:normAutofit lnSpcReduction="10000"/>
-          </a:bodyPr>
-          <a:lstStyle/>
-          <a:p>
-            <a:r>
-              <a:rPr lang="en-US" dirty="0"/>
-              <a:t>In many cases, we will apply a set of forces, called a </a:t>
-            </a:r>
-            <a:r>
-              <a:rPr lang="en-US" b="1" dirty="0"/>
-              <a:t>couple</a:t>
-            </a:r>
-            <a:r>
-              <a:rPr lang="en-US" dirty="0"/>
-              <a:t>, that will exert a moment without exerting a net force. This is called a </a:t>
-            </a:r>
-            <a:r>
-              <a:rPr lang="en-US" b="1" dirty="0"/>
-              <a:t>pure moment</a:t>
-            </a:r>
-            <a:r>
-              <a:rPr lang="en-US" dirty="0"/>
-              <a:t>.</a:t>
-            </a:r>
-          </a:p>
-          <a:p>
-            <a:r>
-              <a:rPr lang="en-US" dirty="0"/>
-              <a:t>Many devices, such as this </a:t>
-            </a:r>
-            <a:r>
-              <a:rPr lang="en-US"/>
-              <a:t>electric screwdriver, can exert </a:t>
-            </a:r>
-            <a:r>
-              <a:rPr lang="en-US" dirty="0"/>
-              <a:t>a </a:t>
-            </a:r>
-            <a:r>
-              <a:rPr lang="en-US"/>
-              <a:t>pure moment.</a:t>
-            </a:r>
-            <a:endParaRPr lang="en-US" dirty="0"/>
-          </a:p>
-        </p:txBody>
-      </p:sp>
-      <p:pic>
-        <p:nvPicPr>
-          <p:cNvPr id="1026" name="Picture 2" descr="Crop focused ethnic engineer using electric screwdriver">
-            <a:extLst>
-              <a:ext uri="{FF2B5EF4-FFF2-40B4-BE49-F238E27FC236}">
-                <a16:creationId xmlns:a16="http://schemas.microsoft.com/office/drawing/2014/main" id="{BD40B29A-BEC1-4385-86EA-F04B4EB9A933}"/>
-              </a:ext>
-            </a:extLst>
-          </p:cNvPr>
-          <p:cNvPicPr>
-            <a:picLocks noChangeAspect="1" noChangeArrowheads="1"/>
-          </p:cNvPicPr>
-          <p:nvPr/>
-        </p:nvPicPr>
-        <p:blipFill rotWithShape="1">
-          <a:blip r:embed="rId2">
-            <a:extLst>
-              <a:ext uri="{28A0092B-C50C-407E-A947-70E740481C1C}">
-                <a14:useLocalDpi xmlns:a14="http://schemas.microsoft.com/office/drawing/2010/main" val="0"/>
-              </a:ext>
-            </a:extLst>
-          </a:blip>
-          <a:srcRect l="34418" r="6019" b="-1"/>
-          <a:stretch/>
-        </p:blipFill>
-        <p:spPr bwMode="auto">
-          <a:xfrm>
-            <a:off x="4648200" y="1600200"/>
-            <a:ext cx="4038600" cy="4525963"/>
-          </a:xfrm>
-          <a:prstGeom prst="rect">
-            <a:avLst/>
-          </a:prstGeom>
-          <a:noFill/>
-          <a:extLst>
-            <a:ext uri="{909E8E84-426E-40DD-AFC4-6F175D3DCCD1}">
-              <a14:hiddenFill xmlns:a14="http://schemas.microsoft.com/office/drawing/2010/main">
-                <a:solidFill>
-                  <a:srgbClr val="FFFFFF"/>
-                </a:solidFill>
-              </a14:hiddenFill>
-            </a:ext>
-          </a:extLst>
-        </p:spPr>
-      </p:pic>
-      <p:sp>
-        <p:nvSpPr>
-          <p:cNvPr id="4" name="Slide Number Placeholder 3">
-            <a:extLst>
-              <a:ext uri="{FF2B5EF4-FFF2-40B4-BE49-F238E27FC236}">
-                <a16:creationId xmlns:a16="http://schemas.microsoft.com/office/drawing/2014/main" id="{45F4EAD0-0A6C-4725-9ED6-726F57E11D40}"/>
-              </a:ext>
-            </a:extLst>
-          </p:cNvPr>
-          <p:cNvSpPr>
-            <a:spLocks noGrp="1"/>
-          </p:cNvSpPr>
-          <p:nvPr>
-            <p:ph type="sldNum" sz="quarter" idx="12"/>
-          </p:nvPr>
-        </p:nvSpPr>
-        <p:spPr>
-          <a:xfrm>
-            <a:off x="6553200" y="6356350"/>
-            <a:ext cx="2133600" cy="365125"/>
-          </a:xfrm>
-        </p:spPr>
-        <p:txBody>
-          <a:bodyPr anchor="ctr">
-            <a:normAutofit/>
-          </a:bodyPr>
-          <a:lstStyle/>
-          <a:p>
-            <a:pPr>
-              <a:spcAft>
-                <a:spcPts val="600"/>
-              </a:spcAft>
-            </a:pPr>
-            <a:fld id="{929262FE-7F58-4A1E-8AF3-5A510A86DEBD}" type="slidenum">
-              <a:rPr lang="en-US" smtClean="0"/>
-              <a:pPr>
-                <a:spcAft>
-                  <a:spcPts val="600"/>
-                </a:spcAft>
-              </a:pPr>
-              <a:t>3</a:t>
-            </a:fld>
-            <a:endParaRPr lang="en-US"/>
-          </a:p>
-        </p:txBody>
-      </p:sp>
-    </p:spTree>
-    <p:extLst>
-      <p:ext uri="{BB962C8B-B14F-4D97-AF65-F5344CB8AC3E}">
-        <p14:creationId xmlns:p14="http://schemas.microsoft.com/office/powerpoint/2010/main" val="80664795"/>
-      </p:ext>
-    </p:extLst>
-  </p:cSld>
-  <p:clrMapOvr>
-    <a:masterClrMapping/>
-  </p:clrMapOvr>
-  <p:timing>
-    <p:tnLst>
-      <p:par>
-        <p:cTn id="1" dur="indefinite" restart="never" nodeType="tmRoot">
-          <p:childTnLst>
-            <p:seq concurrent="1" nextAc="seek">
-              <p:cTn id="2" dur="indefinite" nodeType="mainSeq">
-                <p:childTnLst>
-                  <p:par>
-                    <p:cTn id="3" fill="hold">
-                      <p:stCondLst>
-                        <p:cond delay="indefinite"/>
-                      </p:stCondLst>
-                      <p:childTnLst>
-                        <p:par>
-                          <p:cTn id="4" fill="hold">
-                            <p:stCondLst>
-                              <p:cond delay="0"/>
-                            </p:stCondLst>
-                            <p:childTnLst>
-                              <p:par>
-                                <p:cTn id="5" presetID="1" presetClass="entr" presetSubtype="0" fill="hold" grpId="0" nodeType="clickEffect">
-                                  <p:stCondLst>
-                                    <p:cond delay="0"/>
-                                  </p:stCondLst>
-                                  <p:childTnLst>
-                                    <p:set>
-                                      <p:cBhvr>
-                                        <p:cTn id="6" dur="1" fill="hold">
-                                          <p:stCondLst>
-                                            <p:cond delay="0"/>
-                                          </p:stCondLst>
-                                        </p:cTn>
-                                        <p:tgtEl>
-                                          <p:spTgt spid="3">
-                                            <p:txEl>
-                                              <p:pRg st="0" end="0"/>
-                                            </p:txEl>
-                                          </p:spTgt>
-                                        </p:tgtEl>
-                                        <p:attrNameLst>
-                                          <p:attrName>style.visibility</p:attrName>
-                                        </p:attrNameLst>
-                                      </p:cBhvr>
-                                      <p:to>
-                                        <p:strVal val="visible"/>
-                                      </p:to>
-                                    </p:set>
-                                  </p:childTnLst>
-                                </p:cTn>
-                              </p:par>
-                            </p:childTnLst>
-                          </p:cTn>
-                        </p:par>
-                      </p:childTnLst>
-                    </p:cTn>
-                  </p:par>
-                  <p:par>
-                    <p:cTn id="7" fill="hold">
-                      <p:stCondLst>
-                        <p:cond delay="indefinite"/>
-                      </p:stCondLst>
-                      <p:childTnLst>
-                        <p:par>
-                          <p:cTn id="8" fill="hold">
-                            <p:stCondLst>
-                              <p:cond delay="0"/>
-                            </p:stCondLst>
-                            <p:childTnLst>
-                              <p:par>
-                                <p:cTn id="9" presetID="1" presetClass="entr" presetSubtype="0" fill="hold" grpId="0" nodeType="clickEffect">
-                                  <p:stCondLst>
-                                    <p:cond delay="0"/>
-                                  </p:stCondLst>
-                                  <p:childTnLst>
-                                    <p:set>
-                                      <p:cBhvr>
-                                        <p:cTn id="10" dur="1" fill="hold">
-                                          <p:stCondLst>
-                                            <p:cond delay="0"/>
-                                          </p:stCondLst>
-                                        </p:cTn>
-                                        <p:tgtEl>
-                                          <p:spTgt spid="3">
-                                            <p:txEl>
-                                              <p:pRg st="1" end="1"/>
-                                            </p:txEl>
-                                          </p:spTgt>
-                                        </p:tgtEl>
-                                        <p:attrNameLst>
-                                          <p:attrName>style.visibility</p:attrName>
-                                        </p:attrNameLst>
-                                      </p:cBhvr>
-                                      <p:to>
-                                        <p:strVal val="visible"/>
-                                      </p:to>
-                                    </p:set>
-                                  </p:childTnLst>
-                                </p:cTn>
-                              </p:par>
-                              <p:par>
-                                <p:cTn id="11" presetID="10" presetClass="entr" presetSubtype="0" fill="hold" nodeType="withEffect">
-                                  <p:stCondLst>
-                                    <p:cond delay="0"/>
-                                  </p:stCondLst>
-                                  <p:childTnLst>
-                                    <p:set>
-                                      <p:cBhvr>
-                                        <p:cTn id="12" dur="1" fill="hold">
-                                          <p:stCondLst>
-                                            <p:cond delay="0"/>
-                                          </p:stCondLst>
-                                        </p:cTn>
-                                        <p:tgtEl>
-                                          <p:spTgt spid="1026"/>
-                                        </p:tgtEl>
-                                        <p:attrNameLst>
-                                          <p:attrName>style.visibility</p:attrName>
-                                        </p:attrNameLst>
-                                      </p:cBhvr>
-                                      <p:to>
-                                        <p:strVal val="visible"/>
-                                      </p:to>
-                                    </p:set>
-                                    <p:animEffect transition="in" filter="fade">
-                                      <p:cBhvr>
-                                        <p:cTn id="13" dur="500"/>
-                                        <p:tgtEl>
-                                          <p:spTgt spid="1026"/>
-                                        </p:tgtEl>
-                                      </p:cBhvr>
-                                    </p:animEffect>
-                                  </p:childTnLst>
-                                </p:cTn>
-                              </p:par>
-                            </p:childTnLst>
-                          </p:cTn>
-                        </p:par>
-                      </p:childTnLst>
-                    </p:cTn>
-                  </p:par>
-                </p:childTnLst>
-              </p:cTn>
-              <p:prevCondLst>
-                <p:cond evt="onPrev" delay="0">
-                  <p:tgtEl>
-                    <p:sldTgt/>
-                  </p:tgtEl>
-                </p:cond>
-              </p:prevCondLst>
-              <p:nextCondLst>
-                <p:cond evt="onNext" delay="0">
-                  <p:tgtEl>
-                    <p:sldTgt/>
-                  </p:tgtEl>
-                </p:cond>
-              </p:nextCondLst>
-            </p:seq>
-          </p:childTnLst>
-        </p:cTn>
-      </p:par>
-    </p:tnLst>
-    <p:bldLst>
-      <p:bldP spid="3" grpId="0" build="p"/>
-    </p:bldLst>
-  </p:timing>
-</p:sld>
-</file>
-
-<file path=ppt/slides/slide4.xml><?xml version="1.0" encoding="utf-8"?>
-<p:sld xmlns:a="http://schemas.openxmlformats.org/drawingml/2006/main" xmlns:r="http://schemas.openxmlformats.org/officeDocument/2006/relationships" xmlns:p="http://schemas.openxmlformats.org/presentationml/2006/main">
-  <p:cSld>
-    <p:spTree>
-      <p:nvGrpSpPr>
-        <p:cNvPr id="1" name=""/>
-        <p:cNvGrpSpPr/>
-        <p:nvPr/>
-      </p:nvGrpSpPr>
-      <p:grpSpPr>
-        <a:xfrm>
-          <a:off x="0" y="0"/>
-          <a:ext cx="0" cy="0"/>
-          <a:chOff x="0" y="0"/>
-          <a:chExt cx="0" cy="0"/>
-        </a:xfrm>
-      </p:grpSpPr>
-      <p:sp>
-        <p:nvSpPr>
-          <p:cNvPr id="2" name="Title 1"/>
           <p:cNvSpPr>
             <a:spLocks noGrp="1"/>
           </p:cNvSpPr>
@@ -4759,14 +7149,20 @@
           <a:p>
             <a:r>
               <a:rPr lang="en-US" dirty="0"/>
-              <a:t>Moments as Vectors</a:t>
+              <a:t>Some Common Forces</a:t>
             </a:r>
           </a:p>
         </p:txBody>
       </p:sp>
       <p:sp>
         <p:nvSpPr>
-          <p:cNvPr id="3" name="Content Placeholder 2"/>
+          <p:cNvPr id="3" name="Content Placeholder 2">
+            <a:extLst>
+              <a:ext uri="{FF2B5EF4-FFF2-40B4-BE49-F238E27FC236}">
+                <a16:creationId xmlns:a16="http://schemas.microsoft.com/office/drawing/2014/main" id="{7CD31D80-09BD-408A-B08E-CA61F3385D35}"/>
+              </a:ext>
+            </a:extLst>
+          </p:cNvPr>
           <p:cNvSpPr>
             <a:spLocks noGrp="1"/>
           </p:cNvSpPr>
@@ -4774,73 +7170,107 @@
             <p:ph idx="1"/>
           </p:nvPr>
         </p:nvSpPr>
-        <p:spPr>
-          <a:xfrm>
-            <a:off x="457200" y="1600200"/>
-            <a:ext cx="5867400" cy="4876800"/>
-          </a:xfrm>
-        </p:spPr>
+        <p:spPr/>
         <p:txBody>
-          <a:bodyPr>
-            <a:normAutofit fontScale="70000" lnSpcReduction="20000"/>
-          </a:bodyPr>
+          <a:bodyPr/>
           <a:lstStyle/>
           <a:p>
             <a:r>
               <a:rPr lang="en-US" dirty="0"/>
-              <a:t>Just as forces have both a magnitude and a direction, moments have both a </a:t>
-            </a:r>
+              <a:t>Some common forces that you will see in many mechanics problems..</a:t>
+            </a:r>
+          </a:p>
+          <a:p>
+            <a:pPr lvl="1"/>
             <a:r>
               <a:rPr lang="en-US" b="1" dirty="0"/>
-              <a:t>magnitude</a:t>
+              <a:t>Pushing</a:t>
             </a:r>
             <a:r>
               <a:rPr lang="en-US" dirty="0"/>
-              <a:t> and a </a:t>
+              <a:t> or </a:t>
             </a:r>
             <a:r>
               <a:rPr lang="en-US" b="1" dirty="0"/>
-              <a:t>direction</a:t>
+              <a:t>pulling</a:t>
             </a:r>
             <a:r>
               <a:rPr lang="en-US" dirty="0"/>
-              <a:t>.</a:t>
-            </a:r>
-          </a:p>
-          <a:p>
+              <a:t> forces</a:t>
+            </a:r>
+          </a:p>
+          <a:p>
+            <a:pPr lvl="1"/>
+            <a:r>
+              <a:rPr lang="en-US" b="1" dirty="0"/>
+              <a:t>Gravity</a:t>
+            </a:r>
+            <a:r>
+              <a:rPr lang="en-US" dirty="0"/>
+              <a:t> forces</a:t>
+            </a:r>
+          </a:p>
+          <a:p>
+            <a:pPr lvl="1"/>
+            <a:r>
+              <a:rPr lang="en-US" b="1" dirty="0"/>
+              <a:t>Normal</a:t>
+            </a:r>
+            <a:r>
+              <a:rPr lang="en-US" dirty="0"/>
+              <a:t> or </a:t>
+            </a:r>
+            <a:r>
+              <a:rPr lang="en-US" b="1" dirty="0"/>
+              <a:t>reaction</a:t>
+            </a:r>
+            <a:r>
+              <a:rPr lang="en-US" dirty="0"/>
+              <a:t> forces</a:t>
+            </a:r>
+          </a:p>
+          <a:p>
+            <a:pPr lvl="1"/>
+            <a:r>
+              <a:rPr lang="en-US" b="1" dirty="0"/>
+              <a:t>Friction </a:t>
+            </a:r>
+            <a:r>
+              <a:rPr lang="en-US" dirty="0"/>
+              <a:t>forces</a:t>
+            </a:r>
+            <a:endParaRPr lang="en-US" b="1" dirty="0"/>
+          </a:p>
+          <a:p>
+            <a:pPr lvl="1"/>
+            <a:r>
+              <a:rPr lang="en-US" b="1" dirty="0"/>
+              <a:t>Tension</a:t>
+            </a:r>
+            <a:r>
+              <a:rPr lang="en-US" dirty="0"/>
+              <a:t> in cables, ropes, or chains</a:t>
+            </a:r>
+          </a:p>
+          <a:p>
+            <a:pPr lvl="1"/>
             <a:endParaRPr lang="en-US" dirty="0"/>
           </a:p>
           <a:p>
-            <a:r>
-              <a:rPr lang="en-US" dirty="0"/>
-              <a:t>The magnitude of the moment is related to the degree to which the force would cause angular accelerations about a given point or axis.</a:t>
-            </a:r>
-          </a:p>
-          <a:p>
             <a:pPr lvl="1"/>
-            <a:r>
-              <a:rPr lang="en-US" dirty="0"/>
-              <a:t>Measured in units of force x distance (Nm or ft lbs)</a:t>
-            </a:r>
-          </a:p>
-          <a:p>
-            <a:r>
-              <a:rPr lang="en-US" dirty="0"/>
-              <a:t>The direction of the moment vector represents the axis the force would cause the body to rotate around.</a:t>
-            </a:r>
-          </a:p>
-          <a:p>
-            <a:pPr lvl="1"/>
-            <a:r>
-              <a:rPr lang="en-US" dirty="0"/>
-              <a:t>With positive and negative moments representing counter-clockwise and clockwise (respectively) potential rotation about that axis </a:t>
-            </a:r>
+            <a:endParaRPr lang="en-US" dirty="0"/>
           </a:p>
         </p:txBody>
       </p:sp>
       <p:sp>
         <p:nvSpPr>
-          <p:cNvPr id="4" name="Slide Number Placeholder 3"/>
+          <p:cNvPr id="4" name="Slide Number Placeholder 3">
+            <a:extLst>
+              <a:ext uri="{FF2B5EF4-FFF2-40B4-BE49-F238E27FC236}">
+                <a16:creationId xmlns:a16="http://schemas.microsoft.com/office/drawing/2014/main" id="{0516B0BC-F6B6-4845-9760-6C4C6899CB9D}"/>
+              </a:ext>
+            </a:extLst>
+          </p:cNvPr>
           <p:cNvSpPr>
             <a:spLocks noGrp="1"/>
           </p:cNvSpPr>
@@ -4855,831 +7285,8 @@
           <a:p>
             <a:fld id="{929262FE-7F58-4A1E-8AF3-5A510A86DEBD}" type="slidenum">
               <a:rPr lang="en-US" smtClean="0"/>
-              <a:t>4</a:t>
+              <a:t>6</a:t>
             </a:fld>
-            <a:endParaRPr lang="en-US"/>
-          </a:p>
-        </p:txBody>
-      </p:sp>
-      <p:pic>
-        <p:nvPicPr>
-          <p:cNvPr id="2050" name="Picture 2" descr="The Right Hand Rule">
-            <a:extLst>
-              <a:ext uri="{FF2B5EF4-FFF2-40B4-BE49-F238E27FC236}">
-                <a16:creationId xmlns:a16="http://schemas.microsoft.com/office/drawing/2014/main" id="{2B4F3925-8942-46AC-853C-A4FB8EE3A98C}"/>
-              </a:ext>
-            </a:extLst>
-          </p:cNvPr>
-          <p:cNvPicPr>
-            <a:picLocks noChangeAspect="1" noChangeArrowheads="1"/>
-          </p:cNvPicPr>
-          <p:nvPr/>
-        </p:nvPicPr>
-        <p:blipFill>
-          <a:blip r:embed="rId2">
-            <a:extLst>
-              <a:ext uri="{28A0092B-C50C-407E-A947-70E740481C1C}">
-                <a14:useLocalDpi xmlns:a14="http://schemas.microsoft.com/office/drawing/2010/main" val="0"/>
-              </a:ext>
-            </a:extLst>
-          </a:blip>
-          <a:srcRect/>
-          <a:stretch>
-            <a:fillRect/>
-          </a:stretch>
-        </p:blipFill>
-        <p:spPr bwMode="auto">
-          <a:xfrm>
-            <a:off x="6210300" y="2438400"/>
-            <a:ext cx="2857500" cy="2371725"/>
-          </a:xfrm>
-          <a:prstGeom prst="rect">
-            <a:avLst/>
-          </a:prstGeom>
-          <a:noFill/>
-          <a:extLst>
-            <a:ext uri="{909E8E84-426E-40DD-AFC4-6F175D3DCCD1}">
-              <a14:hiddenFill xmlns:a14="http://schemas.microsoft.com/office/drawing/2010/main">
-                <a:solidFill>
-                  <a:srgbClr val="FFFFFF"/>
-                </a:solidFill>
-              </a14:hiddenFill>
-            </a:ext>
-          </a:extLst>
-        </p:spPr>
-      </p:pic>
-    </p:spTree>
-    <p:extLst>
-      <p:ext uri="{BB962C8B-B14F-4D97-AF65-F5344CB8AC3E}">
-        <p14:creationId xmlns:p14="http://schemas.microsoft.com/office/powerpoint/2010/main" val="1496043169"/>
-      </p:ext>
-    </p:extLst>
-  </p:cSld>
-  <p:clrMapOvr>
-    <a:masterClrMapping/>
-  </p:clrMapOvr>
-  <p:timing>
-    <p:tnLst>
-      <p:par>
-        <p:cTn id="1" dur="indefinite" restart="never" nodeType="tmRoot">
-          <p:childTnLst>
-            <p:seq concurrent="1" nextAc="seek">
-              <p:cTn id="2" dur="indefinite" nodeType="mainSeq">
-                <p:childTnLst>
-                  <p:par>
-                    <p:cTn id="3" fill="hold">
-                      <p:stCondLst>
-                        <p:cond delay="indefinite"/>
-                      </p:stCondLst>
-                      <p:childTnLst>
-                        <p:par>
-                          <p:cTn id="4" fill="hold">
-                            <p:stCondLst>
-                              <p:cond delay="0"/>
-                            </p:stCondLst>
-                            <p:childTnLst>
-                              <p:par>
-                                <p:cTn id="5" presetID="1" presetClass="entr" presetSubtype="0" fill="hold" grpId="0" nodeType="clickEffect">
-                                  <p:stCondLst>
-                                    <p:cond delay="0"/>
-                                  </p:stCondLst>
-                                  <p:childTnLst>
-                                    <p:set>
-                                      <p:cBhvr>
-                                        <p:cTn id="6" dur="1" fill="hold">
-                                          <p:stCondLst>
-                                            <p:cond delay="0"/>
-                                          </p:stCondLst>
-                                        </p:cTn>
-                                        <p:tgtEl>
-                                          <p:spTgt spid="3">
-                                            <p:txEl>
-                                              <p:pRg st="0" end="0"/>
-                                            </p:txEl>
-                                          </p:spTgt>
-                                        </p:tgtEl>
-                                        <p:attrNameLst>
-                                          <p:attrName>style.visibility</p:attrName>
-                                        </p:attrNameLst>
-                                      </p:cBhvr>
-                                      <p:to>
-                                        <p:strVal val="visible"/>
-                                      </p:to>
-                                    </p:set>
-                                  </p:childTnLst>
-                                </p:cTn>
-                              </p:par>
-                            </p:childTnLst>
-                          </p:cTn>
-                        </p:par>
-                      </p:childTnLst>
-                    </p:cTn>
-                  </p:par>
-                  <p:par>
-                    <p:cTn id="7" fill="hold">
-                      <p:stCondLst>
-                        <p:cond delay="indefinite"/>
-                      </p:stCondLst>
-                      <p:childTnLst>
-                        <p:par>
-                          <p:cTn id="8" fill="hold">
-                            <p:stCondLst>
-                              <p:cond delay="0"/>
-                            </p:stCondLst>
-                            <p:childTnLst>
-                              <p:par>
-                                <p:cTn id="9" presetID="1" presetClass="entr" presetSubtype="0" fill="hold" grpId="0" nodeType="clickEffect">
-                                  <p:stCondLst>
-                                    <p:cond delay="0"/>
-                                  </p:stCondLst>
-                                  <p:childTnLst>
-                                    <p:set>
-                                      <p:cBhvr>
-                                        <p:cTn id="10" dur="1" fill="hold">
-                                          <p:stCondLst>
-                                            <p:cond delay="0"/>
-                                          </p:stCondLst>
-                                        </p:cTn>
-                                        <p:tgtEl>
-                                          <p:spTgt spid="3">
-                                            <p:txEl>
-                                              <p:pRg st="2" end="2"/>
-                                            </p:txEl>
-                                          </p:spTgt>
-                                        </p:tgtEl>
-                                        <p:attrNameLst>
-                                          <p:attrName>style.visibility</p:attrName>
-                                        </p:attrNameLst>
-                                      </p:cBhvr>
-                                      <p:to>
-                                        <p:strVal val="visible"/>
-                                      </p:to>
-                                    </p:set>
-                                  </p:childTnLst>
-                                </p:cTn>
-                              </p:par>
-                            </p:childTnLst>
-                          </p:cTn>
-                        </p:par>
-                      </p:childTnLst>
-                    </p:cTn>
-                  </p:par>
-                  <p:par>
-                    <p:cTn id="11" fill="hold">
-                      <p:stCondLst>
-                        <p:cond delay="indefinite"/>
-                      </p:stCondLst>
-                      <p:childTnLst>
-                        <p:par>
-                          <p:cTn id="12" fill="hold">
-                            <p:stCondLst>
-                              <p:cond delay="0"/>
-                            </p:stCondLst>
-                            <p:childTnLst>
-                              <p:par>
-                                <p:cTn id="13" presetID="1" presetClass="entr" presetSubtype="0" fill="hold" grpId="0" nodeType="clickEffect">
-                                  <p:stCondLst>
-                                    <p:cond delay="0"/>
-                                  </p:stCondLst>
-                                  <p:childTnLst>
-                                    <p:set>
-                                      <p:cBhvr>
-                                        <p:cTn id="14" dur="1" fill="hold">
-                                          <p:stCondLst>
-                                            <p:cond delay="0"/>
-                                          </p:stCondLst>
-                                        </p:cTn>
-                                        <p:tgtEl>
-                                          <p:spTgt spid="3">
-                                            <p:txEl>
-                                              <p:pRg st="3" end="3"/>
-                                            </p:txEl>
-                                          </p:spTgt>
-                                        </p:tgtEl>
-                                        <p:attrNameLst>
-                                          <p:attrName>style.visibility</p:attrName>
-                                        </p:attrNameLst>
-                                      </p:cBhvr>
-                                      <p:to>
-                                        <p:strVal val="visible"/>
-                                      </p:to>
-                                    </p:set>
-                                  </p:childTnLst>
-                                </p:cTn>
-                              </p:par>
-                            </p:childTnLst>
-                          </p:cTn>
-                        </p:par>
-                      </p:childTnLst>
-                    </p:cTn>
-                  </p:par>
-                  <p:par>
-                    <p:cTn id="15" fill="hold">
-                      <p:stCondLst>
-                        <p:cond delay="indefinite"/>
-                      </p:stCondLst>
-                      <p:childTnLst>
-                        <p:par>
-                          <p:cTn id="16" fill="hold">
-                            <p:stCondLst>
-                              <p:cond delay="0"/>
-                            </p:stCondLst>
-                            <p:childTnLst>
-                              <p:par>
-                                <p:cTn id="17" presetID="1" presetClass="entr" presetSubtype="0" fill="hold" grpId="0" nodeType="clickEffect">
-                                  <p:stCondLst>
-                                    <p:cond delay="0"/>
-                                  </p:stCondLst>
-                                  <p:childTnLst>
-                                    <p:set>
-                                      <p:cBhvr>
-                                        <p:cTn id="18" dur="1" fill="hold">
-                                          <p:stCondLst>
-                                            <p:cond delay="0"/>
-                                          </p:stCondLst>
-                                        </p:cTn>
-                                        <p:tgtEl>
-                                          <p:spTgt spid="3">
-                                            <p:txEl>
-                                              <p:pRg st="4" end="4"/>
-                                            </p:txEl>
-                                          </p:spTgt>
-                                        </p:tgtEl>
-                                        <p:attrNameLst>
-                                          <p:attrName>style.visibility</p:attrName>
-                                        </p:attrNameLst>
-                                      </p:cBhvr>
-                                      <p:to>
-                                        <p:strVal val="visible"/>
-                                      </p:to>
-                                    </p:set>
-                                  </p:childTnLst>
-                                </p:cTn>
-                              </p:par>
-                            </p:childTnLst>
-                          </p:cTn>
-                        </p:par>
-                      </p:childTnLst>
-                    </p:cTn>
-                  </p:par>
-                  <p:par>
-                    <p:cTn id="19" fill="hold">
-                      <p:stCondLst>
-                        <p:cond delay="indefinite"/>
-                      </p:stCondLst>
-                      <p:childTnLst>
-                        <p:par>
-                          <p:cTn id="20" fill="hold">
-                            <p:stCondLst>
-                              <p:cond delay="0"/>
-                            </p:stCondLst>
-                            <p:childTnLst>
-                              <p:par>
-                                <p:cTn id="21" presetID="1" presetClass="entr" presetSubtype="0" fill="hold" grpId="0" nodeType="clickEffect">
-                                  <p:stCondLst>
-                                    <p:cond delay="0"/>
-                                  </p:stCondLst>
-                                  <p:childTnLst>
-                                    <p:set>
-                                      <p:cBhvr>
-                                        <p:cTn id="22" dur="1" fill="hold">
-                                          <p:stCondLst>
-                                            <p:cond delay="0"/>
-                                          </p:stCondLst>
-                                        </p:cTn>
-                                        <p:tgtEl>
-                                          <p:spTgt spid="3">
-                                            <p:txEl>
-                                              <p:pRg st="5" end="5"/>
-                                            </p:txEl>
-                                          </p:spTgt>
-                                        </p:tgtEl>
-                                        <p:attrNameLst>
-                                          <p:attrName>style.visibility</p:attrName>
-                                        </p:attrNameLst>
-                                      </p:cBhvr>
-                                      <p:to>
-                                        <p:strVal val="visible"/>
-                                      </p:to>
-                                    </p:set>
-                                  </p:childTnLst>
-                                </p:cTn>
-                              </p:par>
-                            </p:childTnLst>
-                          </p:cTn>
-                        </p:par>
-                      </p:childTnLst>
-                    </p:cTn>
-                  </p:par>
-                  <p:par>
-                    <p:cTn id="23" fill="hold">
-                      <p:stCondLst>
-                        <p:cond delay="indefinite"/>
-                      </p:stCondLst>
-                      <p:childTnLst>
-                        <p:par>
-                          <p:cTn id="24" fill="hold">
-                            <p:stCondLst>
-                              <p:cond delay="0"/>
-                            </p:stCondLst>
-                            <p:childTnLst>
-                              <p:par>
-                                <p:cTn id="25" presetID="10" presetClass="entr" presetSubtype="0" fill="hold" nodeType="clickEffect">
-                                  <p:stCondLst>
-                                    <p:cond delay="0"/>
-                                  </p:stCondLst>
-                                  <p:childTnLst>
-                                    <p:set>
-                                      <p:cBhvr>
-                                        <p:cTn id="26" dur="1" fill="hold">
-                                          <p:stCondLst>
-                                            <p:cond delay="0"/>
-                                          </p:stCondLst>
-                                        </p:cTn>
-                                        <p:tgtEl>
-                                          <p:spTgt spid="2050"/>
-                                        </p:tgtEl>
-                                        <p:attrNameLst>
-                                          <p:attrName>style.visibility</p:attrName>
-                                        </p:attrNameLst>
-                                      </p:cBhvr>
-                                      <p:to>
-                                        <p:strVal val="visible"/>
-                                      </p:to>
-                                    </p:set>
-                                    <p:animEffect transition="in" filter="fade">
-                                      <p:cBhvr>
-                                        <p:cTn id="27" dur="500"/>
-                                        <p:tgtEl>
-                                          <p:spTgt spid="2050"/>
-                                        </p:tgtEl>
-                                      </p:cBhvr>
-                                    </p:animEffect>
-                                  </p:childTnLst>
-                                </p:cTn>
-                              </p:par>
-                            </p:childTnLst>
-                          </p:cTn>
-                        </p:par>
-                      </p:childTnLst>
-                    </p:cTn>
-                  </p:par>
-                </p:childTnLst>
-              </p:cTn>
-              <p:prevCondLst>
-                <p:cond evt="onPrev" delay="0">
-                  <p:tgtEl>
-                    <p:sldTgt/>
-                  </p:tgtEl>
-                </p:cond>
-              </p:prevCondLst>
-              <p:nextCondLst>
-                <p:cond evt="onNext" delay="0">
-                  <p:tgtEl>
-                    <p:sldTgt/>
-                  </p:tgtEl>
-                </p:cond>
-              </p:nextCondLst>
-            </p:seq>
-          </p:childTnLst>
-        </p:cTn>
-      </p:par>
-    </p:tnLst>
-    <p:bldLst>
-      <p:bldP spid="3" grpId="0" build="p"/>
-    </p:bldLst>
-  </p:timing>
-</p:sld>
-</file>
-
-<file path=ppt/slides/slide5.xml><?xml version="1.0" encoding="utf-8"?>
-<p:sld xmlns:a="http://schemas.openxmlformats.org/drawingml/2006/main" xmlns:r="http://schemas.openxmlformats.org/officeDocument/2006/relationships" xmlns:p="http://schemas.openxmlformats.org/presentationml/2006/main">
-  <p:cSld>
-    <p:spTree>
-      <p:nvGrpSpPr>
-        <p:cNvPr id="1" name=""/>
-        <p:cNvGrpSpPr/>
-        <p:nvPr/>
-      </p:nvGrpSpPr>
-      <p:grpSpPr>
-        <a:xfrm>
-          <a:off x="0" y="0"/>
-          <a:ext cx="0" cy="0"/>
-          <a:chOff x="0" y="0"/>
-          <a:chExt cx="0" cy="0"/>
-        </a:xfrm>
-      </p:grpSpPr>
-      <p:sp>
-        <p:nvSpPr>
-          <p:cNvPr id="2" name="Title 1"/>
-          <p:cNvSpPr>
-            <a:spLocks noGrp="1"/>
-          </p:cNvSpPr>
-          <p:nvPr>
-            <p:ph type="title"/>
-          </p:nvPr>
-        </p:nvSpPr>
-        <p:spPr/>
-        <p:txBody>
-          <a:bodyPr/>
-          <a:lstStyle/>
-          <a:p>
-            <a:r>
-              <a:rPr lang="en-US" dirty="0"/>
-              <a:t>Taking the Moment About a Point</a:t>
-            </a:r>
-          </a:p>
-        </p:txBody>
-      </p:sp>
-      <p:sp>
-        <p:nvSpPr>
-          <p:cNvPr id="3" name="Content Placeholder 2"/>
-          <p:cNvSpPr>
-            <a:spLocks noGrp="1"/>
-          </p:cNvSpPr>
-          <p:nvPr>
-            <p:ph idx="1"/>
-          </p:nvPr>
-        </p:nvSpPr>
-        <p:spPr>
-          <a:xfrm>
-            <a:off x="457200" y="1600199"/>
-            <a:ext cx="8229600" cy="2840389"/>
-          </a:xfrm>
-        </p:spPr>
-        <p:txBody>
-          <a:bodyPr>
-            <a:normAutofit fontScale="85000" lnSpcReduction="20000"/>
-          </a:bodyPr>
-          <a:lstStyle/>
-          <a:p>
-            <a:r>
-              <a:rPr lang="en-US" dirty="0"/>
-              <a:t>When calculating moments, we need to choose a </a:t>
-            </a:r>
-            <a:r>
-              <a:rPr lang="en-US" b="1" dirty="0"/>
-              <a:t>point we are taking the moment about</a:t>
-            </a:r>
-            <a:r>
-              <a:rPr lang="en-US" dirty="0"/>
-              <a:t>. Both the magnitude and direction of a force will depend upon the point we pick.</a:t>
-            </a:r>
-          </a:p>
-          <a:p>
-            <a:r>
-              <a:rPr lang="en-US" dirty="0"/>
-              <a:t>Direction for a moment in two dimensions is always just going to be </a:t>
-            </a:r>
-            <a:r>
-              <a:rPr lang="en-US" b="1" dirty="0"/>
-              <a:t>counterclockwise</a:t>
-            </a:r>
-            <a:r>
-              <a:rPr lang="en-US" dirty="0"/>
-              <a:t> (</a:t>
-            </a:r>
-            <a:r>
-              <a:rPr lang="en-US" b="1" dirty="0"/>
-              <a:t>positive</a:t>
-            </a:r>
-            <a:r>
-              <a:rPr lang="en-US" dirty="0"/>
-              <a:t>) or </a:t>
-            </a:r>
-            <a:r>
-              <a:rPr lang="en-US" b="1" dirty="0"/>
-              <a:t>clockwise</a:t>
-            </a:r>
-            <a:r>
-              <a:rPr lang="en-US" dirty="0"/>
-              <a:t> (</a:t>
-            </a:r>
-            <a:r>
-              <a:rPr lang="en-US" b="1" dirty="0"/>
-              <a:t>negative</a:t>
-            </a:r>
-            <a:r>
-              <a:rPr lang="en-US" dirty="0"/>
-              <a:t>) and we can add or subtract them as scalar values.</a:t>
-            </a:r>
-          </a:p>
-        </p:txBody>
-      </p:sp>
-      <p:sp>
-        <p:nvSpPr>
-          <p:cNvPr id="4" name="Slide Number Placeholder 3"/>
-          <p:cNvSpPr>
-            <a:spLocks noGrp="1"/>
-          </p:cNvSpPr>
-          <p:nvPr>
-            <p:ph type="sldNum" sz="quarter" idx="12"/>
-          </p:nvPr>
-        </p:nvSpPr>
-        <p:spPr/>
-        <p:txBody>
-          <a:bodyPr/>
-          <a:lstStyle/>
-          <a:p>
-            <a:fld id="{929262FE-7F58-4A1E-8AF3-5A510A86DEBD}" type="slidenum">
-              <a:rPr lang="en-US" smtClean="0"/>
-              <a:t>5</a:t>
-            </a:fld>
-            <a:endParaRPr lang="en-US"/>
-          </a:p>
-        </p:txBody>
-      </p:sp>
-      <p:sp>
-        <p:nvSpPr>
-          <p:cNvPr id="5" name="Rectangle 4"/>
-          <p:cNvSpPr/>
-          <p:nvPr/>
-        </p:nvSpPr>
-        <p:spPr>
-          <a:xfrm>
-            <a:off x="2133600" y="5007429"/>
-            <a:ext cx="4876800" cy="370114"/>
-          </a:xfrm>
-          <a:prstGeom prst="rect">
-            <a:avLst/>
-          </a:prstGeom>
-          <a:solidFill>
-            <a:schemeClr val="bg2">
-              <a:lumMod val="75000"/>
-            </a:schemeClr>
-          </a:solidFill>
-          <a:ln>
-            <a:solidFill>
-              <a:schemeClr val="bg2">
-                <a:lumMod val="50000"/>
-              </a:schemeClr>
-            </a:solidFill>
-          </a:ln>
-        </p:spPr>
-        <p:style>
-          <a:lnRef idx="2">
-            <a:schemeClr val="accent6">
-              <a:shade val="50000"/>
-            </a:schemeClr>
-          </a:lnRef>
-          <a:fillRef idx="1">
-            <a:schemeClr val="accent6"/>
-          </a:fillRef>
-          <a:effectRef idx="0">
-            <a:schemeClr val="accent6"/>
-          </a:effectRef>
-          <a:fontRef idx="minor">
-            <a:schemeClr val="lt1"/>
-          </a:fontRef>
-        </p:style>
-        <p:txBody>
-          <a:bodyPr rtlCol="0" anchor="ctr"/>
-          <a:lstStyle/>
-          <a:p>
-            <a:pPr algn="ctr"/>
-            <a:endParaRPr lang="en-US"/>
-          </a:p>
-        </p:txBody>
-      </p:sp>
-      <p:cxnSp>
-        <p:nvCxnSpPr>
-          <p:cNvPr id="7" name="Straight Arrow Connector 6"/>
-          <p:cNvCxnSpPr/>
-          <p:nvPr/>
-        </p:nvCxnSpPr>
-        <p:spPr>
-          <a:xfrm flipV="1">
-            <a:off x="4572000" y="5399314"/>
-            <a:ext cx="0" cy="914400"/>
-          </a:xfrm>
-          <a:prstGeom prst="straightConnector1">
-            <a:avLst/>
-          </a:prstGeom>
-          <a:ln>
-            <a:solidFill>
-              <a:srgbClr val="FF0000"/>
-            </a:solidFill>
-            <a:tailEnd type="arrow"/>
-          </a:ln>
-        </p:spPr>
-        <p:style>
-          <a:lnRef idx="3">
-            <a:schemeClr val="accent2"/>
-          </a:lnRef>
-          <a:fillRef idx="0">
-            <a:schemeClr val="accent2"/>
-          </a:fillRef>
-          <a:effectRef idx="2">
-            <a:schemeClr val="accent2"/>
-          </a:effectRef>
-          <a:fontRef idx="minor">
-            <a:schemeClr val="tx1"/>
-          </a:fontRef>
-        </p:style>
-      </p:cxnSp>
-      <p:sp>
-        <p:nvSpPr>
-          <p:cNvPr id="8" name="TextBox 7"/>
-          <p:cNvSpPr txBox="1"/>
-          <p:nvPr/>
-        </p:nvSpPr>
-        <p:spPr>
-          <a:xfrm>
-            <a:off x="2120684" y="4583668"/>
-            <a:ext cx="317716" cy="369332"/>
-          </a:xfrm>
-          <a:prstGeom prst="rect">
-            <a:avLst/>
-          </a:prstGeom>
-          <a:noFill/>
-        </p:spPr>
-        <p:txBody>
-          <a:bodyPr wrap="none" rtlCol="0">
-            <a:spAutoFit/>
-          </a:bodyPr>
-          <a:lstStyle/>
-          <a:p>
-            <a:r>
-              <a:rPr lang="en-US" dirty="0"/>
-              <a:t>A</a:t>
-            </a:r>
-          </a:p>
-        </p:txBody>
-      </p:sp>
-      <p:sp>
-        <p:nvSpPr>
-          <p:cNvPr id="9" name="Oval 8"/>
-          <p:cNvSpPr/>
-          <p:nvPr/>
-        </p:nvSpPr>
-        <p:spPr>
-          <a:xfrm>
-            <a:off x="2216332" y="5144588"/>
-            <a:ext cx="91440" cy="91440"/>
-          </a:xfrm>
-          <a:prstGeom prst="ellipse">
-            <a:avLst/>
-          </a:prstGeom>
-        </p:spPr>
-        <p:style>
-          <a:lnRef idx="2">
-            <a:schemeClr val="dk1">
-              <a:shade val="50000"/>
-            </a:schemeClr>
-          </a:lnRef>
-          <a:fillRef idx="1">
-            <a:schemeClr val="dk1"/>
-          </a:fillRef>
-          <a:effectRef idx="0">
-            <a:schemeClr val="dk1"/>
-          </a:effectRef>
-          <a:fontRef idx="minor">
-            <a:schemeClr val="lt1"/>
-          </a:fontRef>
-        </p:style>
-        <p:txBody>
-          <a:bodyPr rtlCol="0" anchor="ctr"/>
-          <a:lstStyle/>
-          <a:p>
-            <a:pPr algn="ctr"/>
-            <a:endParaRPr lang="en-US"/>
-          </a:p>
-        </p:txBody>
-      </p:sp>
-      <p:sp>
-        <p:nvSpPr>
-          <p:cNvPr id="10" name="TextBox 9"/>
-          <p:cNvSpPr txBox="1"/>
-          <p:nvPr/>
-        </p:nvSpPr>
-        <p:spPr>
-          <a:xfrm>
-            <a:off x="3644684" y="4582886"/>
-            <a:ext cx="308098" cy="369332"/>
-          </a:xfrm>
-          <a:prstGeom prst="rect">
-            <a:avLst/>
-          </a:prstGeom>
-          <a:noFill/>
-        </p:spPr>
-        <p:txBody>
-          <a:bodyPr wrap="none" rtlCol="0">
-            <a:spAutoFit/>
-          </a:bodyPr>
-          <a:lstStyle/>
-          <a:p>
-            <a:r>
-              <a:rPr lang="en-US" dirty="0"/>
-              <a:t>C</a:t>
-            </a:r>
-          </a:p>
-        </p:txBody>
-      </p:sp>
-      <p:sp>
-        <p:nvSpPr>
-          <p:cNvPr id="11" name="Oval 10"/>
-          <p:cNvSpPr/>
-          <p:nvPr/>
-        </p:nvSpPr>
-        <p:spPr>
-          <a:xfrm>
-            <a:off x="3740332" y="5143806"/>
-            <a:ext cx="91440" cy="91440"/>
-          </a:xfrm>
-          <a:prstGeom prst="ellipse">
-            <a:avLst/>
-          </a:prstGeom>
-        </p:spPr>
-        <p:style>
-          <a:lnRef idx="2">
-            <a:schemeClr val="dk1">
-              <a:shade val="50000"/>
-            </a:schemeClr>
-          </a:lnRef>
-          <a:fillRef idx="1">
-            <a:schemeClr val="dk1"/>
-          </a:fillRef>
-          <a:effectRef idx="0">
-            <a:schemeClr val="dk1"/>
-          </a:effectRef>
-          <a:fontRef idx="minor">
-            <a:schemeClr val="lt1"/>
-          </a:fontRef>
-        </p:style>
-        <p:txBody>
-          <a:bodyPr rtlCol="0" anchor="ctr"/>
-          <a:lstStyle/>
-          <a:p>
-            <a:pPr algn="ctr"/>
-            <a:endParaRPr lang="en-US"/>
-          </a:p>
-        </p:txBody>
-      </p:sp>
-      <p:sp>
-        <p:nvSpPr>
-          <p:cNvPr id="12" name="TextBox 11"/>
-          <p:cNvSpPr txBox="1"/>
-          <p:nvPr/>
-        </p:nvSpPr>
-        <p:spPr>
-          <a:xfrm>
-            <a:off x="6683830" y="4593772"/>
-            <a:ext cx="309700" cy="369332"/>
-          </a:xfrm>
-          <a:prstGeom prst="rect">
-            <a:avLst/>
-          </a:prstGeom>
-          <a:noFill/>
-        </p:spPr>
-        <p:txBody>
-          <a:bodyPr wrap="none" rtlCol="0">
-            <a:spAutoFit/>
-          </a:bodyPr>
-          <a:lstStyle/>
-          <a:p>
-            <a:r>
-              <a:rPr lang="en-US" dirty="0"/>
-              <a:t>B</a:t>
-            </a:r>
-          </a:p>
-        </p:txBody>
-      </p:sp>
-      <p:sp>
-        <p:nvSpPr>
-          <p:cNvPr id="13" name="Oval 12"/>
-          <p:cNvSpPr/>
-          <p:nvPr/>
-        </p:nvSpPr>
-        <p:spPr>
-          <a:xfrm>
-            <a:off x="6779478" y="5154692"/>
-            <a:ext cx="91440" cy="91440"/>
-          </a:xfrm>
-          <a:prstGeom prst="ellipse">
-            <a:avLst/>
-          </a:prstGeom>
-        </p:spPr>
-        <p:style>
-          <a:lnRef idx="2">
-            <a:schemeClr val="dk1">
-              <a:shade val="50000"/>
-            </a:schemeClr>
-          </a:lnRef>
-          <a:fillRef idx="1">
-            <a:schemeClr val="dk1"/>
-          </a:fillRef>
-          <a:effectRef idx="0">
-            <a:schemeClr val="dk1"/>
-          </a:effectRef>
-          <a:fontRef idx="minor">
-            <a:schemeClr val="lt1"/>
-          </a:fontRef>
-        </p:style>
-        <p:txBody>
-          <a:bodyPr rtlCol="0" anchor="ctr"/>
-          <a:lstStyle/>
-          <a:p>
-            <a:pPr algn="ctr"/>
             <a:endParaRPr lang="en-US"/>
           </a:p>
         </p:txBody>
@@ -5687,573 +7294,7 @@
     </p:spTree>
     <p:extLst>
       <p:ext uri="{BB962C8B-B14F-4D97-AF65-F5344CB8AC3E}">
-        <p14:creationId xmlns:p14="http://schemas.microsoft.com/office/powerpoint/2010/main" val="3724594762"/>
-      </p:ext>
-    </p:extLst>
-  </p:cSld>
-  <p:clrMapOvr>
-    <a:masterClrMapping/>
-  </p:clrMapOvr>
-  <p:timing>
-    <p:tnLst>
-      <p:par>
-        <p:cTn id="1" dur="indefinite" restart="never" nodeType="tmRoot">
-          <p:childTnLst>
-            <p:seq concurrent="1" nextAc="seek">
-              <p:cTn id="2" dur="indefinite" nodeType="mainSeq">
-                <p:childTnLst>
-                  <p:par>
-                    <p:cTn id="3" fill="hold">
-                      <p:stCondLst>
-                        <p:cond delay="indefinite"/>
-                      </p:stCondLst>
-                      <p:childTnLst>
-                        <p:par>
-                          <p:cTn id="4" fill="hold">
-                            <p:stCondLst>
-                              <p:cond delay="0"/>
-                            </p:stCondLst>
-                            <p:childTnLst>
-                              <p:par>
-                                <p:cTn id="5" presetID="1" presetClass="entr" presetSubtype="0" fill="hold" grpId="0" nodeType="clickEffect">
-                                  <p:stCondLst>
-                                    <p:cond delay="0"/>
-                                  </p:stCondLst>
-                                  <p:childTnLst>
-                                    <p:set>
-                                      <p:cBhvr>
-                                        <p:cTn id="6" dur="1" fill="hold">
-                                          <p:stCondLst>
-                                            <p:cond delay="0"/>
-                                          </p:stCondLst>
-                                        </p:cTn>
-                                        <p:tgtEl>
-                                          <p:spTgt spid="3">
-                                            <p:txEl>
-                                              <p:pRg st="0" end="0"/>
-                                            </p:txEl>
-                                          </p:spTgt>
-                                        </p:tgtEl>
-                                        <p:attrNameLst>
-                                          <p:attrName>style.visibility</p:attrName>
-                                        </p:attrNameLst>
-                                      </p:cBhvr>
-                                      <p:to>
-                                        <p:strVal val="visible"/>
-                                      </p:to>
-                                    </p:set>
-                                  </p:childTnLst>
-                                </p:cTn>
-                              </p:par>
-                            </p:childTnLst>
-                          </p:cTn>
-                        </p:par>
-                      </p:childTnLst>
-                    </p:cTn>
-                  </p:par>
-                  <p:par>
-                    <p:cTn id="7" fill="hold">
-                      <p:stCondLst>
-                        <p:cond delay="indefinite"/>
-                      </p:stCondLst>
-                      <p:childTnLst>
-                        <p:par>
-                          <p:cTn id="8" fill="hold">
-                            <p:stCondLst>
-                              <p:cond delay="0"/>
-                            </p:stCondLst>
-                            <p:childTnLst>
-                              <p:par>
-                                <p:cTn id="9" presetID="10" presetClass="entr" presetSubtype="0" fill="hold" grpId="0" nodeType="clickEffect">
-                                  <p:stCondLst>
-                                    <p:cond delay="0"/>
-                                  </p:stCondLst>
-                                  <p:childTnLst>
-                                    <p:set>
-                                      <p:cBhvr>
-                                        <p:cTn id="10" dur="1" fill="hold">
-                                          <p:stCondLst>
-                                            <p:cond delay="0"/>
-                                          </p:stCondLst>
-                                        </p:cTn>
-                                        <p:tgtEl>
-                                          <p:spTgt spid="9"/>
-                                        </p:tgtEl>
-                                        <p:attrNameLst>
-                                          <p:attrName>style.visibility</p:attrName>
-                                        </p:attrNameLst>
-                                      </p:cBhvr>
-                                      <p:to>
-                                        <p:strVal val="visible"/>
-                                      </p:to>
-                                    </p:set>
-                                    <p:animEffect transition="in" filter="fade">
-                                      <p:cBhvr>
-                                        <p:cTn id="11" dur="500"/>
-                                        <p:tgtEl>
-                                          <p:spTgt spid="9"/>
-                                        </p:tgtEl>
-                                      </p:cBhvr>
-                                    </p:animEffect>
-                                  </p:childTnLst>
-                                </p:cTn>
-                              </p:par>
-                              <p:par>
-                                <p:cTn id="12" presetID="10" presetClass="entr" presetSubtype="0" fill="hold" grpId="0" nodeType="withEffect">
-                                  <p:stCondLst>
-                                    <p:cond delay="0"/>
-                                  </p:stCondLst>
-                                  <p:childTnLst>
-                                    <p:set>
-                                      <p:cBhvr>
-                                        <p:cTn id="13" dur="1" fill="hold">
-                                          <p:stCondLst>
-                                            <p:cond delay="0"/>
-                                          </p:stCondLst>
-                                        </p:cTn>
-                                        <p:tgtEl>
-                                          <p:spTgt spid="8"/>
-                                        </p:tgtEl>
-                                        <p:attrNameLst>
-                                          <p:attrName>style.visibility</p:attrName>
-                                        </p:attrNameLst>
-                                      </p:cBhvr>
-                                      <p:to>
-                                        <p:strVal val="visible"/>
-                                      </p:to>
-                                    </p:set>
-                                    <p:animEffect transition="in" filter="fade">
-                                      <p:cBhvr>
-                                        <p:cTn id="14" dur="500"/>
-                                        <p:tgtEl>
-                                          <p:spTgt spid="8"/>
-                                        </p:tgtEl>
-                                      </p:cBhvr>
-                                    </p:animEffect>
-                                  </p:childTnLst>
-                                </p:cTn>
-                              </p:par>
-                            </p:childTnLst>
-                          </p:cTn>
-                        </p:par>
-                      </p:childTnLst>
-                    </p:cTn>
-                  </p:par>
-                  <p:par>
-                    <p:cTn id="15" fill="hold">
-                      <p:stCondLst>
-                        <p:cond delay="indefinite"/>
-                      </p:stCondLst>
-                      <p:childTnLst>
-                        <p:par>
-                          <p:cTn id="16" fill="hold">
-                            <p:stCondLst>
-                              <p:cond delay="0"/>
-                            </p:stCondLst>
-                            <p:childTnLst>
-                              <p:par>
-                                <p:cTn id="17" presetID="10" presetClass="entr" presetSubtype="0" fill="hold" grpId="0" nodeType="clickEffect">
-                                  <p:stCondLst>
-                                    <p:cond delay="0"/>
-                                  </p:stCondLst>
-                                  <p:childTnLst>
-                                    <p:set>
-                                      <p:cBhvr>
-                                        <p:cTn id="18" dur="1" fill="hold">
-                                          <p:stCondLst>
-                                            <p:cond delay="0"/>
-                                          </p:stCondLst>
-                                        </p:cTn>
-                                        <p:tgtEl>
-                                          <p:spTgt spid="13"/>
-                                        </p:tgtEl>
-                                        <p:attrNameLst>
-                                          <p:attrName>style.visibility</p:attrName>
-                                        </p:attrNameLst>
-                                      </p:cBhvr>
-                                      <p:to>
-                                        <p:strVal val="visible"/>
-                                      </p:to>
-                                    </p:set>
-                                    <p:animEffect transition="in" filter="fade">
-                                      <p:cBhvr>
-                                        <p:cTn id="19" dur="500"/>
-                                        <p:tgtEl>
-                                          <p:spTgt spid="13"/>
-                                        </p:tgtEl>
-                                      </p:cBhvr>
-                                    </p:animEffect>
-                                  </p:childTnLst>
-                                </p:cTn>
-                              </p:par>
-                              <p:par>
-                                <p:cTn id="20" presetID="10" presetClass="entr" presetSubtype="0" fill="hold" grpId="0" nodeType="withEffect">
-                                  <p:stCondLst>
-                                    <p:cond delay="0"/>
-                                  </p:stCondLst>
-                                  <p:childTnLst>
-                                    <p:set>
-                                      <p:cBhvr>
-                                        <p:cTn id="21" dur="1" fill="hold">
-                                          <p:stCondLst>
-                                            <p:cond delay="0"/>
-                                          </p:stCondLst>
-                                        </p:cTn>
-                                        <p:tgtEl>
-                                          <p:spTgt spid="12"/>
-                                        </p:tgtEl>
-                                        <p:attrNameLst>
-                                          <p:attrName>style.visibility</p:attrName>
-                                        </p:attrNameLst>
-                                      </p:cBhvr>
-                                      <p:to>
-                                        <p:strVal val="visible"/>
-                                      </p:to>
-                                    </p:set>
-                                    <p:animEffect transition="in" filter="fade">
-                                      <p:cBhvr>
-                                        <p:cTn id="22" dur="500"/>
-                                        <p:tgtEl>
-                                          <p:spTgt spid="12"/>
-                                        </p:tgtEl>
-                                      </p:cBhvr>
-                                    </p:animEffect>
-                                  </p:childTnLst>
-                                </p:cTn>
-                              </p:par>
-                            </p:childTnLst>
-                          </p:cTn>
-                        </p:par>
-                      </p:childTnLst>
-                    </p:cTn>
-                  </p:par>
-                  <p:par>
-                    <p:cTn id="23" fill="hold">
-                      <p:stCondLst>
-                        <p:cond delay="indefinite"/>
-                      </p:stCondLst>
-                      <p:childTnLst>
-                        <p:par>
-                          <p:cTn id="24" fill="hold">
-                            <p:stCondLst>
-                              <p:cond delay="0"/>
-                            </p:stCondLst>
-                            <p:childTnLst>
-                              <p:par>
-                                <p:cTn id="25" presetID="10" presetClass="entr" presetSubtype="0" fill="hold" grpId="0" nodeType="clickEffect">
-                                  <p:stCondLst>
-                                    <p:cond delay="0"/>
-                                  </p:stCondLst>
-                                  <p:childTnLst>
-                                    <p:set>
-                                      <p:cBhvr>
-                                        <p:cTn id="26" dur="1" fill="hold">
-                                          <p:stCondLst>
-                                            <p:cond delay="0"/>
-                                          </p:stCondLst>
-                                        </p:cTn>
-                                        <p:tgtEl>
-                                          <p:spTgt spid="11"/>
-                                        </p:tgtEl>
-                                        <p:attrNameLst>
-                                          <p:attrName>style.visibility</p:attrName>
-                                        </p:attrNameLst>
-                                      </p:cBhvr>
-                                      <p:to>
-                                        <p:strVal val="visible"/>
-                                      </p:to>
-                                    </p:set>
-                                    <p:animEffect transition="in" filter="fade">
-                                      <p:cBhvr>
-                                        <p:cTn id="27" dur="500"/>
-                                        <p:tgtEl>
-                                          <p:spTgt spid="11"/>
-                                        </p:tgtEl>
-                                      </p:cBhvr>
-                                    </p:animEffect>
-                                  </p:childTnLst>
-                                </p:cTn>
-                              </p:par>
-                              <p:par>
-                                <p:cTn id="28" presetID="10" presetClass="entr" presetSubtype="0" fill="hold" grpId="0" nodeType="withEffect">
-                                  <p:stCondLst>
-                                    <p:cond delay="0"/>
-                                  </p:stCondLst>
-                                  <p:childTnLst>
-                                    <p:set>
-                                      <p:cBhvr>
-                                        <p:cTn id="29" dur="1" fill="hold">
-                                          <p:stCondLst>
-                                            <p:cond delay="0"/>
-                                          </p:stCondLst>
-                                        </p:cTn>
-                                        <p:tgtEl>
-                                          <p:spTgt spid="10"/>
-                                        </p:tgtEl>
-                                        <p:attrNameLst>
-                                          <p:attrName>style.visibility</p:attrName>
-                                        </p:attrNameLst>
-                                      </p:cBhvr>
-                                      <p:to>
-                                        <p:strVal val="visible"/>
-                                      </p:to>
-                                    </p:set>
-                                    <p:animEffect transition="in" filter="fade">
-                                      <p:cBhvr>
-                                        <p:cTn id="30" dur="500"/>
-                                        <p:tgtEl>
-                                          <p:spTgt spid="10"/>
-                                        </p:tgtEl>
-                                      </p:cBhvr>
-                                    </p:animEffect>
-                                  </p:childTnLst>
-                                </p:cTn>
-                              </p:par>
-                            </p:childTnLst>
-                          </p:cTn>
-                        </p:par>
-                      </p:childTnLst>
-                    </p:cTn>
-                  </p:par>
-                  <p:par>
-                    <p:cTn id="31" fill="hold">
-                      <p:stCondLst>
-                        <p:cond delay="indefinite"/>
-                      </p:stCondLst>
-                      <p:childTnLst>
-                        <p:par>
-                          <p:cTn id="32" fill="hold">
-                            <p:stCondLst>
-                              <p:cond delay="0"/>
-                            </p:stCondLst>
-                            <p:childTnLst>
-                              <p:par>
-                                <p:cTn id="33" presetID="1" presetClass="entr" presetSubtype="0" fill="hold" grpId="0" nodeType="clickEffect">
-                                  <p:stCondLst>
-                                    <p:cond delay="0"/>
-                                  </p:stCondLst>
-                                  <p:childTnLst>
-                                    <p:set>
-                                      <p:cBhvr>
-                                        <p:cTn id="34" dur="1" fill="hold">
-                                          <p:stCondLst>
-                                            <p:cond delay="0"/>
-                                          </p:stCondLst>
-                                        </p:cTn>
-                                        <p:tgtEl>
-                                          <p:spTgt spid="3">
-                                            <p:txEl>
-                                              <p:pRg st="1" end="1"/>
-                                            </p:txEl>
-                                          </p:spTgt>
-                                        </p:tgtEl>
-                                        <p:attrNameLst>
-                                          <p:attrName>style.visibility</p:attrName>
-                                        </p:attrNameLst>
-                                      </p:cBhvr>
-                                      <p:to>
-                                        <p:strVal val="visible"/>
-                                      </p:to>
-                                    </p:set>
-                                  </p:childTnLst>
-                                </p:cTn>
-                              </p:par>
-                            </p:childTnLst>
-                          </p:cTn>
-                        </p:par>
-                      </p:childTnLst>
-                    </p:cTn>
-                  </p:par>
-                </p:childTnLst>
-              </p:cTn>
-              <p:prevCondLst>
-                <p:cond evt="onPrev" delay="0">
-                  <p:tgtEl>
-                    <p:sldTgt/>
-                  </p:tgtEl>
-                </p:cond>
-              </p:prevCondLst>
-              <p:nextCondLst>
-                <p:cond evt="onNext" delay="0">
-                  <p:tgtEl>
-                    <p:sldTgt/>
-                  </p:tgtEl>
-                </p:cond>
-              </p:nextCondLst>
-            </p:seq>
-          </p:childTnLst>
-        </p:cTn>
-      </p:par>
-    </p:tnLst>
-    <p:bldLst>
-      <p:bldP spid="3" grpId="0" uiExpand="1" build="p"/>
-      <p:bldP spid="8" grpId="0"/>
-      <p:bldP spid="9" grpId="0" animBg="1"/>
-      <p:bldP spid="10" grpId="0"/>
-      <p:bldP spid="11" grpId="0" animBg="1"/>
-      <p:bldP spid="12" grpId="0"/>
-      <p:bldP spid="13" grpId="0" animBg="1"/>
-    </p:bldLst>
-  </p:timing>
-</p:sld>
-</file>
-
-<file path=ppt/slides/slide6.xml><?xml version="1.0" encoding="utf-8"?>
-<p:sld xmlns:a="http://schemas.openxmlformats.org/drawingml/2006/main" xmlns:r="http://schemas.openxmlformats.org/officeDocument/2006/relationships" xmlns:p="http://schemas.openxmlformats.org/presentationml/2006/main">
-  <p:cSld>
-    <p:spTree>
-      <p:nvGrpSpPr>
-        <p:cNvPr id="1" name=""/>
-        <p:cNvGrpSpPr/>
-        <p:nvPr/>
-      </p:nvGrpSpPr>
-      <p:grpSpPr>
-        <a:xfrm>
-          <a:off x="0" y="0"/>
-          <a:ext cx="0" cy="0"/>
-          <a:chOff x="0" y="0"/>
-          <a:chExt cx="0" cy="0"/>
-        </a:xfrm>
-      </p:grpSpPr>
-      <p:sp>
-        <p:nvSpPr>
-          <p:cNvPr id="2" name="Title 1"/>
-          <p:cNvSpPr>
-            <a:spLocks noGrp="1"/>
-          </p:cNvSpPr>
-          <p:nvPr>
-            <p:ph type="title"/>
-          </p:nvPr>
-        </p:nvSpPr>
-        <p:spPr/>
-        <p:txBody>
-          <a:bodyPr/>
-          <a:lstStyle/>
-          <a:p>
-            <a:r>
-              <a:rPr lang="en-US"/>
-              <a:t>Moments in 3D</a:t>
-            </a:r>
-          </a:p>
-        </p:txBody>
-      </p:sp>
-      <p:sp>
-        <p:nvSpPr>
-          <p:cNvPr id="3" name="Content Placeholder 2"/>
-          <p:cNvSpPr>
-            <a:spLocks noGrp="1"/>
-          </p:cNvSpPr>
-          <p:nvPr>
-            <p:ph idx="1"/>
-          </p:nvPr>
-        </p:nvSpPr>
-        <p:spPr>
-          <a:xfrm>
-            <a:off x="457200" y="1600200"/>
-            <a:ext cx="8229600" cy="2286000"/>
-          </a:xfrm>
-        </p:spPr>
-        <p:txBody>
-          <a:bodyPr>
-            <a:normAutofit fontScale="92500"/>
-          </a:bodyPr>
-          <a:lstStyle/>
-          <a:p>
-            <a:r>
-              <a:rPr lang="en-US" dirty="0"/>
-              <a:t>In three dimensions, the magnitude will stay the same, but now the direction is more complex. </a:t>
-            </a:r>
-          </a:p>
-          <a:p>
-            <a:r>
-              <a:rPr lang="en-US" dirty="0"/>
-              <a:t>A moment can now be applied about </a:t>
-            </a:r>
-            <a:r>
-              <a:rPr lang="en-US" b="1" dirty="0"/>
-              <a:t>any axis</a:t>
-            </a:r>
-            <a:r>
-              <a:rPr lang="en-US" dirty="0"/>
-              <a:t>, so we need to add or subtract them as vectors.</a:t>
-            </a:r>
-          </a:p>
-        </p:txBody>
-      </p:sp>
-      <p:sp>
-        <p:nvSpPr>
-          <p:cNvPr id="4" name="Slide Number Placeholder 3"/>
-          <p:cNvSpPr>
-            <a:spLocks noGrp="1"/>
-          </p:cNvSpPr>
-          <p:nvPr>
-            <p:ph type="sldNum" sz="quarter" idx="12"/>
-          </p:nvPr>
-        </p:nvSpPr>
-        <p:spPr/>
-        <p:txBody>
-          <a:bodyPr/>
-          <a:lstStyle/>
-          <a:p>
-            <a:fld id="{929262FE-7F58-4A1E-8AF3-5A510A86DEBD}" type="slidenum">
-              <a:rPr lang="en-US" smtClean="0"/>
-              <a:t>6</a:t>
-            </a:fld>
-            <a:endParaRPr lang="en-US"/>
-          </a:p>
-        </p:txBody>
-      </p:sp>
-      <p:pic>
-        <p:nvPicPr>
-          <p:cNvPr id="6" name="Picture 2">
-            <a:extLst>
-              <a:ext uri="{FF2B5EF4-FFF2-40B4-BE49-F238E27FC236}">
-                <a16:creationId xmlns:a16="http://schemas.microsoft.com/office/drawing/2014/main" id="{414E10B5-0A4E-42A2-8B43-5E93C5477A1F}"/>
-              </a:ext>
-            </a:extLst>
-          </p:cNvPr>
-          <p:cNvPicPr>
-            <a:picLocks noChangeAspect="1" noChangeArrowheads="1"/>
-          </p:cNvPicPr>
-          <p:nvPr/>
-        </p:nvPicPr>
-        <p:blipFill>
-          <a:blip r:embed="rId2">
-            <a:extLst>
-              <a:ext uri="{28A0092B-C50C-407E-A947-70E740481C1C}">
-                <a14:useLocalDpi xmlns:a14="http://schemas.microsoft.com/office/drawing/2010/main" val="0"/>
-              </a:ext>
-            </a:extLst>
-          </a:blip>
-          <a:srcRect/>
-          <a:stretch>
-            <a:fillRect/>
-          </a:stretch>
-        </p:blipFill>
-        <p:spPr bwMode="auto">
-          <a:xfrm>
-            <a:off x="2209800" y="4053840"/>
-            <a:ext cx="4191000" cy="2766060"/>
-          </a:xfrm>
-          <a:prstGeom prst="rect">
-            <a:avLst/>
-          </a:prstGeom>
-          <a:noFill/>
-          <a:extLst>
-            <a:ext uri="{909E8E84-426E-40DD-AFC4-6F175D3DCCD1}">
-              <a14:hiddenFill xmlns:a14="http://schemas.microsoft.com/office/drawing/2010/main">
-                <a:solidFill>
-                  <a:srgbClr val="FFFFFF"/>
-                </a:solidFill>
-              </a14:hiddenFill>
-            </a:ext>
-          </a:extLst>
-        </p:spPr>
-      </p:pic>
-    </p:spTree>
-    <p:extLst>
-      <p:ext uri="{BB962C8B-B14F-4D97-AF65-F5344CB8AC3E}">
-        <p14:creationId xmlns:p14="http://schemas.microsoft.com/office/powerpoint/2010/main" val="3535607454"/>
+        <p14:creationId xmlns:p14="http://schemas.microsoft.com/office/powerpoint/2010/main" val="4249289280"/>
       </p:ext>
     </p:extLst>
   </p:cSld>
@@ -6379,7 +7420,7 @@
                             </p:stCondLst>
                             <p:childTnLst>
                               <p:par>
-                                <p:cTn id="13" presetID="10" presetClass="entr" presetSubtype="0" fill="hold" nodeType="clickEffect">
+                                <p:cTn id="13" presetID="1" presetClass="entr" presetSubtype="0" fill="hold" grpId="0" nodeType="clickEffect">
                                   <p:stCondLst>
                                     <p:cond delay="0"/>
                                   </p:stCondLst>
@@ -6392,7 +7433,11 @@
                                           </p:stCondLst>
                                         </p:cTn>
                                         <p:tgtEl>
-                                          <p:spTgt spid="6"/>
+                                          <p:spTgt spid="3">
+                                            <p:txEl>
+                                              <p:pRg st="2" end="2"/>
+                                            </p:txEl>
+                                          </p:spTgt>
                                         </p:tgtEl>
                                         <p:attrNameLst>
                                           <p:attrName>style.visibility</p:attrName>
@@ -6402,14 +7447,153 @@
                                         <p:strVal val="visible"/>
                                       </p:to>
                                     </p:set>
-                                    <p:animEffect transition="in" filter="fade">
+                                  </p:childTnLst>
+                                </p:cTn>
+                              </p:par>
+                            </p:childTnLst>
+                          </p:cTn>
+                        </p:par>
+                      </p:childTnLst>
+                    </p:cTn>
+                  </p:par>
+                  <p:par>
+                    <p:cTn id="15" fill="hold">
+                      <p:stCondLst>
+                        <p:cond delay="indefinite"/>
+                      </p:stCondLst>
+                      <p:childTnLst>
+                        <p:par>
+                          <p:cTn id="16" fill="hold">
+                            <p:stCondLst>
+                              <p:cond delay="0"/>
+                            </p:stCondLst>
+                            <p:childTnLst>
+                              <p:par>
+                                <p:cTn id="17" presetID="1" presetClass="entr" presetSubtype="0" fill="hold" grpId="0" nodeType="clickEffect">
+                                  <p:stCondLst>
+                                    <p:cond delay="0"/>
+                                  </p:stCondLst>
+                                  <p:childTnLst>
+                                    <p:set>
                                       <p:cBhvr>
-                                        <p:cTn id="15" dur="500"/>
+                                        <p:cTn id="18" dur="1" fill="hold">
+                                          <p:stCondLst>
+                                            <p:cond delay="0"/>
+                                          </p:stCondLst>
+                                        </p:cTn>
                                         <p:tgtEl>
-                                          <p:spTgt spid="6"/>
+                                          <p:spTgt spid="3">
+                                            <p:txEl>
+                                              <p:pRg st="3" end="3"/>
+                                            </p:txEl>
+                                          </p:spTgt>
                                         </p:tgtEl>
+                                        <p:attrNameLst>
+                                          <p:attrName>style.visibility</p:attrName>
+                                        </p:attrNameLst>
                                       </p:cBhvr>
-                                    </p:animEffect>
+                                      <p:to>
+                                        <p:strVal val="visible"/>
+                                      </p:to>
+                                    </p:set>
+                                  </p:childTnLst>
+                                </p:cTn>
+                              </p:par>
+                            </p:childTnLst>
+                          </p:cTn>
+                        </p:par>
+                      </p:childTnLst>
+                    </p:cTn>
+                  </p:par>
+                  <p:par>
+                    <p:cTn id="19" fill="hold">
+                      <p:stCondLst>
+                        <p:cond delay="indefinite"/>
+                      </p:stCondLst>
+                      <p:childTnLst>
+                        <p:par>
+                          <p:cTn id="20" fill="hold">
+                            <p:stCondLst>
+                              <p:cond delay="0"/>
+                            </p:stCondLst>
+                            <p:childTnLst>
+                              <p:par>
+                                <p:cTn id="21" presetID="1" presetClass="entr" presetSubtype="0" fill="hold" grpId="0" nodeType="clickEffect">
+                                  <p:stCondLst>
+                                    <p:cond delay="0"/>
+                                  </p:stCondLst>
+                                  <p:childTnLst>
+                                    <p:set>
+                                      <p:cBhvr>
+                                        <p:cTn id="22" dur="1" fill="hold">
+                                          <p:stCondLst>
+                                            <p:cond delay="0"/>
+                                          </p:stCondLst>
+                                        </p:cTn>
+                                        <p:tgtEl>
+                                          <p:spTgt spid="3">
+                                            <p:txEl>
+                                              <p:pRg st="4" end="4"/>
+                                            </p:txEl>
+                                          </p:spTgt>
+                                        </p:tgtEl>
+                                        <p:attrNameLst>
+                                          <p:attrName>style.visibility</p:attrName>
+                                        </p:attrNameLst>
+                                      </p:cBhvr>
+                                      <p:to>
+                                        <p:strVal val="visible"/>
+                                      </p:to>
+                                    </p:set>
+                                  </p:childTnLst>
+                                </p:cTn>
+                              </p:par>
+                            </p:childTnLst>
+                          </p:cTn>
+                        </p:par>
+                      </p:childTnLst>
+                    </p:cTn>
+                  </p:par>
+                  <p:par>
+                    <p:cTn id="23" fill="hold">
+                      <p:stCondLst>
+                        <p:cond delay="indefinite"/>
+                      </p:stCondLst>
+                      <p:childTnLst>
+                        <p:par>
+                          <p:cTn id="24" fill="hold">
+                            <p:stCondLst>
+                              <p:cond delay="0"/>
+                            </p:stCondLst>
+                            <p:childTnLst>
+                              <p:par>
+                                <p:cTn id="25" presetID="1" presetClass="entr" presetSubtype="0" fill="hold" grpId="0" nodeType="clickEffect">
+                                  <p:stCondLst>
+                                    <p:cond delay="0"/>
+                                  </p:stCondLst>
+                                  <p:childTnLst>
+                                    <p:set>
+                                      <p:cBhvr>
+                                        <p:cTn id="26" dur="1" fill="hold">
+                                          <p:stCondLst>
+                                            <p:cond delay="0"/>
+                                          </p:stCondLst>
+                                        </p:cTn>
+                                        <p:tgtEl>
+                                          <p:spTgt spid="3">
+                                            <p:txEl>
+                                              <p:pRg st="5" end="5"/>
+                                            </p:txEl>
+                                          </p:spTgt>
+                                        </p:tgtEl>
+                                        <p:attrNameLst>
+                                          <p:attrName>style.visibility</p:attrName>
+                                        </p:attrNameLst>
+                                      </p:cBhvr>
+                                      <p:to>
+                                        <p:strVal val="visible"/>
+                                      </p:to>
+                                    </p:set>
                                   </p:childTnLst>
                                 </p:cTn>
                               </p:par>
@@ -6441,7 +7625,7 @@
       </p:par>
     </p:tnLst>
     <p:bldLst>
-      <p:bldP spid="3" grpId="0" uiExpand="1" build="p"/>
+      <p:bldP spid="3" grpId="0" build="p"/>
     </p:bldLst>
   </p:timing>
 </p:sld>
